--- a/slides/CP_meets_Verif_2016/SPARK.pptx
+++ b/slides/CP_meets_Verif_2016/SPARK.pptx
@@ -304,7 +304,7 @@
             <a:fld id="{28C7CF07-8AE4-48B4-9716-7DADFEA16C26}" type="datetime1">
               <a:rPr lang="en-US"/>
               <a:pPr/>
-              <a:t>7/21/16</a:t>
+              <a:t>7/25/16</a:t>
             </a:fld>
             <a:endParaRPr lang="en-US"/>
           </a:p>
@@ -4471,11 +4471,7 @@
           <a:p>
             <a:r>
               <a:rPr lang="en-US" u="sng" dirty="0" smtClean="0"/>
-              <a:t>Yannick </a:t>
-            </a:r>
-            <a:r>
-              <a:rPr lang="en-US" u="sng" dirty="0" smtClean="0"/>
-              <a:t>Moy</a:t>
+              <a:t>Yannick Moy</a:t>
             </a:r>
             <a:endParaRPr lang="en-US" u="sng" dirty="0"/>
           </a:p>
@@ -4498,11 +4494,7 @@
           <a:p>
             <a:r>
               <a:rPr lang="en-US" dirty="0" smtClean="0"/>
-              <a:t>CP Meets Verification </a:t>
-            </a:r>
-            <a:r>
-              <a:rPr lang="en-US" dirty="0" smtClean="0"/>
-              <a:t>2016</a:t>
+              <a:t>CP Meets Verification 2016</a:t>
             </a:r>
             <a:endParaRPr lang="en-US" dirty="0"/>
           </a:p>
@@ -10000,14 +9992,14 @@
           </a:ln>
           <a:extLst>
             <a:ext uri="{909E8E84-426E-40dd-AFC4-6F175D3DCCD1}">
-              <a14:hiddenFill xmlns:a14="http://schemas.microsoft.com/office/drawing/2010/main" xmlns="">
+              <a14:hiddenFill xmlns="" xmlns:a14="http://schemas.microsoft.com/office/drawing/2010/main">
                 <a:solidFill>
                   <a:srgbClr val="FFFFFF"/>
                 </a:solidFill>
               </a14:hiddenFill>
             </a:ext>
             <a:ext uri="{91240B29-F687-4f45-9708-019B960494DF}">
-              <a14:hiddenLine xmlns:a14="http://schemas.microsoft.com/office/drawing/2010/main" xmlns="" w="9525">
+              <a14:hiddenLine xmlns="" xmlns:a14="http://schemas.microsoft.com/office/drawing/2010/main" w="9525">
                 <a:solidFill>
                   <a:srgbClr val="000000"/>
                 </a:solidFill>
@@ -10704,11 +10696,6 @@
               </a:rPr>
               <a:t>{</a:t>
             </a:r>
-            <a:endParaRPr lang="fr-FR" sz="40000" i="0" kern="1200" dirty="0" smtClean="0">
-              <a:solidFill>
-                <a:schemeClr val="accent1"/>
-              </a:solidFill>
-            </a:endParaRPr>
           </a:p>
         </p:txBody>
       </p:sp>
@@ -10743,11 +10730,6 @@
               </a:rPr>
               <a:t>PROOF</a:t>
             </a:r>
-            <a:endParaRPr lang="fr-FR" sz="3600" b="1" i="0" kern="1200" dirty="0" smtClean="0">
-              <a:solidFill>
-                <a:schemeClr val="accent1"/>
-              </a:solidFill>
-            </a:endParaRPr>
           </a:p>
         </p:txBody>
       </p:sp>
@@ -11867,7 +11849,15 @@
             </a:r>
             <a:r>
               <a:rPr lang="fr-FR" dirty="0" smtClean="0"/>
-              <a:t> to encore </a:t>
+              <a:t> </a:t>
+            </a:r>
+            <a:r>
+              <a:rPr lang="fr-FR" smtClean="0"/>
+              <a:t>to </a:t>
+            </a:r>
+            <a:r>
+              <a:rPr lang="fr-FR" smtClean="0"/>
+              <a:t>encode </a:t>
             </a:r>
             <a:r>
               <a:rPr lang="fr-FR" dirty="0" err="1" smtClean="0"/>

--- a/slides/CP_meets_Verif_2016/SPARK.pptx
+++ b/slides/CP_meets_Verif_2016/SPARK.pptx
@@ -23,8 +23,8 @@
     <p:sldId id="1279" r:id="rId11"/>
     <p:sldId id="1286" r:id="rId12"/>
     <p:sldId id="1287" r:id="rId13"/>
-    <p:sldId id="1288" r:id="rId14"/>
-    <p:sldId id="1280" r:id="rId15"/>
+    <p:sldId id="1280" r:id="rId14"/>
+    <p:sldId id="1288" r:id="rId15"/>
     <p:sldId id="1276" r:id="rId16"/>
   </p:sldIdLst>
   <p:sldSz cx="9144000" cy="6858000" type="screen4x3"/>
@@ -304,7 +304,7 @@
             <a:fld id="{28C7CF07-8AE4-48B4-9716-7DADFEA16C26}" type="datetime1">
               <a:rPr lang="en-US"/>
               <a:pPr/>
-              <a:t>7/25/16</a:t>
+              <a:t>8/3/16</a:t>
             </a:fld>
             <a:endParaRPr lang="en-US"/>
           </a:p>
@@ -4974,12 +4974,12 @@
               <a:t>, </a:t>
             </a:r>
             <a:r>
-              <a:rPr lang="fr-FR" dirty="0" err="1" smtClean="0"/>
-              <a:t>University</a:t>
-            </a:r>
-            <a:r>
-              <a:rPr lang="fr-FR" dirty="0" smtClean="0"/>
-              <a:t> Paris-Sud, Université Rennes 1:</a:t>
+              <a:rPr lang="fr-FR" dirty="0" smtClean="0"/>
+              <a:t>Université </a:t>
+            </a:r>
+            <a:r>
+              <a:rPr lang="fr-FR" dirty="0" smtClean="0"/>
+              <a:t>Paris-Sud, Université Rennes 1:</a:t>
             </a:r>
           </a:p>
           <a:p>
@@ -5692,6 +5692,264 @@
 </file>
 
 <file path=ppt/slides/slide13.xml><?xml version="1.0" encoding="utf-8"?>
+<p:sld xmlns:a="http://schemas.openxmlformats.org/drawingml/2006/main" xmlns:r="http://schemas.openxmlformats.org/officeDocument/2006/relationships" xmlns:p="http://schemas.openxmlformats.org/presentationml/2006/main">
+  <p:cSld>
+    <p:spTree>
+      <p:nvGrpSpPr>
+        <p:cNvPr id="1" name=""/>
+        <p:cNvGrpSpPr/>
+        <p:nvPr/>
+      </p:nvGrpSpPr>
+      <p:grpSpPr>
+        <a:xfrm>
+          <a:off x="0" y="0"/>
+          <a:ext cx="0" cy="0"/>
+          <a:chOff x="0" y="0"/>
+          <a:chExt cx="0" cy="0"/>
+        </a:xfrm>
+      </p:grpSpPr>
+      <p:sp>
+        <p:nvSpPr>
+          <p:cNvPr id="2" name="Titre 1"/>
+          <p:cNvSpPr>
+            <a:spLocks noGrp="1"/>
+          </p:cNvSpPr>
+          <p:nvPr>
+            <p:ph type="title"/>
+          </p:nvPr>
+        </p:nvSpPr>
+        <p:spPr/>
+        <p:txBody>
+          <a:bodyPr/>
+          <a:lstStyle/>
+          <a:p>
+            <a:endParaRPr lang="fr-FR"/>
+          </a:p>
+        </p:txBody>
+      </p:sp>
+      <p:sp>
+        <p:nvSpPr>
+          <p:cNvPr id="3" name="Text Placeholder 8"/>
+          <p:cNvSpPr txBox="1">
+            <a:spLocks/>
+          </p:cNvSpPr>
+          <p:nvPr/>
+        </p:nvSpPr>
+        <p:spPr>
+          <a:xfrm>
+            <a:off x="683568" y="2852936"/>
+            <a:ext cx="7696200" cy="982800"/>
+          </a:xfrm>
+          <a:prstGeom prst="rect">
+            <a:avLst/>
+          </a:prstGeom>
+        </p:spPr>
+        <p:txBody>
+          <a:bodyPr/>
+          <a:lstStyle>
+            <a:lvl1pPr marL="342900" indent="-342900" algn="l" rtl="0" eaLnBrk="1" fontAlgn="base" hangingPunct="1">
+              <a:lnSpc>
+                <a:spcPct val="120000"/>
+              </a:lnSpc>
+              <a:spcBef>
+                <a:spcPct val="20000"/>
+              </a:spcBef>
+              <a:spcAft>
+                <a:spcPct val="0"/>
+              </a:spcAft>
+              <a:buClr>
+                <a:srgbClr val="404040"/>
+              </a:buClr>
+              <a:buChar char="•"/>
+              <a:defRPr sz="1600" b="1">
+                <a:solidFill>
+                  <a:srgbClr val="404040"/>
+                </a:solidFill>
+                <a:latin typeface="+mn-lt"/>
+                <a:ea typeface="ＭＳ Ｐゴシック" charset="-128"/>
+                <a:cs typeface="ＭＳ Ｐゴシック" charset="-128"/>
+              </a:defRPr>
+            </a:lvl1pPr>
+            <a:lvl2pPr marL="742950" indent="-285750" algn="l" rtl="0" eaLnBrk="1" fontAlgn="base" hangingPunct="1">
+              <a:lnSpc>
+                <a:spcPct val="120000"/>
+              </a:lnSpc>
+              <a:spcBef>
+                <a:spcPct val="20000"/>
+              </a:spcBef>
+              <a:spcAft>
+                <a:spcPct val="0"/>
+              </a:spcAft>
+              <a:buChar char="–"/>
+              <a:defRPr sz="1400">
+                <a:solidFill>
+                  <a:schemeClr val="tx1"/>
+                </a:solidFill>
+                <a:latin typeface="+mn-lt"/>
+                <a:ea typeface="ヒラギノ角ゴ ProN W3"/>
+                <a:cs typeface="ヒラギノ角ゴ ProN W3"/>
+              </a:defRPr>
+            </a:lvl2pPr>
+            <a:lvl3pPr marL="1143000" indent="-228600" algn="l" rtl="0" eaLnBrk="1" fontAlgn="base" hangingPunct="1">
+              <a:lnSpc>
+                <a:spcPct val="120000"/>
+              </a:lnSpc>
+              <a:spcBef>
+                <a:spcPct val="20000"/>
+              </a:spcBef>
+              <a:spcAft>
+                <a:spcPct val="0"/>
+              </a:spcAft>
+              <a:buChar char="–"/>
+              <a:defRPr sz="1200">
+                <a:solidFill>
+                  <a:schemeClr val="tx1"/>
+                </a:solidFill>
+                <a:latin typeface="+mn-lt"/>
+                <a:ea typeface="ヒラギノ角ゴ ProN W3"/>
+                <a:cs typeface="ヒラギノ角ゴ ProN W3"/>
+              </a:defRPr>
+            </a:lvl3pPr>
+            <a:lvl4pPr marL="1600200" indent="-228600" algn="l" rtl="0" eaLnBrk="1" fontAlgn="base" hangingPunct="1">
+              <a:spcBef>
+                <a:spcPct val="20000"/>
+              </a:spcBef>
+              <a:spcAft>
+                <a:spcPct val="0"/>
+              </a:spcAft>
+              <a:buFont typeface="Times" charset="0"/>
+              <a:buChar char="•"/>
+              <a:defRPr sz="1200">
+                <a:solidFill>
+                  <a:schemeClr val="tx1"/>
+                </a:solidFill>
+                <a:latin typeface="+mn-lt"/>
+                <a:ea typeface="ヒラギノ角ゴ ProN W3"/>
+                <a:cs typeface="ヒラギノ角ゴ ProN W3"/>
+              </a:defRPr>
+            </a:lvl4pPr>
+            <a:lvl5pPr marL="2057400" indent="-228600" algn="l" rtl="0" eaLnBrk="1" fontAlgn="base" hangingPunct="1">
+              <a:spcBef>
+                <a:spcPct val="20000"/>
+              </a:spcBef>
+              <a:spcAft>
+                <a:spcPct val="0"/>
+              </a:spcAft>
+              <a:buFont typeface="Times" charset="0"/>
+              <a:buChar char="•"/>
+              <a:defRPr sz="1200">
+                <a:solidFill>
+                  <a:schemeClr val="tx1"/>
+                </a:solidFill>
+                <a:latin typeface="+mn-lt"/>
+                <a:ea typeface="ヒラギノ角ゴ ProN W3"/>
+                <a:cs typeface="ヒラギノ角ゴ ProN W3"/>
+              </a:defRPr>
+            </a:lvl5pPr>
+            <a:lvl6pPr marL="2514600" indent="-228600" algn="l" rtl="0" eaLnBrk="1" fontAlgn="base" hangingPunct="1">
+              <a:spcBef>
+                <a:spcPct val="20000"/>
+              </a:spcBef>
+              <a:spcAft>
+                <a:spcPct val="0"/>
+              </a:spcAft>
+              <a:buFont typeface="Times" pitchFamily="18" charset="0"/>
+              <a:buChar char="•"/>
+              <a:defRPr sz="1200">
+                <a:solidFill>
+                  <a:schemeClr val="tx1"/>
+                </a:solidFill>
+                <a:latin typeface="+mn-lt"/>
+              </a:defRPr>
+            </a:lvl6pPr>
+            <a:lvl7pPr marL="2971800" indent="-228600" algn="l" rtl="0" eaLnBrk="1" fontAlgn="base" hangingPunct="1">
+              <a:spcBef>
+                <a:spcPct val="20000"/>
+              </a:spcBef>
+              <a:spcAft>
+                <a:spcPct val="0"/>
+              </a:spcAft>
+              <a:buFont typeface="Times" pitchFamily="18" charset="0"/>
+              <a:buChar char="•"/>
+              <a:defRPr sz="1200">
+                <a:solidFill>
+                  <a:schemeClr val="tx1"/>
+                </a:solidFill>
+                <a:latin typeface="+mn-lt"/>
+              </a:defRPr>
+            </a:lvl7pPr>
+            <a:lvl8pPr marL="3429000" indent="-228600" algn="l" rtl="0" eaLnBrk="1" fontAlgn="base" hangingPunct="1">
+              <a:spcBef>
+                <a:spcPct val="20000"/>
+              </a:spcBef>
+              <a:spcAft>
+                <a:spcPct val="0"/>
+              </a:spcAft>
+              <a:buFont typeface="Times" pitchFamily="18" charset="0"/>
+              <a:buChar char="•"/>
+              <a:defRPr sz="1200">
+                <a:solidFill>
+                  <a:schemeClr val="tx1"/>
+                </a:solidFill>
+                <a:latin typeface="+mn-lt"/>
+              </a:defRPr>
+            </a:lvl8pPr>
+            <a:lvl9pPr marL="3886200" indent="-228600" algn="l" rtl="0" eaLnBrk="1" fontAlgn="base" hangingPunct="1">
+              <a:spcBef>
+                <a:spcPct val="20000"/>
+              </a:spcBef>
+              <a:spcAft>
+                <a:spcPct val="0"/>
+              </a:spcAft>
+              <a:buFont typeface="Times" pitchFamily="18" charset="0"/>
+              <a:buChar char="•"/>
+              <a:defRPr sz="1200">
+                <a:solidFill>
+                  <a:schemeClr val="tx1"/>
+                </a:solidFill>
+                <a:latin typeface="+mn-lt"/>
+              </a:defRPr>
+            </a:lvl9pPr>
+          </a:lstStyle>
+          <a:p>
+            <a:pPr algn="ctr"/>
+            <a:r>
+              <a:rPr lang="fr-FR" sz="4000" i="0" kern="0" dirty="0" smtClean="0">
+                <a:solidFill>
+                  <a:schemeClr val="bg1"/>
+                </a:solidFill>
+              </a:rPr>
+              <a:t>Conclusion</a:t>
+            </a:r>
+            <a:endParaRPr lang="en-US" sz="4000" i="0" kern="0" dirty="0">
+              <a:solidFill>
+                <a:schemeClr val="bg1"/>
+              </a:solidFill>
+            </a:endParaRPr>
+          </a:p>
+        </p:txBody>
+      </p:sp>
+    </p:spTree>
+    <p:extLst>
+      <p:ext uri="{BB962C8B-B14F-4D97-AF65-F5344CB8AC3E}">
+        <p14:creationId xmlns:p14="http://schemas.microsoft.com/office/powerpoint/2010/main" val="1731083743"/>
+      </p:ext>
+    </p:extLst>
+  </p:cSld>
+  <p:clrMapOvr>
+    <a:masterClrMapping/>
+  </p:clrMapOvr>
+  <p:timing>
+    <p:tnLst>
+      <p:par>
+        <p:cTn id="1" dur="indefinite" restart="never" nodeType="tmRoot"/>
+      </p:par>
+    </p:tnLst>
+  </p:timing>
+</p:sld>
+</file>
+
+<file path=ppt/slides/slide14.xml><?xml version="1.0" encoding="utf-8"?>
 <p:sld xmlns:a="http://schemas.openxmlformats.org/drawingml/2006/main" xmlns:r="http://schemas.openxmlformats.org/officeDocument/2006/relationships" xmlns:p="http://schemas.openxmlformats.org/presentationml/2006/main">
   <p:cSld>
     <p:spTree>
@@ -8803,264 +9061,6 @@
 </p:sld>
 </file>
 
-<file path=ppt/slides/slide14.xml><?xml version="1.0" encoding="utf-8"?>
-<p:sld xmlns:a="http://schemas.openxmlformats.org/drawingml/2006/main" xmlns:r="http://schemas.openxmlformats.org/officeDocument/2006/relationships" xmlns:p="http://schemas.openxmlformats.org/presentationml/2006/main">
-  <p:cSld>
-    <p:spTree>
-      <p:nvGrpSpPr>
-        <p:cNvPr id="1" name=""/>
-        <p:cNvGrpSpPr/>
-        <p:nvPr/>
-      </p:nvGrpSpPr>
-      <p:grpSpPr>
-        <a:xfrm>
-          <a:off x="0" y="0"/>
-          <a:ext cx="0" cy="0"/>
-          <a:chOff x="0" y="0"/>
-          <a:chExt cx="0" cy="0"/>
-        </a:xfrm>
-      </p:grpSpPr>
-      <p:sp>
-        <p:nvSpPr>
-          <p:cNvPr id="2" name="Titre 1"/>
-          <p:cNvSpPr>
-            <a:spLocks noGrp="1"/>
-          </p:cNvSpPr>
-          <p:nvPr>
-            <p:ph type="title"/>
-          </p:nvPr>
-        </p:nvSpPr>
-        <p:spPr/>
-        <p:txBody>
-          <a:bodyPr/>
-          <a:lstStyle/>
-          <a:p>
-            <a:endParaRPr lang="fr-FR"/>
-          </a:p>
-        </p:txBody>
-      </p:sp>
-      <p:sp>
-        <p:nvSpPr>
-          <p:cNvPr id="3" name="Text Placeholder 8"/>
-          <p:cNvSpPr txBox="1">
-            <a:spLocks/>
-          </p:cNvSpPr>
-          <p:nvPr/>
-        </p:nvSpPr>
-        <p:spPr>
-          <a:xfrm>
-            <a:off x="683568" y="2852936"/>
-            <a:ext cx="7696200" cy="982800"/>
-          </a:xfrm>
-          <a:prstGeom prst="rect">
-            <a:avLst/>
-          </a:prstGeom>
-        </p:spPr>
-        <p:txBody>
-          <a:bodyPr/>
-          <a:lstStyle>
-            <a:lvl1pPr marL="342900" indent="-342900" algn="l" rtl="0" eaLnBrk="1" fontAlgn="base" hangingPunct="1">
-              <a:lnSpc>
-                <a:spcPct val="120000"/>
-              </a:lnSpc>
-              <a:spcBef>
-                <a:spcPct val="20000"/>
-              </a:spcBef>
-              <a:spcAft>
-                <a:spcPct val="0"/>
-              </a:spcAft>
-              <a:buClr>
-                <a:srgbClr val="404040"/>
-              </a:buClr>
-              <a:buChar char="•"/>
-              <a:defRPr sz="1600" b="1">
-                <a:solidFill>
-                  <a:srgbClr val="404040"/>
-                </a:solidFill>
-                <a:latin typeface="+mn-lt"/>
-                <a:ea typeface="ＭＳ Ｐゴシック" charset="-128"/>
-                <a:cs typeface="ＭＳ Ｐゴシック" charset="-128"/>
-              </a:defRPr>
-            </a:lvl1pPr>
-            <a:lvl2pPr marL="742950" indent="-285750" algn="l" rtl="0" eaLnBrk="1" fontAlgn="base" hangingPunct="1">
-              <a:lnSpc>
-                <a:spcPct val="120000"/>
-              </a:lnSpc>
-              <a:spcBef>
-                <a:spcPct val="20000"/>
-              </a:spcBef>
-              <a:spcAft>
-                <a:spcPct val="0"/>
-              </a:spcAft>
-              <a:buChar char="–"/>
-              <a:defRPr sz="1400">
-                <a:solidFill>
-                  <a:schemeClr val="tx1"/>
-                </a:solidFill>
-                <a:latin typeface="+mn-lt"/>
-                <a:ea typeface="ヒラギノ角ゴ ProN W3"/>
-                <a:cs typeface="ヒラギノ角ゴ ProN W3"/>
-              </a:defRPr>
-            </a:lvl2pPr>
-            <a:lvl3pPr marL="1143000" indent="-228600" algn="l" rtl="0" eaLnBrk="1" fontAlgn="base" hangingPunct="1">
-              <a:lnSpc>
-                <a:spcPct val="120000"/>
-              </a:lnSpc>
-              <a:spcBef>
-                <a:spcPct val="20000"/>
-              </a:spcBef>
-              <a:spcAft>
-                <a:spcPct val="0"/>
-              </a:spcAft>
-              <a:buChar char="–"/>
-              <a:defRPr sz="1200">
-                <a:solidFill>
-                  <a:schemeClr val="tx1"/>
-                </a:solidFill>
-                <a:latin typeface="+mn-lt"/>
-                <a:ea typeface="ヒラギノ角ゴ ProN W3"/>
-                <a:cs typeface="ヒラギノ角ゴ ProN W3"/>
-              </a:defRPr>
-            </a:lvl3pPr>
-            <a:lvl4pPr marL="1600200" indent="-228600" algn="l" rtl="0" eaLnBrk="1" fontAlgn="base" hangingPunct="1">
-              <a:spcBef>
-                <a:spcPct val="20000"/>
-              </a:spcBef>
-              <a:spcAft>
-                <a:spcPct val="0"/>
-              </a:spcAft>
-              <a:buFont typeface="Times" charset="0"/>
-              <a:buChar char="•"/>
-              <a:defRPr sz="1200">
-                <a:solidFill>
-                  <a:schemeClr val="tx1"/>
-                </a:solidFill>
-                <a:latin typeface="+mn-lt"/>
-                <a:ea typeface="ヒラギノ角ゴ ProN W3"/>
-                <a:cs typeface="ヒラギノ角ゴ ProN W3"/>
-              </a:defRPr>
-            </a:lvl4pPr>
-            <a:lvl5pPr marL="2057400" indent="-228600" algn="l" rtl="0" eaLnBrk="1" fontAlgn="base" hangingPunct="1">
-              <a:spcBef>
-                <a:spcPct val="20000"/>
-              </a:spcBef>
-              <a:spcAft>
-                <a:spcPct val="0"/>
-              </a:spcAft>
-              <a:buFont typeface="Times" charset="0"/>
-              <a:buChar char="•"/>
-              <a:defRPr sz="1200">
-                <a:solidFill>
-                  <a:schemeClr val="tx1"/>
-                </a:solidFill>
-                <a:latin typeface="+mn-lt"/>
-                <a:ea typeface="ヒラギノ角ゴ ProN W3"/>
-                <a:cs typeface="ヒラギノ角ゴ ProN W3"/>
-              </a:defRPr>
-            </a:lvl5pPr>
-            <a:lvl6pPr marL="2514600" indent="-228600" algn="l" rtl="0" eaLnBrk="1" fontAlgn="base" hangingPunct="1">
-              <a:spcBef>
-                <a:spcPct val="20000"/>
-              </a:spcBef>
-              <a:spcAft>
-                <a:spcPct val="0"/>
-              </a:spcAft>
-              <a:buFont typeface="Times" pitchFamily="18" charset="0"/>
-              <a:buChar char="•"/>
-              <a:defRPr sz="1200">
-                <a:solidFill>
-                  <a:schemeClr val="tx1"/>
-                </a:solidFill>
-                <a:latin typeface="+mn-lt"/>
-              </a:defRPr>
-            </a:lvl6pPr>
-            <a:lvl7pPr marL="2971800" indent="-228600" algn="l" rtl="0" eaLnBrk="1" fontAlgn="base" hangingPunct="1">
-              <a:spcBef>
-                <a:spcPct val="20000"/>
-              </a:spcBef>
-              <a:spcAft>
-                <a:spcPct val="0"/>
-              </a:spcAft>
-              <a:buFont typeface="Times" pitchFamily="18" charset="0"/>
-              <a:buChar char="•"/>
-              <a:defRPr sz="1200">
-                <a:solidFill>
-                  <a:schemeClr val="tx1"/>
-                </a:solidFill>
-                <a:latin typeface="+mn-lt"/>
-              </a:defRPr>
-            </a:lvl7pPr>
-            <a:lvl8pPr marL="3429000" indent="-228600" algn="l" rtl="0" eaLnBrk="1" fontAlgn="base" hangingPunct="1">
-              <a:spcBef>
-                <a:spcPct val="20000"/>
-              </a:spcBef>
-              <a:spcAft>
-                <a:spcPct val="0"/>
-              </a:spcAft>
-              <a:buFont typeface="Times" pitchFamily="18" charset="0"/>
-              <a:buChar char="•"/>
-              <a:defRPr sz="1200">
-                <a:solidFill>
-                  <a:schemeClr val="tx1"/>
-                </a:solidFill>
-                <a:latin typeface="+mn-lt"/>
-              </a:defRPr>
-            </a:lvl8pPr>
-            <a:lvl9pPr marL="3886200" indent="-228600" algn="l" rtl="0" eaLnBrk="1" fontAlgn="base" hangingPunct="1">
-              <a:spcBef>
-                <a:spcPct val="20000"/>
-              </a:spcBef>
-              <a:spcAft>
-                <a:spcPct val="0"/>
-              </a:spcAft>
-              <a:buFont typeface="Times" pitchFamily="18" charset="0"/>
-              <a:buChar char="•"/>
-              <a:defRPr sz="1200">
-                <a:solidFill>
-                  <a:schemeClr val="tx1"/>
-                </a:solidFill>
-                <a:latin typeface="+mn-lt"/>
-              </a:defRPr>
-            </a:lvl9pPr>
-          </a:lstStyle>
-          <a:p>
-            <a:pPr algn="ctr"/>
-            <a:r>
-              <a:rPr lang="fr-FR" sz="4000" i="0" kern="0" dirty="0" smtClean="0">
-                <a:solidFill>
-                  <a:schemeClr val="bg1"/>
-                </a:solidFill>
-              </a:rPr>
-              <a:t>Conclusion</a:t>
-            </a:r>
-            <a:endParaRPr lang="en-US" sz="4000" i="0" kern="0" dirty="0">
-              <a:solidFill>
-                <a:schemeClr val="bg1"/>
-              </a:solidFill>
-            </a:endParaRPr>
-          </a:p>
-        </p:txBody>
-      </p:sp>
-    </p:spTree>
-    <p:extLst>
-      <p:ext uri="{BB962C8B-B14F-4D97-AF65-F5344CB8AC3E}">
-        <p14:creationId xmlns:p14="http://schemas.microsoft.com/office/powerpoint/2010/main" val="1731083743"/>
-      </p:ext>
-    </p:extLst>
-  </p:cSld>
-  <p:clrMapOvr>
-    <a:masterClrMapping/>
-  </p:clrMapOvr>
-  <p:timing>
-    <p:tnLst>
-      <p:par>
-        <p:cTn id="1" dur="indefinite" restart="never" nodeType="tmRoot"/>
-      </p:par>
-    </p:tnLst>
-  </p:timing>
-</p:sld>
-</file>
-
 <file path=ppt/slides/slide15.xml><?xml version="1.0" encoding="utf-8"?>
 <p:sld xmlns:a="http://schemas.openxmlformats.org/drawingml/2006/main" xmlns:r="http://schemas.openxmlformats.org/officeDocument/2006/relationships" xmlns:p="http://schemas.openxmlformats.org/presentationml/2006/main">
   <p:cSld>
@@ -9213,11 +9213,7 @@
             </a:pPr>
             <a:r>
               <a:rPr lang="fr-FR" sz="2000" b="0" dirty="0" smtClean="0"/>
-              <a:t>Code source of </a:t>
-            </a:r>
-            <a:r>
-              <a:rPr lang="fr-FR" sz="2000" b="0" dirty="0" err="1" smtClean="0"/>
-              <a:t>examples</a:t>
+              <a:t>SPARK source code (GPLv3) </a:t>
             </a:r>
             <a:endParaRPr lang="fr-FR" sz="2000" b="0" dirty="0" smtClean="0"/>
           </a:p>
@@ -9340,7 +9336,19 @@
             </a:r>
             <a:r>
               <a:rPr lang="fr-FR" sz="2000" b="0" dirty="0" smtClean="0"/>
-              <a:t> (</a:t>
+              <a:t> </a:t>
+            </a:r>
+            <a:r>
+              <a:rPr lang="fr-FR" sz="2000" b="0" dirty="0" smtClean="0"/>
+              <a:t>(Reference </a:t>
+            </a:r>
+            <a:r>
+              <a:rPr lang="fr-FR" sz="2000" b="0" dirty="0" err="1" smtClean="0"/>
+              <a:t>Manual</a:t>
+            </a:r>
+            <a:r>
+              <a:rPr lang="fr-FR" sz="2000" b="0" dirty="0" smtClean="0"/>
+              <a:t> and </a:t>
             </a:r>
             <a:r>
               <a:rPr lang="fr-FR" sz="2000" b="0" dirty="0" err="1" smtClean="0"/>
@@ -9348,7 +9356,11 @@
             </a:r>
             <a:r>
               <a:rPr lang="fr-FR" sz="2000" b="0" dirty="0" smtClean="0"/>
-              <a:t> Guide)</a:t>
+              <a:t> </a:t>
+            </a:r>
+            <a:r>
+              <a:rPr lang="fr-FR" sz="2000" b="0" dirty="0" smtClean="0"/>
+              <a:t>Guide)</a:t>
             </a:r>
           </a:p>
           <a:p>
@@ -9992,14 +10004,14 @@
           </a:ln>
           <a:extLst>
             <a:ext uri="{909E8E84-426E-40dd-AFC4-6F175D3DCCD1}">
-              <a14:hiddenFill xmlns="" xmlns:a14="http://schemas.microsoft.com/office/drawing/2010/main">
+              <a14:hiddenFill xmlns:a14="http://schemas.microsoft.com/office/drawing/2010/main" xmlns="">
                 <a:solidFill>
                   <a:srgbClr val="FFFFFF"/>
                 </a:solidFill>
               </a14:hiddenFill>
             </a:ext>
             <a:ext uri="{91240B29-F687-4f45-9708-019B960494DF}">
-              <a14:hiddenLine xmlns="" xmlns:a14="http://schemas.microsoft.com/office/drawing/2010/main" w="9525">
+              <a14:hiddenLine xmlns:a14="http://schemas.microsoft.com/office/drawing/2010/main" xmlns="" w="9525">
                 <a:solidFill>
                   <a:srgbClr val="000000"/>
                 </a:solidFill>
@@ -11853,11 +11865,7 @@
             </a:r>
             <a:r>
               <a:rPr lang="fr-FR" smtClean="0"/>
-              <a:t>to </a:t>
-            </a:r>
-            <a:r>
-              <a:rPr lang="fr-FR" smtClean="0"/>
-              <a:t>encode </a:t>
+              <a:t>to encode </a:t>
             </a:r>
             <a:r>
               <a:rPr lang="fr-FR" dirty="0" err="1" smtClean="0"/>
@@ -13097,6 +13105,93 @@
               <a:buNone/>
             </a:pPr>
             <a:r>
+              <a:rPr lang="fr-FR" dirty="0" smtClean="0"/>
+              <a:t>Quantifier </a:t>
+            </a:r>
+            <a:r>
+              <a:rPr lang="fr-FR" dirty="0" err="1" smtClean="0"/>
+              <a:t>instantiation</a:t>
+            </a:r>
+            <a:r>
+              <a:rPr lang="fr-FR" dirty="0" smtClean="0"/>
+              <a:t> in SMT </a:t>
+            </a:r>
+            <a:r>
+              <a:rPr lang="fr-FR" dirty="0" err="1" smtClean="0"/>
+              <a:t>solvers</a:t>
+            </a:r>
+            <a:r>
+              <a:rPr lang="fr-FR" dirty="0" smtClean="0"/>
+              <a:t> </a:t>
+            </a:r>
+            <a:r>
+              <a:rPr lang="fr-FR" dirty="0" err="1" smtClean="0"/>
+              <a:t>based</a:t>
+            </a:r>
+            <a:r>
+              <a:rPr lang="fr-FR" dirty="0" smtClean="0"/>
+              <a:t> on:</a:t>
+            </a:r>
+          </a:p>
+          <a:p>
+            <a:pPr lvl="1"/>
+            <a:r>
+              <a:rPr lang="fr-FR" dirty="0" err="1" smtClean="0"/>
+              <a:t>Syntax-directed</a:t>
+            </a:r>
+            <a:r>
+              <a:rPr lang="fr-FR" dirty="0" smtClean="0"/>
+              <a:t> </a:t>
+            </a:r>
+            <a:r>
+              <a:rPr lang="fr-FR" dirty="0" err="1" smtClean="0"/>
+              <a:t>instantiation</a:t>
+            </a:r>
+            <a:r>
+              <a:rPr lang="fr-FR" dirty="0" smtClean="0"/>
+              <a:t> (triggers)</a:t>
+            </a:r>
+          </a:p>
+          <a:p>
+            <a:pPr lvl="1"/>
+            <a:r>
+              <a:rPr lang="fr-FR" dirty="0" smtClean="0"/>
+              <a:t>Value-</a:t>
+            </a:r>
+            <a:r>
+              <a:rPr lang="fr-FR" dirty="0" err="1" smtClean="0"/>
+              <a:t>directed</a:t>
+            </a:r>
+            <a:r>
+              <a:rPr lang="fr-FR" dirty="0" smtClean="0"/>
+              <a:t> </a:t>
+            </a:r>
+            <a:r>
+              <a:rPr lang="fr-FR" dirty="0" err="1" smtClean="0"/>
+              <a:t>instantiation</a:t>
+            </a:r>
+            <a:r>
+              <a:rPr lang="fr-FR" dirty="0" smtClean="0"/>
+              <a:t> (</a:t>
+            </a:r>
+            <a:r>
+              <a:rPr lang="fr-FR" dirty="0" err="1" smtClean="0"/>
+              <a:t>models</a:t>
+            </a:r>
+            <a:r>
+              <a:rPr lang="fr-FR" dirty="0" smtClean="0"/>
+              <a:t>)</a:t>
+            </a:r>
+          </a:p>
+          <a:p>
+            <a:pPr lvl="1"/>
+            <a:endParaRPr lang="fr-FR" dirty="0" smtClean="0"/>
+          </a:p>
+          <a:p>
+            <a:pPr marL="0" indent="0">
+              <a:buNone/>
+            </a:pPr>
+            <a:r>
               <a:rPr lang="fr-FR" dirty="0" err="1" smtClean="0"/>
               <a:t>Mixing</a:t>
             </a:r>
@@ -13118,7 +13213,27 @@
             </a:r>
             <a:r>
               <a:rPr lang="fr-FR" dirty="0" smtClean="0"/>
-              <a:t> lead </a:t>
+              <a:t> (</a:t>
+            </a:r>
+            <a:r>
+              <a:rPr lang="fr-FR" dirty="0" err="1" smtClean="0"/>
+              <a:t>arithmetic</a:t>
+            </a:r>
+            <a:r>
+              <a:rPr lang="fr-FR" dirty="0" smtClean="0"/>
+              <a:t> in </a:t>
+            </a:r>
+            <a:r>
+              <a:rPr lang="fr-FR" dirty="0" err="1" smtClean="0"/>
+              <a:t>particular</a:t>
+            </a:r>
+            <a:r>
+              <a:rPr lang="fr-FR" dirty="0" smtClean="0"/>
+              <a:t>) </a:t>
+            </a:r>
+            <a:r>
+              <a:rPr lang="fr-FR" dirty="0" smtClean="0"/>
+              <a:t>lead </a:t>
             </a:r>
             <a:r>
               <a:rPr lang="fr-FR" dirty="0" err="1" smtClean="0"/>
@@ -13147,6 +13262,109 @@
             <a:endParaRPr lang="fr-FR" dirty="0" smtClean="0"/>
           </a:p>
           <a:p>
+            <a:pPr marL="0" indent="0">
+              <a:buNone/>
+            </a:pPr>
+            <a:endParaRPr lang="fr-FR" dirty="0" smtClean="0"/>
+          </a:p>
+          <a:p>
+            <a:pPr marL="0" indent="0">
+              <a:buNone/>
+            </a:pPr>
+            <a:r>
+              <a:rPr lang="fr-FR" dirty="0" err="1" smtClean="0"/>
+              <a:t>Current</a:t>
+            </a:r>
+            <a:r>
+              <a:rPr lang="fr-FR" dirty="0" smtClean="0"/>
+              <a:t> solution in SPARK: use no / simple </a:t>
+            </a:r>
+            <a:r>
+              <a:rPr lang="fr-FR" dirty="0" err="1" smtClean="0"/>
+              <a:t>quantifiers</a:t>
+            </a:r>
+            <a:r>
+              <a:rPr lang="fr-FR" dirty="0" smtClean="0"/>
+              <a:t> </a:t>
+            </a:r>
+            <a:r>
+              <a:rPr lang="fr-FR" dirty="0" err="1" smtClean="0"/>
+              <a:t>when</a:t>
+            </a:r>
+            <a:r>
+              <a:rPr lang="fr-FR" dirty="0" smtClean="0"/>
+              <a:t> possible</a:t>
+            </a:r>
+          </a:p>
+          <a:p>
+            <a:pPr lvl="1"/>
+            <a:r>
+              <a:rPr lang="fr-FR" dirty="0" smtClean="0"/>
+              <a:t>Use types </a:t>
+            </a:r>
+            <a:r>
+              <a:rPr lang="fr-FR" dirty="0" err="1" smtClean="0"/>
+              <a:t>integer</a:t>
+            </a:r>
+            <a:r>
+              <a:rPr lang="fr-FR" dirty="0" smtClean="0"/>
+              <a:t>/</a:t>
+            </a:r>
+            <a:r>
+              <a:rPr lang="fr-FR" dirty="0" err="1" smtClean="0"/>
+              <a:t>bitvector</a:t>
+            </a:r>
+            <a:r>
+              <a:rPr lang="fr-FR" dirty="0" smtClean="0"/>
+              <a:t> </a:t>
+            </a:r>
+            <a:r>
+              <a:rPr lang="fr-FR" dirty="0" err="1" smtClean="0"/>
+              <a:t>whenever</a:t>
+            </a:r>
+            <a:r>
+              <a:rPr lang="fr-FR" dirty="0" smtClean="0"/>
+              <a:t> possible (</a:t>
+            </a:r>
+            <a:r>
+              <a:rPr lang="fr-FR" dirty="0" err="1" smtClean="0"/>
+              <a:t>instead</a:t>
+            </a:r>
+            <a:r>
+              <a:rPr lang="fr-FR" dirty="0" smtClean="0"/>
+              <a:t> of </a:t>
+            </a:r>
+            <a:r>
+              <a:rPr lang="fr-FR" dirty="0" err="1" smtClean="0"/>
+              <a:t>axiomatized</a:t>
+            </a:r>
+            <a:r>
+              <a:rPr lang="fr-FR" dirty="0" smtClean="0"/>
+              <a:t> abstract type)</a:t>
+            </a:r>
+          </a:p>
+          <a:p>
+            <a:pPr lvl="1"/>
+            <a:r>
+              <a:rPr lang="fr-FR" dirty="0" smtClean="0"/>
+              <a:t>Use triggers to force direction of </a:t>
+            </a:r>
+            <a:r>
+              <a:rPr lang="fr-FR" dirty="0" err="1" smtClean="0"/>
+              <a:t>instantiation</a:t>
+            </a:r>
+            <a:r>
+              <a:rPr lang="fr-FR" dirty="0" smtClean="0"/>
+              <a:t> (for </a:t>
+            </a:r>
+            <a:r>
+              <a:rPr lang="fr-FR" dirty="0" err="1" smtClean="0"/>
+              <a:t>definitions</a:t>
+            </a:r>
+            <a:r>
+              <a:rPr lang="fr-FR" dirty="0" smtClean="0"/>
+              <a:t>)</a:t>
+            </a:r>
             <a:endParaRPr lang="fr-FR" dirty="0"/>
           </a:p>
         </p:txBody>

--- a/slides/CP_meets_Verif_2016/SPARK.pptx
+++ b/slides/CP_meets_Verif_2016/SPARK.pptx
@@ -4971,15 +4971,7 @@
             </a:r>
             <a:r>
               <a:rPr lang="fr-FR" dirty="0" smtClean="0"/>
-              <a:t>, </a:t>
-            </a:r>
-            <a:r>
-              <a:rPr lang="fr-FR" dirty="0" smtClean="0"/>
-              <a:t>Université </a:t>
-            </a:r>
-            <a:r>
-              <a:rPr lang="fr-FR" dirty="0" smtClean="0"/>
-              <a:t>Paris-Sud, Université Rennes 1:</a:t>
+              <a:t>, Université Paris-Sud, Université Rennes 1:</a:t>
             </a:r>
           </a:p>
           <a:p>
@@ -9215,7 +9207,6 @@
               <a:rPr lang="fr-FR" sz="2000" b="0" dirty="0" smtClean="0"/>
               <a:t>SPARK source code (GPLv3) </a:t>
             </a:r>
-            <a:endParaRPr lang="fr-FR" sz="2000" b="0" dirty="0" smtClean="0"/>
           </a:p>
           <a:p>
             <a:pPr marL="0" lvl="0" indent="0" fontAlgn="auto">
@@ -9336,11 +9327,7 @@
             </a:r>
             <a:r>
               <a:rPr lang="fr-FR" sz="2000" b="0" dirty="0" smtClean="0"/>
-              <a:t> </a:t>
-            </a:r>
-            <a:r>
-              <a:rPr lang="fr-FR" sz="2000" b="0" dirty="0" smtClean="0"/>
-              <a:t>(Reference </a:t>
+              <a:t> (Reference </a:t>
             </a:r>
             <a:r>
               <a:rPr lang="fr-FR" sz="2000" b="0" dirty="0" err="1" smtClean="0"/>
@@ -9356,11 +9343,7 @@
             </a:r>
             <a:r>
               <a:rPr lang="fr-FR" sz="2000" b="0" dirty="0" smtClean="0"/>
-              <a:t> </a:t>
-            </a:r>
-            <a:r>
-              <a:rPr lang="fr-FR" sz="2000" b="0" dirty="0" smtClean="0"/>
-              <a:t>Guide)</a:t>
+              <a:t> Guide)</a:t>
             </a:r>
           </a:p>
           <a:p>
@@ -10004,14 +9987,14 @@
           </a:ln>
           <a:extLst>
             <a:ext uri="{909E8E84-426E-40dd-AFC4-6F175D3DCCD1}">
-              <a14:hiddenFill xmlns:a14="http://schemas.microsoft.com/office/drawing/2010/main" xmlns="">
+              <a14:hiddenFill xmlns="" xmlns:a14="http://schemas.microsoft.com/office/drawing/2010/main">
                 <a:solidFill>
                   <a:srgbClr val="FFFFFF"/>
                 </a:solidFill>
               </a14:hiddenFill>
             </a:ext>
             <a:ext uri="{91240B29-F687-4f45-9708-019B960494DF}">
-              <a14:hiddenLine xmlns:a14="http://schemas.microsoft.com/office/drawing/2010/main" xmlns="" w="9525">
+              <a14:hiddenLine xmlns="" xmlns:a14="http://schemas.microsoft.com/office/drawing/2010/main" w="9525">
                 <a:solidFill>
                   <a:srgbClr val="000000"/>
                 </a:solidFill>
@@ -13229,11 +13212,7 @@
             </a:r>
             <a:r>
               <a:rPr lang="fr-FR" dirty="0" smtClean="0"/>
-              <a:t>) </a:t>
-            </a:r>
-            <a:r>
-              <a:rPr lang="fr-FR" dirty="0" smtClean="0"/>
-              <a:t>lead </a:t>
+              <a:t>) lead </a:t>
             </a:r>
             <a:r>
               <a:rPr lang="fr-FR" dirty="0" err="1" smtClean="0"/>
@@ -13340,8 +13319,44 @@
             </a:r>
             <a:r>
               <a:rPr lang="fr-FR" dirty="0" smtClean="0"/>
-              <a:t> abstract type)</a:t>
-            </a:r>
+              <a:t> abstract type</a:t>
+            </a:r>
+            <a:r>
+              <a:rPr lang="fr-FR" dirty="0" smtClean="0"/>
+              <a:t>)</a:t>
+            </a:r>
+          </a:p>
+          <a:p>
+            <a:pPr lvl="1"/>
+            <a:r>
+              <a:rPr lang="fr-FR" dirty="0" smtClean="0"/>
+              <a:t>Split variables to </a:t>
+            </a:r>
+            <a:r>
+              <a:rPr lang="fr-FR" dirty="0" err="1" smtClean="0"/>
+              <a:t>get</a:t>
+            </a:r>
+            <a:r>
+              <a:rPr lang="fr-FR" dirty="0" smtClean="0"/>
+              <a:t> frame condition for free (</a:t>
+            </a:r>
+            <a:r>
+              <a:rPr lang="fr-FR" dirty="0" err="1" smtClean="0"/>
+              <a:t>instead</a:t>
+            </a:r>
+            <a:r>
+              <a:rPr lang="fr-FR" dirty="0" smtClean="0"/>
+              <a:t> of </a:t>
+            </a:r>
+            <a:r>
+              <a:rPr lang="fr-FR" dirty="0" err="1" smtClean="0"/>
+              <a:t>using</a:t>
+            </a:r>
+            <a:r>
+              <a:rPr lang="fr-FR" dirty="0" smtClean="0"/>
+              <a:t> quantification)</a:t>
+            </a:r>
+            <a:endParaRPr lang="fr-FR" dirty="0" smtClean="0"/>
           </a:p>
           <a:p>
             <a:pPr lvl="1"/>

--- a/slides/CP_meets_Verif_2016/SPARK.pptx
+++ b/slides/CP_meets_Verif_2016/SPARK.pptx
@@ -5,27 +5,28 @@
     <p:sldMasterId id="2147484076" r:id="rId1"/>
   </p:sldMasterIdLst>
   <p:notesMasterIdLst>
-    <p:notesMasterId r:id="rId17"/>
+    <p:notesMasterId r:id="rId18"/>
   </p:notesMasterIdLst>
   <p:handoutMasterIdLst>
-    <p:handoutMasterId r:id="rId18"/>
+    <p:handoutMasterId r:id="rId19"/>
   </p:handoutMasterIdLst>
   <p:sldIdLst>
     <p:sldId id="1106" r:id="rId2"/>
     <p:sldId id="1277" r:id="rId3"/>
     <p:sldId id="1260" r:id="rId4"/>
     <p:sldId id="1281" r:id="rId5"/>
-    <p:sldId id="1278" r:id="rId6"/>
-    <p:sldId id="1282" r:id="rId7"/>
-    <p:sldId id="1283" r:id="rId8"/>
-    <p:sldId id="1284" r:id="rId9"/>
-    <p:sldId id="1285" r:id="rId10"/>
-    <p:sldId id="1279" r:id="rId11"/>
-    <p:sldId id="1286" r:id="rId12"/>
-    <p:sldId id="1287" r:id="rId13"/>
-    <p:sldId id="1280" r:id="rId14"/>
-    <p:sldId id="1288" r:id="rId15"/>
-    <p:sldId id="1276" r:id="rId16"/>
+    <p:sldId id="1289" r:id="rId6"/>
+    <p:sldId id="1278" r:id="rId7"/>
+    <p:sldId id="1282" r:id="rId8"/>
+    <p:sldId id="1283" r:id="rId9"/>
+    <p:sldId id="1284" r:id="rId10"/>
+    <p:sldId id="1285" r:id="rId11"/>
+    <p:sldId id="1279" r:id="rId12"/>
+    <p:sldId id="1286" r:id="rId13"/>
+    <p:sldId id="1287" r:id="rId14"/>
+    <p:sldId id="1280" r:id="rId15"/>
+    <p:sldId id="1288" r:id="rId16"/>
+    <p:sldId id="1276" r:id="rId17"/>
   </p:sldIdLst>
   <p:sldSz cx="9144000" cy="6858000" type="screen4x3"/>
   <p:notesSz cx="7099300" cy="10234613"/>
@@ -304,7 +305,7 @@
             <a:fld id="{28C7CF07-8AE4-48B4-9716-7DADFEA16C26}" type="datetime1">
               <a:rPr lang="en-US"/>
               <a:pPr/>
-              <a:t>8/3/16</a:t>
+              <a:t>8/26/16</a:t>
             </a:fld>
             <a:endParaRPr lang="en-US"/>
           </a:p>
@@ -950,7 +951,7 @@
             <a:fld id="{C749CB6B-4676-448B-8A99-68B3A3B809EB}" type="slidenum">
               <a:rPr lang="en-US" smtClean="0"/>
               <a:pPr/>
-              <a:t>5</a:t>
+              <a:t>6</a:t>
             </a:fld>
             <a:endParaRPr lang="en-US"/>
           </a:p>
@@ -4663,6 +4664,506 @@
       </p:grpSpPr>
       <p:sp>
         <p:nvSpPr>
+          <p:cNvPr id="2" name="Espace réservé du texte 1"/>
+          <p:cNvSpPr>
+            <a:spLocks noGrp="1"/>
+          </p:cNvSpPr>
+          <p:nvPr>
+            <p:ph type="body" idx="1"/>
+          </p:nvPr>
+        </p:nvSpPr>
+        <p:spPr/>
+        <p:txBody>
+          <a:bodyPr/>
+          <a:lstStyle/>
+          <a:p>
+            <a:pPr marL="0" indent="0">
+              <a:buNone/>
+            </a:pPr>
+            <a:r>
+              <a:rPr lang="fr-FR" dirty="0" err="1" smtClean="0"/>
+              <a:t>Quantified</a:t>
+            </a:r>
+            <a:r>
+              <a:rPr lang="fr-FR" dirty="0" smtClean="0"/>
+              <a:t> </a:t>
+            </a:r>
+            <a:r>
+              <a:rPr lang="fr-FR" dirty="0" err="1" smtClean="0"/>
+              <a:t>axioms</a:t>
+            </a:r>
+            <a:r>
+              <a:rPr lang="fr-FR" dirty="0" smtClean="0"/>
+              <a:t> </a:t>
+            </a:r>
+            <a:r>
+              <a:rPr lang="fr-FR" dirty="0" smtClean="0"/>
+              <a:t>are essential to:</a:t>
+            </a:r>
+          </a:p>
+          <a:p>
+            <a:r>
+              <a:rPr lang="fr-FR" dirty="0" smtClean="0"/>
+              <a:t>Encode the </a:t>
+            </a:r>
+            <a:r>
+              <a:rPr lang="fr-FR" dirty="0" err="1" smtClean="0"/>
+              <a:t>semantics</a:t>
+            </a:r>
+            <a:r>
+              <a:rPr lang="fr-FR" dirty="0" smtClean="0"/>
+              <a:t> of the </a:t>
+            </a:r>
+            <a:r>
+              <a:rPr lang="fr-FR" dirty="0" err="1" smtClean="0"/>
+              <a:t>language</a:t>
+            </a:r>
+            <a:r>
+              <a:rPr lang="fr-FR" dirty="0" smtClean="0"/>
+              <a:t> types.</a:t>
+            </a:r>
+          </a:p>
+          <a:p>
+            <a:r>
+              <a:rPr lang="fr-FR" dirty="0" smtClean="0"/>
+              <a:t>Encode user-</a:t>
+            </a:r>
+            <a:r>
+              <a:rPr lang="fr-FR" dirty="0" err="1" smtClean="0"/>
+              <a:t>defined</a:t>
+            </a:r>
+            <a:r>
+              <a:rPr lang="fr-FR" dirty="0" smtClean="0"/>
+              <a:t> </a:t>
+            </a:r>
+            <a:r>
+              <a:rPr lang="fr-FR" dirty="0" err="1" smtClean="0"/>
+              <a:t>contracts</a:t>
+            </a:r>
+            <a:r>
+              <a:rPr lang="fr-FR" dirty="0" smtClean="0"/>
+              <a:t> of </a:t>
+            </a:r>
+            <a:r>
+              <a:rPr lang="fr-FR" dirty="0" err="1" smtClean="0"/>
+              <a:t>subprograms</a:t>
+            </a:r>
+            <a:r>
+              <a:rPr lang="fr-FR" dirty="0" smtClean="0"/>
+              <a:t>.</a:t>
+            </a:r>
+          </a:p>
+          <a:p>
+            <a:r>
+              <a:rPr lang="fr-FR" dirty="0" smtClean="0"/>
+              <a:t>Encode user-</a:t>
+            </a:r>
+            <a:r>
+              <a:rPr lang="fr-FR" dirty="0" err="1" smtClean="0"/>
+              <a:t>defined</a:t>
+            </a:r>
+            <a:r>
+              <a:rPr lang="fr-FR" dirty="0" smtClean="0"/>
+              <a:t> </a:t>
+            </a:r>
+            <a:r>
+              <a:rPr lang="fr-FR" dirty="0" err="1" smtClean="0"/>
+              <a:t>properties</a:t>
+            </a:r>
+            <a:r>
+              <a:rPr lang="fr-FR" dirty="0" smtClean="0"/>
+              <a:t> over collections.</a:t>
+            </a:r>
+          </a:p>
+          <a:p>
+            <a:endParaRPr lang="fr-FR" dirty="0"/>
+          </a:p>
+          <a:p>
+            <a:pPr marL="0" indent="0">
+              <a:buNone/>
+            </a:pPr>
+            <a:r>
+              <a:rPr lang="fr-FR" dirty="0" smtClean="0"/>
+              <a:t>Quantifier </a:t>
+            </a:r>
+            <a:r>
+              <a:rPr lang="fr-FR" dirty="0" err="1" smtClean="0"/>
+              <a:t>instantiation</a:t>
+            </a:r>
+            <a:r>
+              <a:rPr lang="fr-FR" dirty="0" smtClean="0"/>
+              <a:t> in SMT </a:t>
+            </a:r>
+            <a:r>
+              <a:rPr lang="fr-FR" dirty="0" err="1" smtClean="0"/>
+              <a:t>solvers</a:t>
+            </a:r>
+            <a:r>
+              <a:rPr lang="fr-FR" dirty="0" smtClean="0"/>
+              <a:t> </a:t>
+            </a:r>
+            <a:r>
+              <a:rPr lang="fr-FR" dirty="0" err="1" smtClean="0"/>
+              <a:t>based</a:t>
+            </a:r>
+            <a:r>
+              <a:rPr lang="fr-FR" dirty="0" smtClean="0"/>
+              <a:t> on:</a:t>
+            </a:r>
+          </a:p>
+          <a:p>
+            <a:pPr lvl="1"/>
+            <a:r>
+              <a:rPr lang="fr-FR" dirty="0" err="1" smtClean="0"/>
+              <a:t>Syntax-directed</a:t>
+            </a:r>
+            <a:r>
+              <a:rPr lang="fr-FR" dirty="0" smtClean="0"/>
+              <a:t> </a:t>
+            </a:r>
+            <a:r>
+              <a:rPr lang="fr-FR" dirty="0" err="1" smtClean="0"/>
+              <a:t>instantiation</a:t>
+            </a:r>
+            <a:r>
+              <a:rPr lang="fr-FR" dirty="0" smtClean="0"/>
+              <a:t> (triggers)</a:t>
+            </a:r>
+          </a:p>
+          <a:p>
+            <a:pPr lvl="1"/>
+            <a:r>
+              <a:rPr lang="fr-FR" dirty="0" smtClean="0"/>
+              <a:t>Value-</a:t>
+            </a:r>
+            <a:r>
+              <a:rPr lang="fr-FR" dirty="0" err="1" smtClean="0"/>
+              <a:t>directed</a:t>
+            </a:r>
+            <a:r>
+              <a:rPr lang="fr-FR" dirty="0" smtClean="0"/>
+              <a:t> </a:t>
+            </a:r>
+            <a:r>
+              <a:rPr lang="fr-FR" dirty="0" err="1" smtClean="0"/>
+              <a:t>instantiation</a:t>
+            </a:r>
+            <a:r>
+              <a:rPr lang="fr-FR" dirty="0" smtClean="0"/>
+              <a:t> (</a:t>
+            </a:r>
+            <a:r>
+              <a:rPr lang="fr-FR" dirty="0" err="1" smtClean="0"/>
+              <a:t>models</a:t>
+            </a:r>
+            <a:r>
+              <a:rPr lang="fr-FR" dirty="0" smtClean="0"/>
+              <a:t>)</a:t>
+            </a:r>
+          </a:p>
+          <a:p>
+            <a:pPr lvl="1"/>
+            <a:endParaRPr lang="fr-FR" dirty="0" smtClean="0"/>
+          </a:p>
+          <a:p>
+            <a:pPr marL="0" indent="0">
+              <a:buNone/>
+            </a:pPr>
+            <a:r>
+              <a:rPr lang="fr-FR" dirty="0" err="1" smtClean="0"/>
+              <a:t>Mixing</a:t>
+            </a:r>
+            <a:r>
+              <a:rPr lang="fr-FR" dirty="0" smtClean="0"/>
+              <a:t> </a:t>
+            </a:r>
+            <a:r>
+              <a:rPr lang="fr-FR" dirty="0" err="1" smtClean="0"/>
+              <a:t>quantifiers</a:t>
+            </a:r>
+            <a:r>
+              <a:rPr lang="fr-FR" dirty="0" smtClean="0"/>
+              <a:t> and </a:t>
+            </a:r>
+            <a:r>
+              <a:rPr lang="fr-FR" dirty="0" err="1" smtClean="0"/>
+              <a:t>theories</a:t>
+            </a:r>
+            <a:r>
+              <a:rPr lang="fr-FR" dirty="0" smtClean="0"/>
+              <a:t> (</a:t>
+            </a:r>
+            <a:r>
+              <a:rPr lang="fr-FR" dirty="0" err="1" smtClean="0"/>
+              <a:t>arithmetic</a:t>
+            </a:r>
+            <a:r>
+              <a:rPr lang="fr-FR" dirty="0" smtClean="0"/>
+              <a:t> in </a:t>
+            </a:r>
+            <a:r>
+              <a:rPr lang="fr-FR" dirty="0" err="1" smtClean="0"/>
+              <a:t>particular</a:t>
+            </a:r>
+            <a:r>
+              <a:rPr lang="fr-FR" dirty="0" smtClean="0"/>
+              <a:t>) lead </a:t>
+            </a:r>
+            <a:r>
+              <a:rPr lang="fr-FR" dirty="0" err="1" smtClean="0"/>
+              <a:t>sometimes</a:t>
+            </a:r>
+            <a:r>
+              <a:rPr lang="fr-FR" dirty="0" smtClean="0"/>
+              <a:t> to </a:t>
+            </a:r>
+            <a:r>
+              <a:rPr lang="fr-FR" dirty="0" err="1" smtClean="0"/>
+              <a:t>surprising</a:t>
+            </a:r>
+            <a:r>
+              <a:rPr lang="fr-FR" dirty="0" smtClean="0"/>
+              <a:t> </a:t>
+            </a:r>
+            <a:r>
+              <a:rPr lang="fr-FR" dirty="0" err="1" smtClean="0"/>
+              <a:t>results</a:t>
+            </a:r>
+            <a:r>
+              <a:rPr lang="is-IS" dirty="0" smtClean="0"/>
+              <a:t>…</a:t>
+            </a:r>
+            <a:endParaRPr lang="fr-FR" dirty="0" smtClean="0"/>
+          </a:p>
+          <a:p>
+            <a:pPr marL="0" indent="0">
+              <a:buNone/>
+            </a:pPr>
+            <a:endParaRPr lang="fr-FR" dirty="0" smtClean="0"/>
+          </a:p>
+          <a:p>
+            <a:pPr marL="0" indent="0">
+              <a:buNone/>
+            </a:pPr>
+            <a:r>
+              <a:rPr lang="fr-FR" dirty="0" err="1" smtClean="0"/>
+              <a:t>Current</a:t>
+            </a:r>
+            <a:r>
+              <a:rPr lang="fr-FR" dirty="0" smtClean="0"/>
+              <a:t> solution in SPARK: use no / simple </a:t>
+            </a:r>
+            <a:r>
+              <a:rPr lang="fr-FR" dirty="0" err="1" smtClean="0"/>
+              <a:t>quantifiers</a:t>
+            </a:r>
+            <a:r>
+              <a:rPr lang="fr-FR" dirty="0" smtClean="0"/>
+              <a:t> </a:t>
+            </a:r>
+            <a:r>
+              <a:rPr lang="fr-FR" dirty="0" err="1" smtClean="0"/>
+              <a:t>when</a:t>
+            </a:r>
+            <a:r>
+              <a:rPr lang="fr-FR" dirty="0" smtClean="0"/>
+              <a:t> possible</a:t>
+            </a:r>
+          </a:p>
+          <a:p>
+            <a:pPr lvl="1"/>
+            <a:r>
+              <a:rPr lang="fr-FR" dirty="0" smtClean="0"/>
+              <a:t>Use types </a:t>
+            </a:r>
+            <a:r>
+              <a:rPr lang="fr-FR" dirty="0" err="1" smtClean="0"/>
+              <a:t>integer</a:t>
+            </a:r>
+            <a:r>
+              <a:rPr lang="fr-FR" dirty="0" smtClean="0"/>
+              <a:t>/</a:t>
+            </a:r>
+            <a:r>
+              <a:rPr lang="fr-FR" dirty="0" err="1" smtClean="0"/>
+              <a:t>bitvector</a:t>
+            </a:r>
+            <a:r>
+              <a:rPr lang="fr-FR" dirty="0" smtClean="0"/>
+              <a:t> </a:t>
+            </a:r>
+            <a:r>
+              <a:rPr lang="fr-FR" dirty="0" err="1" smtClean="0"/>
+              <a:t>whenever</a:t>
+            </a:r>
+            <a:r>
+              <a:rPr lang="fr-FR" dirty="0" smtClean="0"/>
+              <a:t> possible (</a:t>
+            </a:r>
+            <a:r>
+              <a:rPr lang="fr-FR" dirty="0" err="1" smtClean="0"/>
+              <a:t>instead</a:t>
+            </a:r>
+            <a:r>
+              <a:rPr lang="fr-FR" dirty="0" smtClean="0"/>
+              <a:t> of </a:t>
+            </a:r>
+            <a:r>
+              <a:rPr lang="fr-FR" dirty="0" err="1" smtClean="0"/>
+              <a:t>axiomatized</a:t>
+            </a:r>
+            <a:r>
+              <a:rPr lang="fr-FR" dirty="0" smtClean="0"/>
+              <a:t> abstract type)</a:t>
+            </a:r>
+          </a:p>
+          <a:p>
+            <a:pPr lvl="1"/>
+            <a:r>
+              <a:rPr lang="fr-FR" dirty="0" smtClean="0"/>
+              <a:t>Split variables to </a:t>
+            </a:r>
+            <a:r>
+              <a:rPr lang="fr-FR" dirty="0" err="1" smtClean="0"/>
+              <a:t>get</a:t>
+            </a:r>
+            <a:r>
+              <a:rPr lang="fr-FR" dirty="0" smtClean="0"/>
+              <a:t> frame condition for free (</a:t>
+            </a:r>
+            <a:r>
+              <a:rPr lang="fr-FR" dirty="0" err="1" smtClean="0"/>
+              <a:t>instead</a:t>
+            </a:r>
+            <a:r>
+              <a:rPr lang="fr-FR" dirty="0" smtClean="0"/>
+              <a:t> of </a:t>
+            </a:r>
+            <a:r>
+              <a:rPr lang="fr-FR" dirty="0" err="1" smtClean="0"/>
+              <a:t>using</a:t>
+            </a:r>
+            <a:r>
+              <a:rPr lang="fr-FR" dirty="0" smtClean="0"/>
+              <a:t> quantification)</a:t>
+            </a:r>
+          </a:p>
+          <a:p>
+            <a:pPr lvl="1"/>
+            <a:r>
+              <a:rPr lang="fr-FR" dirty="0" smtClean="0"/>
+              <a:t>Use triggers to force direction of </a:t>
+            </a:r>
+            <a:r>
+              <a:rPr lang="fr-FR" dirty="0" err="1" smtClean="0"/>
+              <a:t>instantiation</a:t>
+            </a:r>
+            <a:r>
+              <a:rPr lang="fr-FR" dirty="0" smtClean="0"/>
+              <a:t> (for </a:t>
+            </a:r>
+            <a:r>
+              <a:rPr lang="fr-FR" dirty="0" err="1" smtClean="0"/>
+              <a:t>definitions</a:t>
+            </a:r>
+            <a:r>
+              <a:rPr lang="fr-FR" dirty="0" smtClean="0"/>
+              <a:t>)</a:t>
+            </a:r>
+            <a:endParaRPr lang="fr-FR" dirty="0"/>
+          </a:p>
+        </p:txBody>
+      </p:sp>
+      <p:sp>
+        <p:nvSpPr>
+          <p:cNvPr id="3" name="Titre 2"/>
+          <p:cNvSpPr>
+            <a:spLocks noGrp="1"/>
+          </p:cNvSpPr>
+          <p:nvPr>
+            <p:ph type="title"/>
+          </p:nvPr>
+        </p:nvSpPr>
+        <p:spPr/>
+        <p:txBody>
+          <a:bodyPr/>
+          <a:lstStyle/>
+          <a:p>
+            <a:r>
+              <a:rPr lang="fr-FR" dirty="0" smtClean="0"/>
+              <a:t>Handling of </a:t>
+            </a:r>
+            <a:r>
+              <a:rPr lang="fr-FR" dirty="0" err="1" smtClean="0"/>
+              <a:t>Quantifiers</a:t>
+            </a:r>
+            <a:endParaRPr lang="fr-FR" dirty="0"/>
+          </a:p>
+        </p:txBody>
+      </p:sp>
+      <p:sp>
+        <p:nvSpPr>
+          <p:cNvPr id="4" name="ZoneTexte 3"/>
+          <p:cNvSpPr txBox="1"/>
+          <p:nvPr/>
+        </p:nvSpPr>
+        <p:spPr>
+          <a:xfrm>
+            <a:off x="3637969" y="342900"/>
+            <a:ext cx="184731" cy="307777"/>
+          </a:xfrm>
+          <a:prstGeom prst="rect">
+            <a:avLst/>
+          </a:prstGeom>
+          <a:noFill/>
+        </p:spPr>
+        <p:txBody>
+          <a:bodyPr wrap="none" rtlCol="0">
+            <a:spAutoFit/>
+          </a:bodyPr>
+          <a:lstStyle/>
+          <a:p>
+            <a:pPr algn="r"/>
+            <a:endParaRPr lang="fr-FR" sz="1400" b="1" i="0" kern="1200" dirty="0" smtClean="0">
+              <a:solidFill>
+                <a:schemeClr val="accent1"/>
+              </a:solidFill>
+            </a:endParaRPr>
+          </a:p>
+        </p:txBody>
+      </p:sp>
+    </p:spTree>
+    <p:extLst>
+      <p:ext uri="{BB962C8B-B14F-4D97-AF65-F5344CB8AC3E}">
+        <p14:creationId xmlns:p14="http://schemas.microsoft.com/office/powerpoint/2010/main" val="1156806863"/>
+      </p:ext>
+    </p:extLst>
+  </p:cSld>
+  <p:clrMapOvr>
+    <a:masterClrMapping/>
+  </p:clrMapOvr>
+</p:sld>
+</file>
+
+<file path=ppt/slides/slide11.xml><?xml version="1.0" encoding="utf-8"?>
+<p:sld xmlns:a="http://schemas.openxmlformats.org/drawingml/2006/main" xmlns:r="http://schemas.openxmlformats.org/officeDocument/2006/relationships" xmlns:p="http://schemas.openxmlformats.org/presentationml/2006/main">
+  <p:cSld>
+    <p:spTree>
+      <p:nvGrpSpPr>
+        <p:cNvPr id="1" name=""/>
+        <p:cNvGrpSpPr/>
+        <p:nvPr/>
+      </p:nvGrpSpPr>
+      <p:grpSpPr>
+        <a:xfrm>
+          <a:off x="0" y="0"/>
+          <a:ext cx="0" cy="0"/>
+          <a:chOff x="0" y="0"/>
+          <a:chExt cx="0" cy="0"/>
+        </a:xfrm>
+      </p:grpSpPr>
+      <p:sp>
+        <p:nvSpPr>
           <p:cNvPr id="2" name="Titre 1"/>
           <p:cNvSpPr>
             <a:spLocks noGrp="1"/>
@@ -4902,571 +5403,6 @@
 </p:sld>
 </file>
 
-<file path=ppt/slides/slide11.xml><?xml version="1.0" encoding="utf-8"?>
-<p:sld xmlns:a="http://schemas.openxmlformats.org/drawingml/2006/main" xmlns:r="http://schemas.openxmlformats.org/officeDocument/2006/relationships" xmlns:p="http://schemas.openxmlformats.org/presentationml/2006/main">
-  <p:cSld>
-    <p:spTree>
-      <p:nvGrpSpPr>
-        <p:cNvPr id="1" name=""/>
-        <p:cNvGrpSpPr/>
-        <p:nvPr/>
-      </p:nvGrpSpPr>
-      <p:grpSpPr>
-        <a:xfrm>
-          <a:off x="0" y="0"/>
-          <a:ext cx="0" cy="0"/>
-          <a:chOff x="0" y="0"/>
-          <a:chExt cx="0" cy="0"/>
-        </a:xfrm>
-      </p:grpSpPr>
-      <p:sp>
-        <p:nvSpPr>
-          <p:cNvPr id="2" name="Espace réservé du texte 1"/>
-          <p:cNvSpPr>
-            <a:spLocks noGrp="1"/>
-          </p:cNvSpPr>
-          <p:nvPr>
-            <p:ph type="body" idx="1"/>
-          </p:nvPr>
-        </p:nvSpPr>
-        <p:spPr/>
-        <p:txBody>
-          <a:bodyPr/>
-          <a:lstStyle/>
-          <a:p>
-            <a:pPr marL="0" indent="0">
-              <a:buNone/>
-            </a:pPr>
-            <a:r>
-              <a:rPr lang="fr-FR" dirty="0" smtClean="0"/>
-              <a:t>Objective of </a:t>
-            </a:r>
-            <a:r>
-              <a:rPr lang="fr-FR" dirty="0" err="1" smtClean="0"/>
-              <a:t>project</a:t>
-            </a:r>
-            <a:r>
-              <a:rPr lang="fr-FR" dirty="0" smtClean="0"/>
-              <a:t> SOPRANO (2014 – 2019) </a:t>
-            </a:r>
-            <a:r>
-              <a:rPr lang="fr-FR" dirty="0" err="1" smtClean="0"/>
-              <a:t>between</a:t>
-            </a:r>
-            <a:r>
-              <a:rPr lang="fr-FR" dirty="0" smtClean="0"/>
-              <a:t> AdaCore, CEA, </a:t>
-            </a:r>
-            <a:r>
-              <a:rPr lang="fr-FR" dirty="0" err="1" smtClean="0"/>
-              <a:t>Inria</a:t>
-            </a:r>
-            <a:r>
-              <a:rPr lang="fr-FR" dirty="0" smtClean="0"/>
-              <a:t>, </a:t>
-            </a:r>
-            <a:r>
-              <a:rPr lang="fr-FR" dirty="0" err="1" smtClean="0"/>
-              <a:t>OCamlPro</a:t>
-            </a:r>
-            <a:r>
-              <a:rPr lang="fr-FR" dirty="0" smtClean="0"/>
-              <a:t>, Université Paris-Sud, Université Rennes 1:</a:t>
-            </a:r>
-          </a:p>
-          <a:p>
-            <a:pPr lvl="1"/>
-            <a:r>
-              <a:rPr lang="fr-FR" dirty="0" err="1" smtClean="0"/>
-              <a:t>Integration</a:t>
-            </a:r>
-            <a:r>
-              <a:rPr lang="fr-FR" dirty="0" smtClean="0"/>
-              <a:t> of CP and SMT in </a:t>
-            </a:r>
-            <a:r>
-              <a:rPr lang="fr-FR" dirty="0" err="1" smtClean="0"/>
-              <a:t>Popop</a:t>
-            </a:r>
-            <a:r>
-              <a:rPr lang="fr-FR" dirty="0" smtClean="0"/>
-              <a:t> (</a:t>
-            </a:r>
-            <a:r>
-              <a:rPr lang="fr-FR" dirty="0" err="1" smtClean="0"/>
-              <a:t>developed</a:t>
-            </a:r>
-            <a:r>
-              <a:rPr lang="fr-FR" dirty="0" smtClean="0"/>
-              <a:t> at CEA).</a:t>
-            </a:r>
-          </a:p>
-          <a:p>
-            <a:pPr lvl="1"/>
-            <a:r>
-              <a:rPr lang="fr-FR" dirty="0" smtClean="0"/>
-              <a:t>Support for </a:t>
-            </a:r>
-            <a:r>
-              <a:rPr lang="fr-FR" dirty="0" err="1" smtClean="0"/>
-              <a:t>floats</a:t>
-            </a:r>
-            <a:r>
-              <a:rPr lang="fr-FR" dirty="0" smtClean="0"/>
-              <a:t> in Alt-Ergo (</a:t>
-            </a:r>
-            <a:r>
-              <a:rPr lang="fr-FR" dirty="0" err="1" smtClean="0"/>
-              <a:t>developed</a:t>
-            </a:r>
-            <a:r>
-              <a:rPr lang="fr-FR" dirty="0" smtClean="0"/>
-              <a:t> at </a:t>
-            </a:r>
-            <a:r>
-              <a:rPr lang="fr-FR" dirty="0" err="1" smtClean="0"/>
-              <a:t>OCamlPro</a:t>
-            </a:r>
-            <a:r>
-              <a:rPr lang="fr-FR" dirty="0" smtClean="0"/>
-              <a:t>).</a:t>
-            </a:r>
-          </a:p>
-          <a:p>
-            <a:pPr lvl="1"/>
-            <a:r>
-              <a:rPr lang="fr-FR" dirty="0" err="1" smtClean="0"/>
-              <a:t>Experiments</a:t>
-            </a:r>
-            <a:r>
-              <a:rPr lang="fr-FR" dirty="0" smtClean="0"/>
-              <a:t> </a:t>
-            </a:r>
-            <a:r>
-              <a:rPr lang="fr-FR" dirty="0" err="1" smtClean="0"/>
-              <a:t>with</a:t>
-            </a:r>
-            <a:r>
-              <a:rPr lang="fr-FR" dirty="0" smtClean="0"/>
-              <a:t> use of </a:t>
-            </a:r>
-            <a:r>
-              <a:rPr lang="fr-FR" dirty="0" err="1" smtClean="0"/>
-              <a:t>Gappa</a:t>
-            </a:r>
-            <a:r>
-              <a:rPr lang="fr-FR" dirty="0" smtClean="0"/>
-              <a:t> (</a:t>
-            </a:r>
-            <a:r>
-              <a:rPr lang="fr-FR" dirty="0" err="1" smtClean="0"/>
-              <a:t>from</a:t>
-            </a:r>
-            <a:r>
-              <a:rPr lang="fr-FR" dirty="0" smtClean="0"/>
-              <a:t> </a:t>
-            </a:r>
-            <a:r>
-              <a:rPr lang="fr-FR" dirty="0" err="1" smtClean="0"/>
-              <a:t>Inria</a:t>
-            </a:r>
-            <a:r>
-              <a:rPr lang="fr-FR" dirty="0" smtClean="0"/>
-              <a:t>) and Colibri (</a:t>
-            </a:r>
-            <a:r>
-              <a:rPr lang="fr-FR" dirty="0" err="1" smtClean="0"/>
-              <a:t>from</a:t>
-            </a:r>
-            <a:r>
-              <a:rPr lang="fr-FR" dirty="0" smtClean="0"/>
-              <a:t> CEA).</a:t>
-            </a:r>
-          </a:p>
-          <a:p>
-            <a:pPr marL="0" indent="0">
-              <a:buNone/>
-            </a:pPr>
-            <a:r>
-              <a:rPr lang="fr-FR" dirty="0" smtClean="0"/>
-              <a:t>Goals:</a:t>
-            </a:r>
-          </a:p>
-          <a:p>
-            <a:pPr lvl="1">
-              <a:buFont typeface="+mj-lt"/>
-              <a:buAutoNum type="arabicPeriod"/>
-            </a:pPr>
-            <a:r>
-              <a:rPr lang="fr-FR" dirty="0" err="1" smtClean="0"/>
-              <a:t>Handle</a:t>
-            </a:r>
-            <a:r>
-              <a:rPr lang="fr-FR" dirty="0" smtClean="0"/>
-              <a:t> </a:t>
-            </a:r>
-            <a:r>
-              <a:rPr lang="fr-FR" dirty="0" err="1" smtClean="0"/>
-              <a:t>well</a:t>
-            </a:r>
-            <a:r>
-              <a:rPr lang="fr-FR" dirty="0" smtClean="0"/>
-              <a:t> </a:t>
-            </a:r>
-            <a:r>
-              <a:rPr lang="fr-FR" dirty="0" err="1" smtClean="0"/>
-              <a:t>floating</a:t>
-            </a:r>
-            <a:r>
-              <a:rPr lang="fr-FR" dirty="0" smtClean="0"/>
-              <a:t>-point </a:t>
-            </a:r>
-            <a:r>
-              <a:rPr lang="fr-FR" dirty="0" err="1" smtClean="0"/>
-              <a:t>arithmetic</a:t>
-            </a:r>
-            <a:r>
-              <a:rPr lang="fr-FR" dirty="0" smtClean="0"/>
-              <a:t>.</a:t>
-            </a:r>
-          </a:p>
-          <a:p>
-            <a:pPr lvl="1">
-              <a:buFont typeface="+mj-lt"/>
-              <a:buAutoNum type="arabicPeriod"/>
-            </a:pPr>
-            <a:r>
-              <a:rPr lang="fr-FR" dirty="0" smtClean="0"/>
-              <a:t>Deal </a:t>
-            </a:r>
-            <a:r>
-              <a:rPr lang="fr-FR" dirty="0" err="1" smtClean="0"/>
-              <a:t>with</a:t>
-            </a:r>
-            <a:r>
-              <a:rPr lang="fr-FR" dirty="0" smtClean="0"/>
-              <a:t> conversions </a:t>
-            </a:r>
-            <a:r>
-              <a:rPr lang="fr-FR" dirty="0" err="1" smtClean="0"/>
-              <a:t>between</a:t>
-            </a:r>
-            <a:r>
-              <a:rPr lang="fr-FR" dirty="0" smtClean="0"/>
-              <a:t> types.</a:t>
-            </a:r>
-          </a:p>
-          <a:p>
-            <a:pPr lvl="1">
-              <a:buFont typeface="+mj-lt"/>
-              <a:buAutoNum type="arabicPeriod"/>
-            </a:pPr>
-            <a:r>
-              <a:rPr lang="fr-FR" dirty="0" err="1" smtClean="0"/>
-              <a:t>Handle</a:t>
-            </a:r>
-            <a:r>
-              <a:rPr lang="fr-FR" dirty="0" smtClean="0"/>
-              <a:t> </a:t>
-            </a:r>
-            <a:r>
-              <a:rPr lang="fr-FR" dirty="0" err="1" smtClean="0"/>
-              <a:t>better</a:t>
-            </a:r>
-            <a:r>
-              <a:rPr lang="fr-FR" dirty="0" smtClean="0"/>
-              <a:t> </a:t>
-            </a:r>
-            <a:r>
-              <a:rPr lang="fr-FR" dirty="0" err="1" smtClean="0"/>
-              <a:t>nonlinear</a:t>
-            </a:r>
-            <a:r>
-              <a:rPr lang="fr-FR" dirty="0" smtClean="0"/>
-              <a:t> </a:t>
-            </a:r>
-            <a:r>
-              <a:rPr lang="fr-FR" dirty="0" err="1" smtClean="0"/>
-              <a:t>integer</a:t>
-            </a:r>
-            <a:r>
-              <a:rPr lang="fr-FR" dirty="0" smtClean="0"/>
-              <a:t> </a:t>
-            </a:r>
-            <a:r>
-              <a:rPr lang="fr-FR" dirty="0" err="1" smtClean="0"/>
-              <a:t>arithmetic</a:t>
-            </a:r>
-            <a:r>
-              <a:rPr lang="fr-FR" dirty="0" smtClean="0"/>
-              <a:t>.</a:t>
-            </a:r>
-          </a:p>
-          <a:p>
-            <a:pPr lvl="1">
-              <a:buFont typeface="+mj-lt"/>
-              <a:buAutoNum type="arabicPeriod"/>
-            </a:pPr>
-            <a:r>
-              <a:rPr lang="is-IS" dirty="0" smtClean="0"/>
-              <a:t>… while preserving the good quantifier instantiation of SMT provers.</a:t>
-            </a:r>
-          </a:p>
-          <a:p>
-            <a:pPr>
-              <a:buFont typeface="+mj-lt"/>
-              <a:buAutoNum type="arabicPeriod"/>
-            </a:pPr>
-            <a:endParaRPr lang="is-IS" dirty="0" smtClean="0"/>
-          </a:p>
-          <a:p>
-            <a:pPr>
-              <a:buFont typeface="+mj-lt"/>
-              <a:buAutoNum type="arabicPeriod"/>
-            </a:pPr>
-            <a:endParaRPr lang="is-IS" dirty="0"/>
-          </a:p>
-          <a:p>
-            <a:pPr marL="0" indent="0">
-              <a:buNone/>
-            </a:pPr>
-            <a:r>
-              <a:rPr lang="fr-FR" dirty="0"/>
-              <a:t>Objective of joint </a:t>
-            </a:r>
-            <a:r>
-              <a:rPr lang="fr-FR" dirty="0" smtClean="0"/>
-              <a:t>labo </a:t>
-            </a:r>
-            <a:r>
-              <a:rPr lang="fr-FR" dirty="0" err="1"/>
-              <a:t>ProofInUse</a:t>
-            </a:r>
-            <a:r>
-              <a:rPr lang="fr-FR" dirty="0"/>
-              <a:t> (</a:t>
-            </a:r>
-            <a:r>
-              <a:rPr lang="fr-FR" dirty="0" smtClean="0"/>
-              <a:t>2014 – </a:t>
-            </a:r>
-            <a:r>
-              <a:rPr lang="fr-FR" dirty="0"/>
-              <a:t>2017) </a:t>
-            </a:r>
-            <a:r>
-              <a:rPr lang="fr-FR" dirty="0" err="1"/>
-              <a:t>between</a:t>
-            </a:r>
-            <a:r>
-              <a:rPr lang="fr-FR" dirty="0"/>
-              <a:t> AdaCore and </a:t>
-            </a:r>
-            <a:r>
-              <a:rPr lang="fr-FR" dirty="0" err="1"/>
-              <a:t>Inria</a:t>
-            </a:r>
-            <a:r>
-              <a:rPr lang="fr-FR" dirty="0" smtClean="0"/>
-              <a:t>.</a:t>
-            </a:r>
-          </a:p>
-          <a:p>
-            <a:pPr marL="0" indent="0">
-              <a:buNone/>
-            </a:pPr>
-            <a:r>
-              <a:rPr lang="fr-FR" dirty="0" smtClean="0"/>
-              <a:t>Goals: </a:t>
-            </a:r>
-          </a:p>
-          <a:p>
-            <a:pPr lvl="1">
-              <a:buFont typeface="+mj-lt"/>
-              <a:buAutoNum type="arabicPeriod"/>
-            </a:pPr>
-            <a:r>
-              <a:rPr lang="fr-FR" dirty="0" smtClean="0"/>
-              <a:t>Use support for </a:t>
-            </a:r>
-            <a:r>
-              <a:rPr lang="fr-FR" dirty="0" err="1" smtClean="0"/>
-              <a:t>bitvectors</a:t>
-            </a:r>
-            <a:r>
-              <a:rPr lang="fr-FR" dirty="0" smtClean="0"/>
-              <a:t> (</a:t>
-            </a:r>
-            <a:r>
-              <a:rPr lang="fr-FR" dirty="0" err="1" smtClean="0"/>
-              <a:t>done</a:t>
-            </a:r>
-            <a:r>
-              <a:rPr lang="fr-FR" dirty="0" smtClean="0"/>
-              <a:t>) and </a:t>
-            </a:r>
-            <a:r>
-              <a:rPr lang="fr-FR" dirty="0" err="1" smtClean="0"/>
-              <a:t>floats</a:t>
-            </a:r>
-            <a:r>
-              <a:rPr lang="fr-FR" dirty="0" smtClean="0"/>
-              <a:t> in SMT </a:t>
-            </a:r>
-            <a:r>
-              <a:rPr lang="fr-FR" dirty="0" err="1" smtClean="0"/>
-              <a:t>provers</a:t>
-            </a:r>
-            <a:r>
-              <a:rPr lang="fr-FR" dirty="0" smtClean="0"/>
-              <a:t>.</a:t>
-            </a:r>
-          </a:p>
-          <a:p>
-            <a:pPr lvl="1">
-              <a:buFont typeface="+mj-lt"/>
-              <a:buAutoNum type="arabicPeriod"/>
-            </a:pPr>
-            <a:r>
-              <a:rPr lang="fr-FR" dirty="0" err="1" smtClean="0"/>
-              <a:t>Generate</a:t>
-            </a:r>
-            <a:r>
-              <a:rPr lang="fr-FR" dirty="0" smtClean="0"/>
-              <a:t> </a:t>
-            </a:r>
-            <a:r>
-              <a:rPr lang="fr-FR" dirty="0" err="1" smtClean="0"/>
-              <a:t>counterexamples</a:t>
-            </a:r>
-            <a:r>
-              <a:rPr lang="fr-FR" dirty="0" smtClean="0"/>
-              <a:t> </a:t>
-            </a:r>
-            <a:r>
-              <a:rPr lang="fr-FR" dirty="0" err="1" smtClean="0"/>
-              <a:t>from</a:t>
-            </a:r>
-            <a:r>
-              <a:rPr lang="fr-FR" dirty="0" smtClean="0"/>
-              <a:t> SMT </a:t>
-            </a:r>
-            <a:r>
-              <a:rPr lang="fr-FR" dirty="0" err="1" smtClean="0"/>
-              <a:t>provers</a:t>
-            </a:r>
-            <a:r>
-              <a:rPr lang="fr-FR" dirty="0" smtClean="0"/>
-              <a:t> </a:t>
-            </a:r>
-            <a:r>
-              <a:rPr lang="fr-FR" dirty="0" err="1" smtClean="0"/>
-              <a:t>when</a:t>
-            </a:r>
-            <a:r>
-              <a:rPr lang="fr-FR" dirty="0" smtClean="0"/>
-              <a:t> possible (</a:t>
-            </a:r>
-            <a:r>
-              <a:rPr lang="fr-FR" dirty="0" err="1" smtClean="0"/>
-              <a:t>done</a:t>
-            </a:r>
-            <a:r>
-              <a:rPr lang="fr-FR" dirty="0" smtClean="0"/>
-              <a:t>).</a:t>
-            </a:r>
-          </a:p>
-          <a:p>
-            <a:pPr marL="0" indent="0">
-              <a:buNone/>
-            </a:pPr>
-            <a:endParaRPr lang="fr-FR" dirty="0"/>
-          </a:p>
-        </p:txBody>
-      </p:sp>
-      <p:sp>
-        <p:nvSpPr>
-          <p:cNvPr id="3" name="Titre 2"/>
-          <p:cNvSpPr>
-            <a:spLocks noGrp="1"/>
-          </p:cNvSpPr>
-          <p:nvPr>
-            <p:ph type="title"/>
-          </p:nvPr>
-        </p:nvSpPr>
-        <p:spPr/>
-        <p:txBody>
-          <a:bodyPr/>
-          <a:lstStyle/>
-          <a:p>
-            <a:r>
-              <a:rPr lang="fr-FR" dirty="0" err="1" smtClean="0"/>
-              <a:t>Better</a:t>
-            </a:r>
-            <a:r>
-              <a:rPr lang="fr-FR" dirty="0" smtClean="0"/>
-              <a:t> </a:t>
-            </a:r>
-            <a:r>
-              <a:rPr lang="fr-FR" dirty="0" err="1" smtClean="0"/>
-              <a:t>Automatic</a:t>
-            </a:r>
-            <a:r>
-              <a:rPr lang="fr-FR" dirty="0" smtClean="0"/>
-              <a:t> </a:t>
-            </a:r>
-            <a:r>
-              <a:rPr lang="fr-FR" dirty="0" err="1" smtClean="0"/>
-              <a:t>Provers</a:t>
-            </a:r>
-            <a:endParaRPr lang="fr-FR" dirty="0"/>
-          </a:p>
-        </p:txBody>
-      </p:sp>
-      <p:sp>
-        <p:nvSpPr>
-          <p:cNvPr id="4" name="ZoneTexte 3"/>
-          <p:cNvSpPr txBox="1"/>
-          <p:nvPr/>
-        </p:nvSpPr>
-        <p:spPr>
-          <a:xfrm>
-            <a:off x="3637969" y="342900"/>
-            <a:ext cx="184731" cy="307777"/>
-          </a:xfrm>
-          <a:prstGeom prst="rect">
-            <a:avLst/>
-          </a:prstGeom>
-          <a:noFill/>
-        </p:spPr>
-        <p:txBody>
-          <a:bodyPr wrap="none" rtlCol="0">
-            <a:spAutoFit/>
-          </a:bodyPr>
-          <a:lstStyle/>
-          <a:p>
-            <a:pPr algn="r"/>
-            <a:endParaRPr lang="fr-FR" sz="1400" b="1" i="0" kern="1200" dirty="0" smtClean="0">
-              <a:solidFill>
-                <a:schemeClr val="accent1"/>
-              </a:solidFill>
-            </a:endParaRPr>
-          </a:p>
-        </p:txBody>
-      </p:sp>
-    </p:spTree>
-    <p:extLst>
-      <p:ext uri="{BB962C8B-B14F-4D97-AF65-F5344CB8AC3E}">
-        <p14:creationId xmlns:p14="http://schemas.microsoft.com/office/powerpoint/2010/main" val="1073287337"/>
-      </p:ext>
-    </p:extLst>
-  </p:cSld>
-  <p:clrMapOvr>
-    <a:masterClrMapping/>
-  </p:clrMapOvr>
-</p:sld>
-</file>
-
 <file path=ppt/slides/slide12.xml><?xml version="1.0" encoding="utf-8"?>
 <p:sld xmlns:a="http://schemas.openxmlformats.org/drawingml/2006/main" xmlns:r="http://schemas.openxmlformats.org/officeDocument/2006/relationships" xmlns:p="http://schemas.openxmlformats.org/presentationml/2006/main">
   <p:cSld>
@@ -5504,11 +5440,413 @@
             </a:pPr>
             <a:r>
               <a:rPr lang="fr-FR" dirty="0" smtClean="0"/>
+              <a:t>Objective of </a:t>
+            </a:r>
+            <a:r>
+              <a:rPr lang="fr-FR" dirty="0" err="1" smtClean="0"/>
+              <a:t>project</a:t>
+            </a:r>
+            <a:r>
+              <a:rPr lang="fr-FR" dirty="0" smtClean="0"/>
+              <a:t> SOPRANO (2014 – 2019) </a:t>
+            </a:r>
+            <a:r>
+              <a:rPr lang="fr-FR" dirty="0" err="1" smtClean="0"/>
+              <a:t>between</a:t>
+            </a:r>
+            <a:r>
+              <a:rPr lang="fr-FR" dirty="0" smtClean="0"/>
+              <a:t> AdaCore, CEA, </a:t>
+            </a:r>
+            <a:r>
+              <a:rPr lang="fr-FR" dirty="0" err="1" smtClean="0"/>
+              <a:t>Inria</a:t>
+            </a:r>
+            <a:r>
+              <a:rPr lang="fr-FR" dirty="0" smtClean="0"/>
+              <a:t>, </a:t>
+            </a:r>
+            <a:r>
+              <a:rPr lang="fr-FR" dirty="0" err="1" smtClean="0"/>
+              <a:t>OCamlPro</a:t>
+            </a:r>
+            <a:r>
+              <a:rPr lang="fr-FR" dirty="0" smtClean="0"/>
+              <a:t>, Université Paris-Sud, Université Rennes 1:</a:t>
+            </a:r>
+          </a:p>
+          <a:p>
+            <a:pPr lvl="1"/>
+            <a:r>
+              <a:rPr lang="fr-FR" dirty="0" err="1" smtClean="0"/>
+              <a:t>Integration</a:t>
+            </a:r>
+            <a:r>
+              <a:rPr lang="fr-FR" dirty="0" smtClean="0"/>
+              <a:t> of CP and SMT in </a:t>
+            </a:r>
+            <a:r>
+              <a:rPr lang="fr-FR" dirty="0" err="1" smtClean="0"/>
+              <a:t>Popop</a:t>
+            </a:r>
+            <a:r>
+              <a:rPr lang="fr-FR" dirty="0" smtClean="0"/>
+              <a:t> (</a:t>
+            </a:r>
+            <a:r>
+              <a:rPr lang="fr-FR" dirty="0" err="1" smtClean="0"/>
+              <a:t>developed</a:t>
+            </a:r>
+            <a:r>
+              <a:rPr lang="fr-FR" dirty="0" smtClean="0"/>
+              <a:t> at CEA).</a:t>
+            </a:r>
+          </a:p>
+          <a:p>
+            <a:pPr lvl="1"/>
+            <a:r>
+              <a:rPr lang="fr-FR" dirty="0" smtClean="0"/>
+              <a:t>Support for </a:t>
+            </a:r>
+            <a:r>
+              <a:rPr lang="fr-FR" dirty="0" err="1" smtClean="0"/>
+              <a:t>floats</a:t>
+            </a:r>
+            <a:r>
+              <a:rPr lang="fr-FR" dirty="0" smtClean="0"/>
+              <a:t> in Alt-Ergo (</a:t>
+            </a:r>
+            <a:r>
+              <a:rPr lang="fr-FR" dirty="0" err="1" smtClean="0"/>
+              <a:t>developed</a:t>
+            </a:r>
+            <a:r>
+              <a:rPr lang="fr-FR" dirty="0" smtClean="0"/>
+              <a:t> at </a:t>
+            </a:r>
+            <a:r>
+              <a:rPr lang="fr-FR" dirty="0" err="1" smtClean="0"/>
+              <a:t>OCamlPro</a:t>
+            </a:r>
+            <a:r>
+              <a:rPr lang="fr-FR" dirty="0" smtClean="0"/>
+              <a:t>).</a:t>
+            </a:r>
+          </a:p>
+          <a:p>
+            <a:pPr lvl="1"/>
+            <a:r>
+              <a:rPr lang="fr-FR" dirty="0" err="1" smtClean="0"/>
+              <a:t>Experiments</a:t>
+            </a:r>
+            <a:r>
+              <a:rPr lang="fr-FR" dirty="0" smtClean="0"/>
+              <a:t> </a:t>
+            </a:r>
+            <a:r>
+              <a:rPr lang="fr-FR" dirty="0" err="1" smtClean="0"/>
+              <a:t>with</a:t>
+            </a:r>
+            <a:r>
+              <a:rPr lang="fr-FR" dirty="0" smtClean="0"/>
+              <a:t> use of </a:t>
+            </a:r>
+            <a:r>
+              <a:rPr lang="fr-FR" dirty="0" err="1" smtClean="0"/>
+              <a:t>Gappa</a:t>
+            </a:r>
+            <a:r>
+              <a:rPr lang="fr-FR" dirty="0" smtClean="0"/>
+              <a:t> (</a:t>
+            </a:r>
+            <a:r>
+              <a:rPr lang="fr-FR" dirty="0" err="1" smtClean="0"/>
+              <a:t>from</a:t>
+            </a:r>
+            <a:r>
+              <a:rPr lang="fr-FR" dirty="0" smtClean="0"/>
+              <a:t> </a:t>
+            </a:r>
+            <a:r>
+              <a:rPr lang="fr-FR" dirty="0" err="1" smtClean="0"/>
+              <a:t>Inria</a:t>
+            </a:r>
+            <a:r>
+              <a:rPr lang="fr-FR" dirty="0" smtClean="0"/>
+              <a:t>) and Colibri </a:t>
+            </a:r>
+            <a:r>
+              <a:rPr lang="fr-FR" dirty="0" smtClean="0"/>
+              <a:t>(CP </a:t>
+            </a:r>
+            <a:r>
+              <a:rPr lang="fr-FR" dirty="0" err="1" smtClean="0"/>
+              <a:t>solver</a:t>
+            </a:r>
+            <a:r>
+              <a:rPr lang="fr-FR" dirty="0" smtClean="0"/>
+              <a:t> </a:t>
+            </a:r>
+            <a:r>
+              <a:rPr lang="fr-FR" dirty="0" err="1" smtClean="0"/>
+              <a:t>from</a:t>
+            </a:r>
+            <a:r>
+              <a:rPr lang="fr-FR" dirty="0" smtClean="0"/>
+              <a:t> </a:t>
+            </a:r>
+            <a:r>
+              <a:rPr lang="fr-FR" dirty="0" smtClean="0"/>
+              <a:t>CEA).</a:t>
+            </a:r>
+          </a:p>
+          <a:p>
+            <a:pPr marL="0" indent="0">
+              <a:buNone/>
+            </a:pPr>
+            <a:r>
+              <a:rPr lang="fr-FR" dirty="0" smtClean="0"/>
+              <a:t>Goals:</a:t>
+            </a:r>
+          </a:p>
+          <a:p>
+            <a:pPr lvl="1">
+              <a:buFont typeface="+mj-lt"/>
+              <a:buAutoNum type="arabicPeriod"/>
+            </a:pPr>
+            <a:r>
+              <a:rPr lang="fr-FR" dirty="0" err="1" smtClean="0"/>
+              <a:t>Handle</a:t>
+            </a:r>
+            <a:r>
+              <a:rPr lang="fr-FR" dirty="0" smtClean="0"/>
+              <a:t> </a:t>
+            </a:r>
+            <a:r>
+              <a:rPr lang="fr-FR" dirty="0" err="1" smtClean="0"/>
+              <a:t>well</a:t>
+            </a:r>
+            <a:r>
+              <a:rPr lang="fr-FR" dirty="0" smtClean="0"/>
+              <a:t> </a:t>
+            </a:r>
+            <a:r>
+              <a:rPr lang="fr-FR" dirty="0" err="1" smtClean="0"/>
+              <a:t>floating</a:t>
+            </a:r>
+            <a:r>
+              <a:rPr lang="fr-FR" dirty="0" smtClean="0"/>
+              <a:t>-point </a:t>
+            </a:r>
+            <a:r>
+              <a:rPr lang="fr-FR" dirty="0" err="1" smtClean="0"/>
+              <a:t>arithmetic</a:t>
+            </a:r>
+            <a:r>
+              <a:rPr lang="fr-FR" dirty="0" smtClean="0"/>
+              <a:t>.</a:t>
+            </a:r>
+          </a:p>
+          <a:p>
+            <a:pPr lvl="1">
+              <a:buFont typeface="+mj-lt"/>
+              <a:buAutoNum type="arabicPeriod"/>
+            </a:pPr>
+            <a:r>
+              <a:rPr lang="fr-FR" dirty="0" smtClean="0"/>
+              <a:t>Deal </a:t>
+            </a:r>
+            <a:r>
+              <a:rPr lang="fr-FR" dirty="0" err="1" smtClean="0"/>
+              <a:t>with</a:t>
+            </a:r>
+            <a:r>
+              <a:rPr lang="fr-FR" dirty="0" smtClean="0"/>
+              <a:t> conversions </a:t>
+            </a:r>
+            <a:r>
+              <a:rPr lang="fr-FR" dirty="0" err="1" smtClean="0"/>
+              <a:t>between</a:t>
+            </a:r>
+            <a:r>
+              <a:rPr lang="fr-FR" dirty="0" smtClean="0"/>
+              <a:t> types.</a:t>
+            </a:r>
+          </a:p>
+          <a:p>
+            <a:pPr lvl="1">
+              <a:buFont typeface="+mj-lt"/>
+              <a:buAutoNum type="arabicPeriod"/>
+            </a:pPr>
+            <a:r>
+              <a:rPr lang="fr-FR" dirty="0" err="1" smtClean="0"/>
+              <a:t>Handle</a:t>
+            </a:r>
+            <a:r>
+              <a:rPr lang="fr-FR" dirty="0" smtClean="0"/>
+              <a:t> </a:t>
+            </a:r>
+            <a:r>
+              <a:rPr lang="fr-FR" dirty="0" err="1" smtClean="0"/>
+              <a:t>better</a:t>
+            </a:r>
+            <a:r>
+              <a:rPr lang="fr-FR" dirty="0" smtClean="0"/>
+              <a:t> </a:t>
+            </a:r>
+            <a:r>
+              <a:rPr lang="fr-FR" dirty="0" err="1" smtClean="0"/>
+              <a:t>nonlinear</a:t>
+            </a:r>
+            <a:r>
+              <a:rPr lang="fr-FR" dirty="0" smtClean="0"/>
+              <a:t> </a:t>
+            </a:r>
+            <a:r>
+              <a:rPr lang="fr-FR" dirty="0" err="1" smtClean="0"/>
+              <a:t>integer</a:t>
+            </a:r>
+            <a:r>
+              <a:rPr lang="fr-FR" dirty="0" smtClean="0"/>
+              <a:t> </a:t>
+            </a:r>
+            <a:r>
+              <a:rPr lang="fr-FR" dirty="0" err="1" smtClean="0"/>
+              <a:t>arithmetic</a:t>
+            </a:r>
+            <a:r>
+              <a:rPr lang="fr-FR" dirty="0" smtClean="0"/>
+              <a:t>.</a:t>
+            </a:r>
+          </a:p>
+          <a:p>
+            <a:pPr lvl="1">
+              <a:buFont typeface="+mj-lt"/>
+              <a:buAutoNum type="arabicPeriod"/>
+            </a:pPr>
+            <a:r>
+              <a:rPr lang="is-IS" dirty="0" smtClean="0"/>
+              <a:t>… while preserving the good quantifier instantiation of SMT provers.</a:t>
+            </a:r>
+          </a:p>
+          <a:p>
+            <a:pPr>
+              <a:buFont typeface="+mj-lt"/>
+              <a:buAutoNum type="arabicPeriod"/>
+            </a:pPr>
+            <a:endParaRPr lang="is-IS" dirty="0" smtClean="0"/>
+          </a:p>
+          <a:p>
+            <a:pPr>
+              <a:buFont typeface="+mj-lt"/>
+              <a:buAutoNum type="arabicPeriod"/>
+            </a:pPr>
+            <a:endParaRPr lang="is-IS" dirty="0"/>
+          </a:p>
+          <a:p>
+            <a:pPr marL="0" indent="0">
+              <a:buNone/>
+            </a:pPr>
+            <a:r>
+              <a:rPr lang="fr-FR" dirty="0"/>
               <a:t>Objective of joint </a:t>
             </a:r>
             <a:r>
-              <a:rPr lang="fr-FR" dirty="0" err="1" smtClean="0"/>
-              <a:t>lab</a:t>
+              <a:rPr lang="fr-FR" dirty="0" smtClean="0"/>
+              <a:t>labo </a:t>
+            </a:r>
+            <a:r>
+              <a:rPr lang="fr-FR" dirty="0" err="1"/>
+              <a:t>ProofInUse</a:t>
+            </a:r>
+            <a:r>
+              <a:rPr lang="fr-FR" dirty="0"/>
+              <a:t> (</a:t>
+            </a:r>
+            <a:r>
+              <a:rPr lang="fr-FR" dirty="0" smtClean="0"/>
+              <a:t>2014 – </a:t>
+            </a:r>
+            <a:r>
+              <a:rPr lang="fr-FR" dirty="0"/>
+              <a:t>2017) </a:t>
+            </a:r>
+            <a:r>
+              <a:rPr lang="fr-FR" dirty="0" err="1"/>
+              <a:t>between</a:t>
+            </a:r>
+            <a:r>
+              <a:rPr lang="fr-FR" dirty="0"/>
+              <a:t> AdaCore and </a:t>
+            </a:r>
+            <a:r>
+              <a:rPr lang="fr-FR" dirty="0" err="1"/>
+              <a:t>Inria</a:t>
+            </a:r>
+            <a:r>
+              <a:rPr lang="fr-FR" dirty="0" smtClean="0"/>
+              <a:t>.</a:t>
+            </a:r>
+          </a:p>
+          <a:p>
+            <a:pPr marL="0" indent="0">
+              <a:buNone/>
+            </a:pPr>
+            <a:r>
+              <a:rPr lang="fr-FR" dirty="0" smtClean="0"/>
+              <a:t>Goals: </a:t>
+            </a:r>
+          </a:p>
+          <a:p>
+            <a:pPr lvl="1">
+              <a:buFont typeface="+mj-lt"/>
+              <a:buAutoNum type="arabicPeriod"/>
+            </a:pPr>
+            <a:r>
+              <a:rPr lang="fr-FR" dirty="0" smtClean="0"/>
+              <a:t>Use support for </a:t>
+            </a:r>
+            <a:r>
+              <a:rPr lang="fr-FR" dirty="0" err="1" smtClean="0"/>
+              <a:t>bitvectors</a:t>
+            </a:r>
+            <a:r>
+              <a:rPr lang="fr-FR" dirty="0" smtClean="0"/>
+              <a:t> (</a:t>
+            </a:r>
+            <a:r>
+              <a:rPr lang="fr-FR" dirty="0" err="1" smtClean="0"/>
+              <a:t>done</a:t>
+            </a:r>
+            <a:r>
+              <a:rPr lang="fr-FR" dirty="0" smtClean="0"/>
+              <a:t>) and </a:t>
+            </a:r>
+            <a:r>
+              <a:rPr lang="fr-FR" dirty="0" err="1" smtClean="0"/>
+              <a:t>floats</a:t>
+            </a:r>
+            <a:r>
+              <a:rPr lang="fr-FR" dirty="0" smtClean="0"/>
+              <a:t> in SMT </a:t>
+            </a:r>
+            <a:r>
+              <a:rPr lang="fr-FR" dirty="0" err="1" smtClean="0"/>
+              <a:t>provers</a:t>
+            </a:r>
+            <a:r>
+              <a:rPr lang="fr-FR" dirty="0" smtClean="0"/>
+              <a:t>.</a:t>
+            </a:r>
+          </a:p>
+          <a:p>
+            <a:pPr lvl="1">
+              <a:buFont typeface="+mj-lt"/>
+              <a:buAutoNum type="arabicPeriod"/>
+            </a:pPr>
+            <a:r>
+              <a:rPr lang="fr-FR" dirty="0" err="1" smtClean="0"/>
+              <a:t>Generate</a:t>
             </a:r>
             <a:r>
               <a:rPr lang="fr-FR" dirty="0" smtClean="0"/>
@@ -5516,27 +5854,43 @@
             </a:r>
             <a:r>
               <a:rPr lang="fr-FR" dirty="0" err="1" smtClean="0"/>
-              <a:t>ProofInUse</a:t>
-            </a:r>
-            <a:r>
-              <a:rPr lang="fr-FR" dirty="0" smtClean="0"/>
-              <a:t> (2014 – 2017) </a:t>
-            </a:r>
-            <a:r>
-              <a:rPr lang="fr-FR" dirty="0" err="1" smtClean="0"/>
-              <a:t>between</a:t>
-            </a:r>
-            <a:r>
-              <a:rPr lang="fr-FR" dirty="0" smtClean="0"/>
-              <a:t> AdaCore and </a:t>
-            </a:r>
-            <a:r>
-              <a:rPr lang="fr-FR" dirty="0" err="1" smtClean="0"/>
-              <a:t>Inria</a:t>
-            </a:r>
-            <a:r>
-              <a:rPr lang="fr-FR" dirty="0" smtClean="0"/>
-              <a:t>.</a:t>
+              <a:t>counterexamples</a:t>
+            </a:r>
+            <a:r>
+              <a:rPr lang="fr-FR" dirty="0" smtClean="0"/>
+              <a:t> </a:t>
+            </a:r>
+            <a:r>
+              <a:rPr lang="fr-FR" dirty="0" err="1" smtClean="0"/>
+              <a:t>from</a:t>
+            </a:r>
+            <a:r>
+              <a:rPr lang="fr-FR" dirty="0" smtClean="0"/>
+              <a:t> SMT </a:t>
+            </a:r>
+            <a:r>
+              <a:rPr lang="fr-FR" dirty="0" err="1" smtClean="0"/>
+              <a:t>provers</a:t>
+            </a:r>
+            <a:r>
+              <a:rPr lang="fr-FR" dirty="0" smtClean="0"/>
+              <a:t> </a:t>
+            </a:r>
+            <a:r>
+              <a:rPr lang="fr-FR" dirty="0" err="1" smtClean="0"/>
+              <a:t>when</a:t>
+            </a:r>
+            <a:r>
+              <a:rPr lang="fr-FR" dirty="0" smtClean="0"/>
+              <a:t> possible (</a:t>
+            </a:r>
+            <a:r>
+              <a:rPr lang="fr-FR" dirty="0" err="1" smtClean="0"/>
+              <a:t>done</a:t>
+            </a:r>
+            <a:r>
+              <a:rPr lang="fr-FR" dirty="0" smtClean="0"/>
+              <a:t>).</a:t>
             </a:r>
           </a:p>
           <a:p>
@@ -5544,67 +5898,6 @@
               <a:buNone/>
             </a:pPr>
             <a:endParaRPr lang="fr-FR" dirty="0"/>
-          </a:p>
-          <a:p>
-            <a:pPr marL="0" indent="0">
-              <a:buNone/>
-            </a:pPr>
-            <a:r>
-              <a:rPr lang="fr-FR" dirty="0" smtClean="0"/>
-              <a:t>Goals:</a:t>
-            </a:r>
-          </a:p>
-          <a:p>
-            <a:pPr lvl="1">
-              <a:buFont typeface="+mj-lt"/>
-              <a:buAutoNum type="arabicPeriod"/>
-            </a:pPr>
-            <a:r>
-              <a:rPr lang="fr-FR" dirty="0" smtClean="0"/>
-              <a:t>Support auto-active proof </a:t>
-            </a:r>
-            <a:r>
-              <a:rPr lang="fr-FR" dirty="0" err="1" smtClean="0"/>
-              <a:t>method</a:t>
-            </a:r>
-            <a:r>
-              <a:rPr lang="fr-FR" dirty="0" smtClean="0"/>
-              <a:t> (</a:t>
-            </a:r>
-            <a:r>
-              <a:rPr lang="fr-FR" dirty="0" err="1" smtClean="0"/>
-              <a:t>done</a:t>
-            </a:r>
-            <a:r>
-              <a:rPr lang="fr-FR" dirty="0" smtClean="0"/>
-              <a:t>).</a:t>
-            </a:r>
-          </a:p>
-          <a:p>
-            <a:pPr lvl="1">
-              <a:buFont typeface="+mj-lt"/>
-              <a:buAutoNum type="arabicPeriod"/>
-            </a:pPr>
-            <a:r>
-              <a:rPr lang="fr-FR" dirty="0" smtClean="0"/>
-              <a:t>Support </a:t>
-            </a:r>
-            <a:r>
-              <a:rPr lang="fr-FR" dirty="0" err="1" smtClean="0"/>
-              <a:t>manual</a:t>
-            </a:r>
-            <a:r>
-              <a:rPr lang="fr-FR" dirty="0" smtClean="0"/>
-              <a:t> proof guidance at source code </a:t>
-            </a:r>
-            <a:r>
-              <a:rPr lang="fr-FR" dirty="0" err="1" smtClean="0"/>
-              <a:t>level</a:t>
-            </a:r>
-            <a:r>
-              <a:rPr lang="fr-FR" dirty="0" smtClean="0"/>
-              <a:t>.</a:t>
-            </a:r>
           </a:p>
         </p:txBody>
       </p:sp>
@@ -5629,7 +5922,15 @@
             </a:r>
             <a:r>
               <a:rPr lang="fr-FR" dirty="0" smtClean="0"/>
-              <a:t> Interactive </a:t>
+              <a:t> </a:t>
+            </a:r>
+            <a:r>
+              <a:rPr lang="fr-FR" dirty="0" err="1" smtClean="0"/>
+              <a:t>Automatic</a:t>
+            </a:r>
+            <a:r>
+              <a:rPr lang="fr-FR" dirty="0" smtClean="0"/>
+              <a:t> </a:t>
             </a:r>
             <a:r>
               <a:rPr lang="fr-FR" dirty="0" err="1" smtClean="0"/>
@@ -5673,6 +5974,222 @@
     </p:spTree>
     <p:extLst>
       <p:ext uri="{BB962C8B-B14F-4D97-AF65-F5344CB8AC3E}">
+        <p14:creationId xmlns:p14="http://schemas.microsoft.com/office/powerpoint/2010/main" val="1073287337"/>
+      </p:ext>
+    </p:extLst>
+  </p:cSld>
+  <p:clrMapOvr>
+    <a:masterClrMapping/>
+  </p:clrMapOvr>
+</p:sld>
+</file>
+
+<file path=ppt/slides/slide13.xml><?xml version="1.0" encoding="utf-8"?>
+<p:sld xmlns:a="http://schemas.openxmlformats.org/drawingml/2006/main" xmlns:r="http://schemas.openxmlformats.org/officeDocument/2006/relationships" xmlns:p="http://schemas.openxmlformats.org/presentationml/2006/main">
+  <p:cSld>
+    <p:spTree>
+      <p:nvGrpSpPr>
+        <p:cNvPr id="1" name=""/>
+        <p:cNvGrpSpPr/>
+        <p:nvPr/>
+      </p:nvGrpSpPr>
+      <p:grpSpPr>
+        <a:xfrm>
+          <a:off x="0" y="0"/>
+          <a:ext cx="0" cy="0"/>
+          <a:chOff x="0" y="0"/>
+          <a:chExt cx="0" cy="0"/>
+        </a:xfrm>
+      </p:grpSpPr>
+      <p:sp>
+        <p:nvSpPr>
+          <p:cNvPr id="2" name="Espace réservé du texte 1"/>
+          <p:cNvSpPr>
+            <a:spLocks noGrp="1"/>
+          </p:cNvSpPr>
+          <p:nvPr>
+            <p:ph type="body" idx="1"/>
+          </p:nvPr>
+        </p:nvSpPr>
+        <p:spPr/>
+        <p:txBody>
+          <a:bodyPr/>
+          <a:lstStyle/>
+          <a:p>
+            <a:pPr marL="0" indent="0">
+              <a:buNone/>
+            </a:pPr>
+            <a:r>
+              <a:rPr lang="fr-FR" dirty="0" smtClean="0"/>
+              <a:t>Objective of joint </a:t>
+            </a:r>
+            <a:r>
+              <a:rPr lang="fr-FR" dirty="0" err="1" smtClean="0"/>
+              <a:t>lab</a:t>
+            </a:r>
+            <a:r>
+              <a:rPr lang="fr-FR" dirty="0" smtClean="0"/>
+              <a:t> </a:t>
+            </a:r>
+            <a:r>
+              <a:rPr lang="fr-FR" dirty="0" err="1" smtClean="0"/>
+              <a:t>ProofInUse</a:t>
+            </a:r>
+            <a:r>
+              <a:rPr lang="fr-FR" dirty="0" smtClean="0"/>
+              <a:t> (2014 – 2017) </a:t>
+            </a:r>
+            <a:r>
+              <a:rPr lang="fr-FR" dirty="0" err="1" smtClean="0"/>
+              <a:t>between</a:t>
+            </a:r>
+            <a:r>
+              <a:rPr lang="fr-FR" dirty="0" smtClean="0"/>
+              <a:t> AdaCore and </a:t>
+            </a:r>
+            <a:r>
+              <a:rPr lang="fr-FR" dirty="0" err="1" smtClean="0"/>
+              <a:t>Inria</a:t>
+            </a:r>
+            <a:r>
+              <a:rPr lang="fr-FR" dirty="0" smtClean="0"/>
+              <a:t>.</a:t>
+            </a:r>
+          </a:p>
+          <a:p>
+            <a:pPr marL="0" indent="0">
+              <a:buNone/>
+            </a:pPr>
+            <a:endParaRPr lang="fr-FR" dirty="0"/>
+          </a:p>
+          <a:p>
+            <a:pPr marL="0" indent="0">
+              <a:buNone/>
+            </a:pPr>
+            <a:r>
+              <a:rPr lang="fr-FR" dirty="0" smtClean="0"/>
+              <a:t>Goals:</a:t>
+            </a:r>
+          </a:p>
+          <a:p>
+            <a:pPr lvl="1">
+              <a:buFont typeface="+mj-lt"/>
+              <a:buAutoNum type="arabicPeriod"/>
+            </a:pPr>
+            <a:r>
+              <a:rPr lang="fr-FR" dirty="0" smtClean="0"/>
+              <a:t>Support auto-active proof </a:t>
+            </a:r>
+            <a:r>
+              <a:rPr lang="fr-FR" dirty="0" err="1" smtClean="0"/>
+              <a:t>method</a:t>
+            </a:r>
+            <a:r>
+              <a:rPr lang="fr-FR" dirty="0" smtClean="0"/>
+              <a:t> (</a:t>
+            </a:r>
+            <a:r>
+              <a:rPr lang="fr-FR" dirty="0" err="1" smtClean="0"/>
+              <a:t>done</a:t>
+            </a:r>
+            <a:r>
+              <a:rPr lang="fr-FR" dirty="0" smtClean="0"/>
+              <a:t>).</a:t>
+            </a:r>
+          </a:p>
+          <a:p>
+            <a:pPr lvl="1">
+              <a:buFont typeface="+mj-lt"/>
+              <a:buAutoNum type="arabicPeriod"/>
+            </a:pPr>
+            <a:r>
+              <a:rPr lang="fr-FR" dirty="0" smtClean="0"/>
+              <a:t>Support </a:t>
+            </a:r>
+            <a:r>
+              <a:rPr lang="fr-FR" dirty="0" err="1" smtClean="0"/>
+              <a:t>manual</a:t>
+            </a:r>
+            <a:r>
+              <a:rPr lang="fr-FR" dirty="0" smtClean="0"/>
+              <a:t> proof guidance at source code </a:t>
+            </a:r>
+            <a:r>
+              <a:rPr lang="fr-FR" dirty="0" err="1" smtClean="0"/>
+              <a:t>level</a:t>
+            </a:r>
+            <a:r>
+              <a:rPr lang="fr-FR" dirty="0" smtClean="0"/>
+              <a:t>.</a:t>
+            </a:r>
+          </a:p>
+        </p:txBody>
+      </p:sp>
+      <p:sp>
+        <p:nvSpPr>
+          <p:cNvPr id="3" name="Titre 2"/>
+          <p:cNvSpPr>
+            <a:spLocks noGrp="1"/>
+          </p:cNvSpPr>
+          <p:nvPr>
+            <p:ph type="title"/>
+          </p:nvPr>
+        </p:nvSpPr>
+        <p:spPr/>
+        <p:txBody>
+          <a:bodyPr/>
+          <a:lstStyle/>
+          <a:p>
+            <a:r>
+              <a:rPr lang="fr-FR" dirty="0" err="1" smtClean="0"/>
+              <a:t>Better</a:t>
+            </a:r>
+            <a:r>
+              <a:rPr lang="fr-FR" dirty="0" smtClean="0"/>
+              <a:t> Interactive </a:t>
+            </a:r>
+            <a:r>
+              <a:rPr lang="fr-FR" dirty="0" err="1" smtClean="0"/>
+              <a:t>Provers</a:t>
+            </a:r>
+            <a:endParaRPr lang="fr-FR" dirty="0"/>
+          </a:p>
+        </p:txBody>
+      </p:sp>
+      <p:sp>
+        <p:nvSpPr>
+          <p:cNvPr id="4" name="ZoneTexte 3"/>
+          <p:cNvSpPr txBox="1"/>
+          <p:nvPr/>
+        </p:nvSpPr>
+        <p:spPr>
+          <a:xfrm>
+            <a:off x="3637969" y="342900"/>
+            <a:ext cx="184731" cy="307777"/>
+          </a:xfrm>
+          <a:prstGeom prst="rect">
+            <a:avLst/>
+          </a:prstGeom>
+          <a:noFill/>
+        </p:spPr>
+        <p:txBody>
+          <a:bodyPr wrap="none" rtlCol="0">
+            <a:spAutoFit/>
+          </a:bodyPr>
+          <a:lstStyle/>
+          <a:p>
+            <a:pPr algn="r"/>
+            <a:endParaRPr lang="fr-FR" sz="1400" b="1" i="0" kern="1200" dirty="0" smtClean="0">
+              <a:solidFill>
+                <a:schemeClr val="accent1"/>
+              </a:solidFill>
+            </a:endParaRPr>
+          </a:p>
+        </p:txBody>
+      </p:sp>
+    </p:spTree>
+    <p:extLst>
+      <p:ext uri="{BB962C8B-B14F-4D97-AF65-F5344CB8AC3E}">
         <p14:creationId xmlns:p14="http://schemas.microsoft.com/office/powerpoint/2010/main" val="1420602450"/>
       </p:ext>
     </p:extLst>
@@ -5683,7 +6200,7 @@
 </p:sld>
 </file>
 
-<file path=ppt/slides/slide13.xml><?xml version="1.0" encoding="utf-8"?>
+<file path=ppt/slides/slide14.xml><?xml version="1.0" encoding="utf-8"?>
 <p:sld xmlns:a="http://schemas.openxmlformats.org/drawingml/2006/main" xmlns:r="http://schemas.openxmlformats.org/officeDocument/2006/relationships" xmlns:p="http://schemas.openxmlformats.org/presentationml/2006/main">
   <p:cSld>
     <p:spTree>
@@ -5941,7 +6458,7 @@
 </p:sld>
 </file>
 
-<file path=ppt/slides/slide14.xml><?xml version="1.0" encoding="utf-8"?>
+<file path=ppt/slides/slide15.xml><?xml version="1.0" encoding="utf-8"?>
 <p:sld xmlns:a="http://schemas.openxmlformats.org/drawingml/2006/main" xmlns:r="http://schemas.openxmlformats.org/officeDocument/2006/relationships" xmlns:p="http://schemas.openxmlformats.org/presentationml/2006/main">
   <p:cSld>
     <p:spTree>
@@ -9053,7 +9570,7 @@
 </p:sld>
 </file>
 
-<file path=ppt/slides/slide15.xml><?xml version="1.0" encoding="utf-8"?>
+<file path=ppt/slides/slide16.xml><?xml version="1.0" encoding="utf-8"?>
 <p:sld xmlns:a="http://schemas.openxmlformats.org/drawingml/2006/main" xmlns:r="http://schemas.openxmlformats.org/officeDocument/2006/relationships" xmlns:p="http://schemas.openxmlformats.org/presentationml/2006/main">
   <p:cSld>
     <p:spTree>
@@ -9987,14 +10504,14 @@
           </a:ln>
           <a:extLst>
             <a:ext uri="{909E8E84-426E-40dd-AFC4-6F175D3DCCD1}">
-              <a14:hiddenFill xmlns="" xmlns:a14="http://schemas.microsoft.com/office/drawing/2010/main">
+              <a14:hiddenFill xmlns:a14="http://schemas.microsoft.com/office/drawing/2010/main" xmlns="">
                 <a:solidFill>
                   <a:srgbClr val="FFFFFF"/>
                 </a:solidFill>
               </a14:hiddenFill>
             </a:ext>
             <a:ext uri="{91240B29-F687-4f45-9708-019B960494DF}">
-              <a14:hiddenLine xmlns="" xmlns:a14="http://schemas.microsoft.com/office/drawing/2010/main" w="9525">
+              <a14:hiddenLine xmlns:a14="http://schemas.microsoft.com/office/drawing/2010/main" xmlns="" w="9525">
                 <a:solidFill>
                   <a:srgbClr val="000000"/>
                 </a:solidFill>
@@ -10760,6 +11277,783 @@
       </p:grpSpPr>
       <p:sp>
         <p:nvSpPr>
+          <p:cNvPr id="2" name="Espace réservé du texte 1"/>
+          <p:cNvSpPr>
+            <a:spLocks noGrp="1"/>
+          </p:cNvSpPr>
+          <p:nvPr>
+            <p:ph type="body" idx="1"/>
+          </p:nvPr>
+        </p:nvSpPr>
+        <p:spPr/>
+        <p:txBody>
+          <a:bodyPr/>
+          <a:lstStyle/>
+          <a:p>
+            <a:pPr marL="0" marR="0" lvl="0" indent="0" defTabSz="914400" eaLnBrk="1" fontAlgn="auto" latinLnBrk="0" hangingPunct="1">
+              <a:lnSpc>
+                <a:spcPct val="100000"/>
+              </a:lnSpc>
+              <a:spcBef>
+                <a:spcPts val="0"/>
+              </a:spcBef>
+              <a:spcAft>
+                <a:spcPts val="0"/>
+              </a:spcAft>
+              <a:buClrTx/>
+              <a:buSzTx/>
+              <a:buFontTx/>
+              <a:buNone/>
+              <a:tabLst/>
+              <a:defRPr/>
+            </a:pPr>
+            <a:r>
+              <a:rPr lang="fr-FR" dirty="0" err="1" smtClean="0"/>
+              <a:t>Three</a:t>
+            </a:r>
+            <a:r>
+              <a:rPr lang="fr-FR" dirty="0" smtClean="0"/>
+              <a:t> </a:t>
+            </a:r>
+            <a:r>
+              <a:rPr lang="fr-FR" dirty="0" err="1" smtClean="0"/>
+              <a:t>provers</a:t>
+            </a:r>
+            <a:r>
+              <a:rPr lang="fr-FR" dirty="0" smtClean="0"/>
+              <a:t> </a:t>
+            </a:r>
+            <a:r>
+              <a:rPr lang="fr-FR" dirty="0" err="1" smtClean="0"/>
+              <a:t>shipped</a:t>
+            </a:r>
+            <a:r>
+              <a:rPr lang="fr-FR" dirty="0" smtClean="0"/>
+              <a:t> </a:t>
+            </a:r>
+            <a:r>
+              <a:rPr lang="fr-FR" dirty="0" err="1" smtClean="0"/>
+              <a:t>with</a:t>
+            </a:r>
+            <a:r>
+              <a:rPr lang="fr-FR" dirty="0" smtClean="0"/>
+              <a:t> SPARK: Alt-Ergo, CVC4, Z3</a:t>
+            </a:r>
+          </a:p>
+          <a:p>
+            <a:pPr marL="0" marR="0" lvl="0" indent="0" defTabSz="914400" eaLnBrk="1" fontAlgn="auto" latinLnBrk="0" hangingPunct="1">
+              <a:lnSpc>
+                <a:spcPct val="100000"/>
+              </a:lnSpc>
+              <a:spcBef>
+                <a:spcPts val="0"/>
+              </a:spcBef>
+              <a:spcAft>
+                <a:spcPts val="0"/>
+              </a:spcAft>
+              <a:buClrTx/>
+              <a:buSzTx/>
+              <a:buFontTx/>
+              <a:buNone/>
+              <a:tabLst/>
+              <a:defRPr/>
+            </a:pPr>
+            <a:endParaRPr lang="fr-FR" dirty="0"/>
+          </a:p>
+          <a:p>
+            <a:pPr marL="0" marR="0" lvl="0" indent="0" defTabSz="914400" eaLnBrk="1" fontAlgn="auto" latinLnBrk="0" hangingPunct="1">
+              <a:lnSpc>
+                <a:spcPct val="100000"/>
+              </a:lnSpc>
+              <a:spcBef>
+                <a:spcPts val="0"/>
+              </a:spcBef>
+              <a:spcAft>
+                <a:spcPts val="0"/>
+              </a:spcAft>
+              <a:buClrTx/>
+              <a:buSzTx/>
+              <a:buFontTx/>
+              <a:buNone/>
+              <a:tabLst/>
+              <a:defRPr/>
+            </a:pPr>
+            <a:r>
+              <a:rPr lang="fr-FR" dirty="0" smtClean="0"/>
+              <a:t>All </a:t>
+            </a:r>
+            <a:r>
+              <a:rPr lang="fr-FR" dirty="0" err="1" smtClean="0"/>
+              <a:t>three</a:t>
+            </a:r>
+            <a:r>
+              <a:rPr lang="fr-FR" dirty="0" smtClean="0"/>
+              <a:t> are SMT </a:t>
+            </a:r>
+            <a:r>
+              <a:rPr lang="fr-FR" dirty="0" err="1" smtClean="0"/>
+              <a:t>provers</a:t>
+            </a:r>
+            <a:r>
+              <a:rPr lang="fr-FR" dirty="0" smtClean="0"/>
+              <a:t> </a:t>
+            </a:r>
+            <a:r>
+              <a:rPr lang="fr-FR" dirty="0" err="1" smtClean="0"/>
+              <a:t>supporting</a:t>
+            </a:r>
+            <a:r>
+              <a:rPr lang="fr-FR" dirty="0" smtClean="0"/>
+              <a:t> first </a:t>
+            </a:r>
+            <a:r>
+              <a:rPr lang="fr-FR" dirty="0" err="1" smtClean="0"/>
+              <a:t>order</a:t>
+            </a:r>
+            <a:r>
+              <a:rPr lang="fr-FR" dirty="0" smtClean="0"/>
+              <a:t> </a:t>
+            </a:r>
+            <a:r>
+              <a:rPr lang="fr-FR" dirty="0" err="1" smtClean="0"/>
+              <a:t>logic</a:t>
+            </a:r>
+            <a:r>
+              <a:rPr lang="fr-FR" dirty="0" smtClean="0"/>
+              <a:t> (</a:t>
+            </a:r>
+            <a:r>
+              <a:rPr lang="fr-FR" dirty="0" err="1" smtClean="0"/>
+              <a:t>axioms</a:t>
+            </a:r>
+            <a:r>
+              <a:rPr lang="fr-FR" dirty="0" smtClean="0"/>
+              <a:t>).</a:t>
+            </a:r>
+          </a:p>
+          <a:p>
+            <a:pPr marL="0" marR="0" lvl="0" indent="0" defTabSz="914400" eaLnBrk="1" fontAlgn="auto" latinLnBrk="0" hangingPunct="1">
+              <a:lnSpc>
+                <a:spcPct val="100000"/>
+              </a:lnSpc>
+              <a:spcBef>
+                <a:spcPts val="0"/>
+              </a:spcBef>
+              <a:spcAft>
+                <a:spcPts val="0"/>
+              </a:spcAft>
+              <a:buClrTx/>
+              <a:buSzTx/>
+              <a:buFontTx/>
+              <a:buNone/>
+              <a:tabLst/>
+              <a:defRPr/>
+            </a:pPr>
+            <a:endParaRPr lang="fr-FR" dirty="0"/>
+          </a:p>
+          <a:p>
+            <a:pPr marL="0" marR="0" lvl="0" indent="0" defTabSz="914400" eaLnBrk="1" fontAlgn="auto" latinLnBrk="0" hangingPunct="1">
+              <a:lnSpc>
+                <a:spcPct val="100000"/>
+              </a:lnSpc>
+              <a:spcBef>
+                <a:spcPts val="0"/>
+              </a:spcBef>
+              <a:spcAft>
+                <a:spcPts val="0"/>
+              </a:spcAft>
+              <a:buClrTx/>
+              <a:buSzTx/>
+              <a:buFontTx/>
+              <a:buNone/>
+              <a:tabLst/>
+              <a:defRPr/>
+            </a:pPr>
+            <a:r>
+              <a:rPr lang="fr-FR" dirty="0" err="1" smtClean="0"/>
+              <a:t>Many</a:t>
+            </a:r>
+            <a:r>
+              <a:rPr lang="fr-FR" dirty="0" smtClean="0"/>
+              <a:t> </a:t>
+            </a:r>
+            <a:r>
+              <a:rPr lang="fr-FR" dirty="0" err="1" smtClean="0"/>
+              <a:t>other</a:t>
+            </a:r>
+            <a:r>
+              <a:rPr lang="fr-FR" dirty="0" smtClean="0"/>
+              <a:t> </a:t>
+            </a:r>
+            <a:r>
+              <a:rPr lang="fr-FR" dirty="0" err="1" smtClean="0"/>
+              <a:t>provers</a:t>
+            </a:r>
+            <a:r>
+              <a:rPr lang="fr-FR" dirty="0" smtClean="0"/>
+              <a:t> (SMT or not) </a:t>
+            </a:r>
+            <a:r>
+              <a:rPr lang="fr-FR" dirty="0" err="1" smtClean="0"/>
+              <a:t>can</a:t>
+            </a:r>
+            <a:r>
+              <a:rPr lang="fr-FR" dirty="0" smtClean="0"/>
+              <a:t> </a:t>
+            </a:r>
+            <a:r>
+              <a:rPr lang="fr-FR" dirty="0" err="1" smtClean="0"/>
+              <a:t>be</a:t>
+            </a:r>
+            <a:r>
+              <a:rPr lang="fr-FR" dirty="0" smtClean="0"/>
+              <a:t> </a:t>
+            </a:r>
+            <a:r>
+              <a:rPr lang="fr-FR" dirty="0" err="1" smtClean="0"/>
+              <a:t>used</a:t>
+            </a:r>
+            <a:r>
+              <a:rPr lang="fr-FR" dirty="0" smtClean="0"/>
+              <a:t> </a:t>
+            </a:r>
+            <a:r>
+              <a:rPr lang="fr-FR" dirty="0" err="1" smtClean="0"/>
+              <a:t>through</a:t>
+            </a:r>
+            <a:r>
+              <a:rPr lang="fr-FR" dirty="0" smtClean="0"/>
+              <a:t> Why3 bridge.</a:t>
+            </a:r>
+          </a:p>
+          <a:p>
+            <a:pPr marL="0" marR="0" lvl="0" indent="0" defTabSz="914400" eaLnBrk="1" fontAlgn="auto" latinLnBrk="0" hangingPunct="1">
+              <a:lnSpc>
+                <a:spcPct val="100000"/>
+              </a:lnSpc>
+              <a:spcBef>
+                <a:spcPts val="0"/>
+              </a:spcBef>
+              <a:spcAft>
+                <a:spcPts val="0"/>
+              </a:spcAft>
+              <a:buClrTx/>
+              <a:buSzTx/>
+              <a:buFontTx/>
+              <a:buNone/>
+              <a:tabLst/>
+              <a:defRPr/>
+            </a:pPr>
+            <a:endParaRPr lang="fr-FR" dirty="0"/>
+          </a:p>
+          <a:p>
+            <a:pPr marL="0" marR="0" lvl="0" indent="0" defTabSz="914400" eaLnBrk="1" fontAlgn="auto" latinLnBrk="0" hangingPunct="1">
+              <a:lnSpc>
+                <a:spcPct val="100000"/>
+              </a:lnSpc>
+              <a:spcBef>
+                <a:spcPts val="0"/>
+              </a:spcBef>
+              <a:spcAft>
+                <a:spcPts val="0"/>
+              </a:spcAft>
+              <a:buClrTx/>
+              <a:buSzTx/>
+              <a:buFontTx/>
+              <a:buNone/>
+              <a:tabLst/>
+              <a:defRPr/>
+            </a:pPr>
+            <a:endParaRPr lang="fr-FR" dirty="0" smtClean="0"/>
+          </a:p>
+          <a:p>
+            <a:pPr marL="0" marR="0" lvl="0" indent="0" defTabSz="914400" eaLnBrk="1" fontAlgn="auto" latinLnBrk="0" hangingPunct="1">
+              <a:lnSpc>
+                <a:spcPct val="100000"/>
+              </a:lnSpc>
+              <a:spcBef>
+                <a:spcPts val="0"/>
+              </a:spcBef>
+              <a:spcAft>
+                <a:spcPts val="0"/>
+              </a:spcAft>
+              <a:buClrTx/>
+              <a:buSzTx/>
+              <a:buFontTx/>
+              <a:buNone/>
+              <a:tabLst/>
+              <a:defRPr/>
+            </a:pPr>
+            <a:endParaRPr lang="fr-FR" dirty="0" smtClean="0"/>
+          </a:p>
+          <a:p>
+            <a:pPr marL="0" marR="0" lvl="0" indent="0" defTabSz="914400" eaLnBrk="1" fontAlgn="auto" latinLnBrk="0" hangingPunct="1">
+              <a:lnSpc>
+                <a:spcPct val="100000"/>
+              </a:lnSpc>
+              <a:spcBef>
+                <a:spcPts val="0"/>
+              </a:spcBef>
+              <a:spcAft>
+                <a:spcPts val="0"/>
+              </a:spcAft>
+              <a:buClrTx/>
+              <a:buSzTx/>
+              <a:buFontTx/>
+              <a:buNone/>
+              <a:tabLst/>
+              <a:defRPr/>
+            </a:pPr>
+            <a:r>
+              <a:rPr lang="fr-FR" dirty="0" err="1" smtClean="0"/>
+              <a:t>Strengths</a:t>
+            </a:r>
+            <a:r>
+              <a:rPr lang="fr-FR" dirty="0" smtClean="0"/>
+              <a:t> of SMT </a:t>
+            </a:r>
+            <a:r>
+              <a:rPr lang="fr-FR" dirty="0" err="1" smtClean="0"/>
+              <a:t>provers</a:t>
+            </a:r>
+            <a:r>
+              <a:rPr lang="fr-FR" dirty="0" smtClean="0"/>
+              <a:t>:</a:t>
+            </a:r>
+          </a:p>
+          <a:p>
+            <a:pPr marL="0" marR="0" lvl="0" indent="0" defTabSz="914400" eaLnBrk="1" fontAlgn="auto" latinLnBrk="0" hangingPunct="1">
+              <a:lnSpc>
+                <a:spcPct val="100000"/>
+              </a:lnSpc>
+              <a:spcBef>
+                <a:spcPts val="0"/>
+              </a:spcBef>
+              <a:spcAft>
+                <a:spcPts val="0"/>
+              </a:spcAft>
+              <a:buClrTx/>
+              <a:buSzTx/>
+              <a:buFontTx/>
+              <a:buNone/>
+              <a:tabLst/>
+              <a:defRPr/>
+            </a:pPr>
+            <a:endParaRPr lang="fr-FR" dirty="0" smtClean="0"/>
+          </a:p>
+          <a:p>
+            <a:pPr marR="0" lvl="0" defTabSz="914400" eaLnBrk="1" fontAlgn="auto" latinLnBrk="0" hangingPunct="1">
+              <a:lnSpc>
+                <a:spcPct val="100000"/>
+              </a:lnSpc>
+              <a:spcBef>
+                <a:spcPts val="0"/>
+              </a:spcBef>
+              <a:spcAft>
+                <a:spcPts val="0"/>
+              </a:spcAft>
+              <a:buClrTx/>
+              <a:buSzTx/>
+              <a:buFont typeface="+mj-lt"/>
+              <a:buAutoNum type="arabicPeriod"/>
+              <a:tabLst/>
+              <a:defRPr/>
+            </a:pPr>
+            <a:r>
+              <a:rPr lang="fr-FR" dirty="0" smtClean="0"/>
+              <a:t>Good handling of </a:t>
+            </a:r>
+            <a:r>
+              <a:rPr lang="fr-FR" dirty="0" err="1" smtClean="0"/>
+              <a:t>arithmetic</a:t>
+            </a:r>
+            <a:r>
+              <a:rPr lang="fr-FR" dirty="0" smtClean="0"/>
+              <a:t> (</a:t>
+            </a:r>
+            <a:r>
+              <a:rPr lang="fr-FR" dirty="0" err="1" smtClean="0"/>
+              <a:t>integers</a:t>
+            </a:r>
+            <a:r>
+              <a:rPr lang="fr-FR" dirty="0" smtClean="0"/>
+              <a:t>, </a:t>
+            </a:r>
+            <a:r>
+              <a:rPr lang="fr-FR" dirty="0" err="1" smtClean="0"/>
+              <a:t>bitvectors</a:t>
+            </a:r>
+            <a:r>
+              <a:rPr lang="fr-FR" dirty="0" smtClean="0"/>
+              <a:t>, </a:t>
+            </a:r>
+            <a:r>
+              <a:rPr lang="fr-FR" dirty="0" err="1" smtClean="0"/>
+              <a:t>reals</a:t>
+            </a:r>
+            <a:r>
+              <a:rPr lang="fr-FR" dirty="0" smtClean="0"/>
+              <a:t>, ≈ </a:t>
+            </a:r>
+            <a:r>
+              <a:rPr lang="fr-FR" dirty="0" err="1" smtClean="0"/>
+              <a:t>floats</a:t>
+            </a:r>
+            <a:r>
+              <a:rPr lang="fr-FR" dirty="0" smtClean="0"/>
+              <a:t>)</a:t>
+            </a:r>
+          </a:p>
+          <a:p>
+            <a:pPr marR="0" lvl="0" defTabSz="914400" eaLnBrk="1" fontAlgn="auto" latinLnBrk="0" hangingPunct="1">
+              <a:lnSpc>
+                <a:spcPct val="100000"/>
+              </a:lnSpc>
+              <a:spcBef>
+                <a:spcPts val="0"/>
+              </a:spcBef>
+              <a:spcAft>
+                <a:spcPts val="0"/>
+              </a:spcAft>
+              <a:buClrTx/>
+              <a:buSzTx/>
+              <a:buFont typeface="+mj-lt"/>
+              <a:buAutoNum type="arabicPeriod"/>
+              <a:tabLst/>
+              <a:defRPr/>
+            </a:pPr>
+            <a:endParaRPr lang="fr-FR" dirty="0" smtClean="0"/>
+          </a:p>
+          <a:p>
+            <a:pPr marR="0" lvl="0" defTabSz="914400" eaLnBrk="1" fontAlgn="auto" latinLnBrk="0" hangingPunct="1">
+              <a:lnSpc>
+                <a:spcPct val="100000"/>
+              </a:lnSpc>
+              <a:spcBef>
+                <a:spcPts val="0"/>
+              </a:spcBef>
+              <a:spcAft>
+                <a:spcPts val="0"/>
+              </a:spcAft>
+              <a:buClrTx/>
+              <a:buSzTx/>
+              <a:buFont typeface="+mj-lt"/>
+              <a:buAutoNum type="arabicPeriod"/>
+              <a:tabLst/>
+              <a:defRPr/>
+            </a:pPr>
+            <a:r>
+              <a:rPr lang="fr-FR" dirty="0" smtClean="0"/>
+              <a:t>Good handling of </a:t>
+            </a:r>
+            <a:r>
+              <a:rPr lang="fr-FR" dirty="0" err="1" smtClean="0"/>
+              <a:t>axioms</a:t>
+            </a:r>
+            <a:r>
+              <a:rPr lang="fr-FR" dirty="0" smtClean="0"/>
+              <a:t> </a:t>
+            </a:r>
+          </a:p>
+          <a:p>
+            <a:pPr marR="0" lvl="0" defTabSz="914400" eaLnBrk="1" fontAlgn="auto" latinLnBrk="0" hangingPunct="1">
+              <a:lnSpc>
+                <a:spcPct val="100000"/>
+              </a:lnSpc>
+              <a:spcBef>
+                <a:spcPts val="0"/>
+              </a:spcBef>
+              <a:spcAft>
+                <a:spcPts val="0"/>
+              </a:spcAft>
+              <a:buClrTx/>
+              <a:buSzTx/>
+              <a:buFont typeface="+mj-lt"/>
+              <a:buAutoNum type="arabicPeriod"/>
+              <a:tabLst/>
+              <a:defRPr/>
+            </a:pPr>
+            <a:endParaRPr lang="fr-FR" dirty="0"/>
+          </a:p>
+          <a:p>
+            <a:pPr marR="0" lvl="0" defTabSz="914400" eaLnBrk="1" fontAlgn="auto" latinLnBrk="0" hangingPunct="1">
+              <a:lnSpc>
+                <a:spcPct val="100000"/>
+              </a:lnSpc>
+              <a:spcBef>
+                <a:spcPts val="0"/>
+              </a:spcBef>
+              <a:spcAft>
+                <a:spcPts val="0"/>
+              </a:spcAft>
+              <a:buClrTx/>
+              <a:buSzTx/>
+              <a:buFont typeface="+mj-lt"/>
+              <a:buAutoNum type="arabicPeriod"/>
+              <a:tabLst/>
+              <a:defRPr/>
+            </a:pPr>
+            <a:r>
+              <a:rPr lang="fr-FR" dirty="0" err="1" smtClean="0"/>
+              <a:t>Reasonably</a:t>
+            </a:r>
+            <a:r>
+              <a:rPr lang="fr-FR" dirty="0" smtClean="0"/>
+              <a:t> </a:t>
+            </a:r>
+            <a:r>
+              <a:rPr lang="fr-FR" dirty="0" err="1" smtClean="0"/>
+              <a:t>fast</a:t>
+            </a:r>
+            <a:endParaRPr lang="fr-FR" dirty="0" smtClean="0"/>
+          </a:p>
+          <a:p>
+            <a:pPr marR="0" lvl="0" defTabSz="914400" eaLnBrk="1" fontAlgn="auto" latinLnBrk="0" hangingPunct="1">
+              <a:lnSpc>
+                <a:spcPct val="100000"/>
+              </a:lnSpc>
+              <a:spcBef>
+                <a:spcPts val="0"/>
+              </a:spcBef>
+              <a:spcAft>
+                <a:spcPts val="0"/>
+              </a:spcAft>
+              <a:buClrTx/>
+              <a:buSzTx/>
+              <a:buFont typeface="+mj-lt"/>
+              <a:buAutoNum type="arabicPeriod"/>
+              <a:tabLst/>
+              <a:defRPr/>
+            </a:pPr>
+            <a:endParaRPr lang="fr-FR" dirty="0"/>
+          </a:p>
+          <a:p>
+            <a:pPr marR="0" lvl="0" defTabSz="914400" eaLnBrk="1" fontAlgn="auto" latinLnBrk="0" hangingPunct="1">
+              <a:lnSpc>
+                <a:spcPct val="100000"/>
+              </a:lnSpc>
+              <a:spcBef>
+                <a:spcPts val="0"/>
+              </a:spcBef>
+              <a:spcAft>
+                <a:spcPts val="0"/>
+              </a:spcAft>
+              <a:buClrTx/>
+              <a:buSzTx/>
+              <a:buFont typeface="+mj-lt"/>
+              <a:buAutoNum type="arabicPeriod"/>
+              <a:tabLst/>
+              <a:defRPr/>
+            </a:pPr>
+            <a:r>
+              <a:rPr lang="fr-FR" dirty="0" err="1" smtClean="0"/>
+              <a:t>Agreed</a:t>
+            </a:r>
+            <a:r>
+              <a:rPr lang="fr-FR" dirty="0" smtClean="0"/>
+              <a:t> </a:t>
+            </a:r>
+            <a:r>
+              <a:rPr lang="fr-FR" dirty="0" err="1" smtClean="0"/>
+              <a:t>semantics</a:t>
+            </a:r>
+            <a:r>
+              <a:rPr lang="fr-FR" dirty="0" smtClean="0"/>
+              <a:t> </a:t>
+            </a:r>
+            <a:r>
+              <a:rPr lang="fr-FR" dirty="0" err="1" smtClean="0"/>
+              <a:t>between</a:t>
+            </a:r>
+            <a:r>
+              <a:rPr lang="fr-FR" dirty="0" smtClean="0"/>
+              <a:t> all </a:t>
+            </a:r>
+            <a:r>
+              <a:rPr lang="fr-FR" dirty="0" err="1" smtClean="0"/>
+              <a:t>provers</a:t>
+            </a:r>
+            <a:r>
+              <a:rPr lang="fr-FR" dirty="0" smtClean="0"/>
+              <a:t> (SMTLIB)</a:t>
+            </a:r>
+            <a:endParaRPr lang="fr-FR" dirty="0"/>
+          </a:p>
+          <a:p>
+            <a:pPr marR="0" lvl="0" defTabSz="914400" eaLnBrk="1" fontAlgn="auto" latinLnBrk="0" hangingPunct="1">
+              <a:lnSpc>
+                <a:spcPct val="100000"/>
+              </a:lnSpc>
+              <a:spcBef>
+                <a:spcPts val="0"/>
+              </a:spcBef>
+              <a:spcAft>
+                <a:spcPts val="0"/>
+              </a:spcAft>
+              <a:buClrTx/>
+              <a:buSzTx/>
+              <a:buFont typeface="+mj-lt"/>
+              <a:buAutoNum type="arabicPeriod"/>
+              <a:tabLst/>
+              <a:defRPr/>
+            </a:pPr>
+            <a:endParaRPr lang="fr-FR" dirty="0" smtClean="0"/>
+          </a:p>
+          <a:p>
+            <a:pPr marR="0" lvl="0" defTabSz="914400" eaLnBrk="1" fontAlgn="auto" latinLnBrk="0" hangingPunct="1">
+              <a:lnSpc>
+                <a:spcPct val="100000"/>
+              </a:lnSpc>
+              <a:spcBef>
+                <a:spcPts val="0"/>
+              </a:spcBef>
+              <a:spcAft>
+                <a:spcPts val="0"/>
+              </a:spcAft>
+              <a:buClrTx/>
+              <a:buSzTx/>
+              <a:buFont typeface="+mj-lt"/>
+              <a:buAutoNum type="arabicPeriod"/>
+              <a:tabLst/>
+              <a:defRPr/>
+            </a:pPr>
+            <a:endParaRPr lang="fr-FR" dirty="0" smtClean="0"/>
+          </a:p>
+          <a:p>
+            <a:pPr marL="0" marR="0" lvl="0" indent="0" defTabSz="914400" eaLnBrk="1" fontAlgn="auto" latinLnBrk="0" hangingPunct="1">
+              <a:lnSpc>
+                <a:spcPct val="100000"/>
+              </a:lnSpc>
+              <a:spcBef>
+                <a:spcPts val="0"/>
+              </a:spcBef>
+              <a:spcAft>
+                <a:spcPts val="0"/>
+              </a:spcAft>
+              <a:buClrTx/>
+              <a:buSzTx/>
+              <a:buNone/>
+              <a:tabLst/>
+              <a:defRPr/>
+            </a:pPr>
+            <a:endParaRPr lang="fr-FR" dirty="0"/>
+          </a:p>
+          <a:p>
+            <a:pPr marL="0" marR="0" lvl="0" indent="0" defTabSz="914400" eaLnBrk="1" fontAlgn="auto" latinLnBrk="0" hangingPunct="1">
+              <a:lnSpc>
+                <a:spcPct val="100000"/>
+              </a:lnSpc>
+              <a:spcBef>
+                <a:spcPts val="0"/>
+              </a:spcBef>
+              <a:spcAft>
+                <a:spcPts val="0"/>
+              </a:spcAft>
+              <a:buClrTx/>
+              <a:buSzTx/>
+              <a:buNone/>
+              <a:tabLst/>
+              <a:defRPr/>
+            </a:pPr>
+            <a:r>
+              <a:rPr lang="fr-FR" dirty="0" smtClean="0"/>
+              <a:t>But </a:t>
+            </a:r>
+            <a:r>
+              <a:rPr lang="fr-FR" dirty="0" err="1" smtClean="0"/>
+              <a:t>some</a:t>
+            </a:r>
+            <a:r>
+              <a:rPr lang="fr-FR" dirty="0" smtClean="0"/>
+              <a:t> challenges </a:t>
+            </a:r>
+            <a:r>
+              <a:rPr lang="fr-FR" dirty="0" err="1" smtClean="0"/>
+              <a:t>too</a:t>
+            </a:r>
+            <a:r>
+              <a:rPr lang="is-IS" dirty="0" smtClean="0"/>
+              <a:t>…</a:t>
+            </a:r>
+            <a:endParaRPr lang="fr-FR" dirty="0"/>
+          </a:p>
+        </p:txBody>
+      </p:sp>
+      <p:sp>
+        <p:nvSpPr>
+          <p:cNvPr id="3" name="Titre 2"/>
+          <p:cNvSpPr>
+            <a:spLocks noGrp="1"/>
+          </p:cNvSpPr>
+          <p:nvPr>
+            <p:ph type="title"/>
+          </p:nvPr>
+        </p:nvSpPr>
+        <p:spPr/>
+        <p:txBody>
+          <a:bodyPr/>
+          <a:lstStyle/>
+          <a:p>
+            <a:r>
+              <a:rPr lang="fr-FR" dirty="0" err="1" smtClean="0"/>
+              <a:t>Automatic</a:t>
+            </a:r>
+            <a:r>
+              <a:rPr lang="fr-FR" dirty="0" smtClean="0"/>
+              <a:t> Proof </a:t>
+            </a:r>
+            <a:r>
+              <a:rPr lang="fr-FR" dirty="0" err="1" smtClean="0"/>
+              <a:t>Using</a:t>
+            </a:r>
+            <a:r>
+              <a:rPr lang="fr-FR" dirty="0" smtClean="0"/>
+              <a:t> SMT </a:t>
+            </a:r>
+            <a:r>
+              <a:rPr lang="fr-FR" dirty="0" err="1" smtClean="0"/>
+              <a:t>Pr</a:t>
+            </a:r>
+            <a:r>
+              <a:rPr lang="fr-FR" dirty="0" err="1" smtClean="0"/>
+              <a:t>overs</a:t>
+            </a:r>
+            <a:endParaRPr lang="fr-FR" dirty="0"/>
+          </a:p>
+        </p:txBody>
+      </p:sp>
+    </p:spTree>
+    <p:extLst>
+      <p:ext uri="{BB962C8B-B14F-4D97-AF65-F5344CB8AC3E}">
+        <p14:creationId xmlns:p14="http://schemas.microsoft.com/office/powerpoint/2010/main" val="758840439"/>
+      </p:ext>
+    </p:extLst>
+  </p:cSld>
+  <p:clrMapOvr>
+    <a:masterClrMapping/>
+  </p:clrMapOvr>
+</p:sld>
+</file>
+
+<file path=ppt/slides/slide6.xml><?xml version="1.0" encoding="utf-8"?>
+<p:sld xmlns:a="http://schemas.openxmlformats.org/drawingml/2006/main" xmlns:r="http://schemas.openxmlformats.org/officeDocument/2006/relationships" xmlns:p="http://schemas.openxmlformats.org/presentationml/2006/main">
+  <p:cSld>
+    <p:spTree>
+      <p:nvGrpSpPr>
+        <p:cNvPr id="1" name=""/>
+        <p:cNvGrpSpPr/>
+        <p:nvPr/>
+      </p:nvGrpSpPr>
+      <p:grpSpPr>
+        <a:xfrm>
+          <a:off x="0" y="0"/>
+          <a:ext cx="0" cy="0"/>
+          <a:chOff x="0" y="0"/>
+          <a:chExt cx="0" cy="0"/>
+        </a:xfrm>
+      </p:grpSpPr>
+      <p:sp>
+        <p:nvSpPr>
           <p:cNvPr id="2" name="Titre 1"/>
           <p:cNvSpPr>
             <a:spLocks noGrp="1"/>
@@ -10999,7 +12293,7 @@
 </p:sld>
 </file>
 
-<file path=ppt/slides/slide6.xml><?xml version="1.0" encoding="utf-8"?>
+<file path=ppt/slides/slide7.xml><?xml version="1.0" encoding="utf-8"?>
 <p:sld xmlns:a="http://schemas.openxmlformats.org/drawingml/2006/main" xmlns:r="http://schemas.openxmlformats.org/officeDocument/2006/relationships" xmlns:p="http://schemas.openxmlformats.org/presentationml/2006/main">
   <p:cSld>
     <p:spTree>
@@ -11040,7 +12334,7 @@
             </a:r>
             <a:r>
               <a:rPr lang="fr-FR" dirty="0" smtClean="0"/>
-              <a:t> simple </a:t>
+              <a:t> </a:t>
             </a:r>
             <a:r>
               <a:rPr lang="fr-FR" dirty="0" err="1" smtClean="0"/>
@@ -11155,7 +12449,31 @@
             </a:r>
             <a:r>
               <a:rPr lang="fr-FR" dirty="0" err="1" smtClean="0"/>
-              <a:t>null</a:t>
+              <a:t>procedure</a:t>
+            </a:r>
+            <a:r>
+              <a:rPr lang="fr-FR" dirty="0" smtClean="0"/>
+              <a:t> (= no visible </a:t>
+            </a:r>
+            <a:r>
+              <a:rPr lang="fr-FR" dirty="0" err="1" smtClean="0"/>
+              <a:t>effect</a:t>
+            </a:r>
+            <a:r>
+              <a:rPr lang="fr-FR" dirty="0" smtClean="0"/>
+              <a:t>, </a:t>
+            </a:r>
+            <a:r>
+              <a:rPr lang="fr-FR" dirty="0" err="1" smtClean="0"/>
+              <a:t>removed</a:t>
+            </a:r>
+            <a:r>
+              <a:rPr lang="fr-FR" dirty="0" smtClean="0"/>
+              <a:t> by compiler</a:t>
+            </a:r>
+            <a:r>
+              <a:rPr lang="fr-FR" dirty="0" smtClean="0"/>
+              <a:t>)</a:t>
             </a:r>
             <a:r>
               <a:rPr lang="fr-FR" dirty="0" smtClean="0"/>
@@ -11163,14 +12481,6 @@
             </a:r>
             <a:r>
               <a:rPr lang="fr-FR" dirty="0" err="1" smtClean="0"/>
-              <a:t>procedure</a:t>
-            </a:r>
-            <a:r>
-              <a:rPr lang="fr-FR" dirty="0" smtClean="0"/>
-              <a:t> </a:t>
-            </a:r>
-            <a:r>
-              <a:rPr lang="fr-FR" dirty="0" err="1" smtClean="0"/>
               <a:t>with</a:t>
             </a:r>
             <a:r>
@@ -11223,8 +12533,9 @@
             </a:r>
             <a:r>
               <a:rPr lang="fr-FR" dirty="0" smtClean="0"/>
-              <a:t>)</a:t>
-            </a:r>
+              <a:t>).</a:t>
+            </a:r>
+            <a:endParaRPr lang="fr-FR" dirty="0" smtClean="0"/>
           </a:p>
           <a:p>
             <a:pPr lvl="1"/>
@@ -11564,670 +12875,6 @@
 </p:sld>
 </file>
 
-<file path=ppt/slides/slide7.xml><?xml version="1.0" encoding="utf-8"?>
-<p:sld xmlns:a="http://schemas.openxmlformats.org/drawingml/2006/main" xmlns:r="http://schemas.openxmlformats.org/officeDocument/2006/relationships" xmlns:p="http://schemas.openxmlformats.org/presentationml/2006/main">
-  <p:cSld>
-    <p:spTree>
-      <p:nvGrpSpPr>
-        <p:cNvPr id="1" name=""/>
-        <p:cNvGrpSpPr/>
-        <p:nvPr/>
-      </p:nvGrpSpPr>
-      <p:grpSpPr>
-        <a:xfrm>
-          <a:off x="0" y="0"/>
-          <a:ext cx="0" cy="0"/>
-          <a:chOff x="0" y="0"/>
-          <a:chExt cx="0" cy="0"/>
-        </a:xfrm>
-      </p:grpSpPr>
-      <p:sp>
-        <p:nvSpPr>
-          <p:cNvPr id="2" name="Espace réservé du texte 1"/>
-          <p:cNvSpPr>
-            <a:spLocks noGrp="1"/>
-          </p:cNvSpPr>
-          <p:nvPr>
-            <p:ph type="body" idx="1"/>
-          </p:nvPr>
-        </p:nvSpPr>
-        <p:spPr/>
-        <p:txBody>
-          <a:bodyPr/>
-          <a:lstStyle/>
-          <a:p>
-            <a:pPr marL="0" indent="0">
-              <a:buNone/>
-            </a:pPr>
-            <a:r>
-              <a:rPr lang="fr-FR" dirty="0" smtClean="0"/>
-              <a:t>Most </a:t>
-            </a:r>
-            <a:r>
-              <a:rPr lang="fr-FR" dirty="0" err="1" smtClean="0"/>
-              <a:t>properties</a:t>
-            </a:r>
-            <a:r>
-              <a:rPr lang="fr-FR" dirty="0" smtClean="0"/>
-              <a:t> </a:t>
-            </a:r>
-            <a:r>
-              <a:rPr lang="fr-FR" dirty="0" err="1" smtClean="0"/>
-              <a:t>involving</a:t>
-            </a:r>
-            <a:r>
-              <a:rPr lang="fr-FR" dirty="0" smtClean="0"/>
-              <a:t> </a:t>
-            </a:r>
-            <a:r>
-              <a:rPr lang="fr-FR" dirty="0" err="1" smtClean="0"/>
-              <a:t>floating</a:t>
-            </a:r>
-            <a:r>
-              <a:rPr lang="fr-FR" dirty="0" smtClean="0"/>
-              <a:t>-point values are not </a:t>
-            </a:r>
-            <a:r>
-              <a:rPr lang="fr-FR" dirty="0" err="1" smtClean="0"/>
-              <a:t>proved</a:t>
-            </a:r>
-            <a:r>
-              <a:rPr lang="fr-FR" dirty="0" smtClean="0"/>
-              <a:t> by SMT </a:t>
-            </a:r>
-            <a:r>
-              <a:rPr lang="fr-FR" dirty="0" err="1" smtClean="0"/>
-              <a:t>provers</a:t>
-            </a:r>
-            <a:r>
-              <a:rPr lang="fr-FR" dirty="0" smtClean="0"/>
-              <a:t>.</a:t>
-            </a:r>
-          </a:p>
-          <a:p>
-            <a:pPr marL="0" indent="0">
-              <a:buNone/>
-            </a:pPr>
-            <a:endParaRPr lang="fr-FR" dirty="0"/>
-          </a:p>
-          <a:p>
-            <a:pPr marL="0" indent="0">
-              <a:buNone/>
-            </a:pPr>
-            <a:r>
-              <a:rPr lang="fr-FR" dirty="0" err="1" smtClean="0"/>
-              <a:t>Current</a:t>
-            </a:r>
-            <a:r>
-              <a:rPr lang="fr-FR" dirty="0" smtClean="0"/>
-              <a:t> solution in SPARK: mix abstract </a:t>
-            </a:r>
-            <a:r>
-              <a:rPr lang="fr-FR" dirty="0" err="1" smtClean="0"/>
-              <a:t>interpretation</a:t>
-            </a:r>
-            <a:r>
-              <a:rPr lang="fr-FR" dirty="0" smtClean="0"/>
-              <a:t> and proof</a:t>
-            </a:r>
-          </a:p>
-          <a:p>
-            <a:pPr lvl="1"/>
-            <a:r>
-              <a:rPr lang="fr-FR" dirty="0" smtClean="0"/>
-              <a:t>Types in SPARK </a:t>
-            </a:r>
-            <a:r>
-              <a:rPr lang="fr-FR" dirty="0" err="1" smtClean="0"/>
-              <a:t>provide</a:t>
-            </a:r>
-            <a:r>
-              <a:rPr lang="fr-FR" dirty="0" smtClean="0"/>
-              <a:t> </a:t>
-            </a:r>
-            <a:r>
-              <a:rPr lang="fr-FR" dirty="0" err="1" smtClean="0"/>
-              <a:t>bounds</a:t>
-            </a:r>
-            <a:r>
-              <a:rPr lang="fr-FR" dirty="0" smtClean="0"/>
-              <a:t> of variables and record/</a:t>
-            </a:r>
-            <a:r>
-              <a:rPr lang="fr-FR" dirty="0" err="1" smtClean="0"/>
-              <a:t>array</a:t>
-            </a:r>
-            <a:r>
-              <a:rPr lang="fr-FR" dirty="0" smtClean="0"/>
-              <a:t> components.</a:t>
-            </a:r>
-          </a:p>
-          <a:p>
-            <a:pPr lvl="1"/>
-            <a:r>
-              <a:rPr lang="fr-FR" dirty="0" smtClean="0"/>
-              <a:t>Simple </a:t>
-            </a:r>
-            <a:r>
-              <a:rPr lang="fr-FR" dirty="0" err="1" smtClean="0"/>
-              <a:t>interval</a:t>
-            </a:r>
-            <a:r>
-              <a:rPr lang="fr-FR" dirty="0" smtClean="0"/>
-              <a:t> </a:t>
-            </a:r>
-            <a:r>
-              <a:rPr lang="fr-FR" dirty="0" err="1" smtClean="0"/>
-              <a:t>analysis</a:t>
-            </a:r>
-            <a:r>
-              <a:rPr lang="fr-FR" dirty="0" smtClean="0"/>
-              <a:t> </a:t>
-            </a:r>
-            <a:r>
-              <a:rPr lang="fr-FR" dirty="0" err="1" smtClean="0"/>
-              <a:t>based</a:t>
-            </a:r>
-            <a:r>
-              <a:rPr lang="fr-FR" dirty="0" smtClean="0"/>
-              <a:t> on types </a:t>
-            </a:r>
-            <a:r>
-              <a:rPr lang="fr-FR" dirty="0" err="1" smtClean="0"/>
-              <a:t>proves</a:t>
-            </a:r>
-            <a:r>
-              <a:rPr lang="fr-FR" dirty="0" smtClean="0"/>
-              <a:t> </a:t>
-            </a:r>
-            <a:r>
-              <a:rPr lang="fr-FR" dirty="0" err="1" smtClean="0"/>
-              <a:t>most</a:t>
-            </a:r>
-            <a:r>
-              <a:rPr lang="fr-FR" dirty="0" smtClean="0"/>
-              <a:t> </a:t>
-            </a:r>
-            <a:r>
-              <a:rPr lang="fr-FR" dirty="0" err="1" smtClean="0"/>
-              <a:t>bounds</a:t>
-            </a:r>
-            <a:r>
-              <a:rPr lang="fr-FR" dirty="0" smtClean="0"/>
-              <a:t> are </a:t>
-            </a:r>
-            <a:r>
-              <a:rPr lang="fr-FR" dirty="0" err="1" smtClean="0"/>
-              <a:t>preserved</a:t>
-            </a:r>
-            <a:r>
-              <a:rPr lang="fr-FR" dirty="0" smtClean="0"/>
-              <a:t>.</a:t>
-            </a:r>
-          </a:p>
-          <a:p>
-            <a:pPr lvl="1"/>
-            <a:r>
-              <a:rPr lang="fr-FR" dirty="0" smtClean="0"/>
-              <a:t>Abstract </a:t>
-            </a:r>
-            <a:r>
-              <a:rPr lang="fr-FR" dirty="0" err="1" smtClean="0"/>
-              <a:t>interpretation</a:t>
-            </a:r>
-            <a:r>
-              <a:rPr lang="fr-FR" dirty="0" smtClean="0"/>
-              <a:t> </a:t>
-            </a:r>
-            <a:r>
-              <a:rPr lang="fr-FR" dirty="0" err="1" smtClean="0"/>
-              <a:t>handles</a:t>
-            </a:r>
-            <a:r>
-              <a:rPr lang="fr-FR" dirty="0" smtClean="0"/>
-              <a:t> more </a:t>
-            </a:r>
-            <a:r>
-              <a:rPr lang="fr-FR" dirty="0" err="1" smtClean="0"/>
-              <a:t>complex</a:t>
-            </a:r>
-            <a:r>
-              <a:rPr lang="fr-FR" dirty="0" smtClean="0"/>
-              <a:t> cases of relations to </a:t>
-            </a:r>
-            <a:r>
-              <a:rPr lang="fr-FR" dirty="0" err="1" smtClean="0"/>
-              <a:t>prove</a:t>
-            </a:r>
-            <a:r>
-              <a:rPr lang="fr-FR" dirty="0" smtClean="0"/>
-              <a:t> </a:t>
-            </a:r>
-            <a:r>
-              <a:rPr lang="fr-FR" dirty="0" err="1" smtClean="0"/>
-              <a:t>safe</a:t>
-            </a:r>
-            <a:r>
-              <a:rPr lang="fr-FR" dirty="0" smtClean="0"/>
-              <a:t> </a:t>
-            </a:r>
-            <a:r>
-              <a:rPr lang="fr-FR" dirty="0" err="1" smtClean="0"/>
-              <a:t>bounds</a:t>
-            </a:r>
-            <a:r>
-              <a:rPr lang="fr-FR" dirty="0" smtClean="0"/>
-              <a:t>.</a:t>
-            </a:r>
-          </a:p>
-          <a:p>
-            <a:pPr lvl="1"/>
-            <a:r>
-              <a:rPr lang="fr-FR" dirty="0" err="1" smtClean="0"/>
-              <a:t>Axiomatization</a:t>
-            </a:r>
-            <a:r>
-              <a:rPr lang="fr-FR" dirty="0" smtClean="0"/>
-              <a:t> </a:t>
-            </a:r>
-            <a:r>
-              <a:rPr lang="fr-FR" dirty="0" err="1" smtClean="0"/>
-              <a:t>is</a:t>
-            </a:r>
-            <a:r>
-              <a:rPr lang="fr-FR" dirty="0" smtClean="0"/>
-              <a:t> </a:t>
-            </a:r>
-            <a:r>
-              <a:rPr lang="fr-FR" dirty="0" err="1" smtClean="0"/>
-              <a:t>used</a:t>
-            </a:r>
-            <a:r>
-              <a:rPr lang="fr-FR" dirty="0" smtClean="0"/>
-              <a:t> </a:t>
-            </a:r>
-            <a:r>
-              <a:rPr lang="fr-FR" smtClean="0"/>
-              <a:t>to encode </a:t>
-            </a:r>
-            <a:r>
-              <a:rPr lang="fr-FR" dirty="0" err="1" smtClean="0"/>
-              <a:t>floats</a:t>
-            </a:r>
-            <a:r>
-              <a:rPr lang="fr-FR" dirty="0" smtClean="0"/>
-              <a:t> for SMT </a:t>
-            </a:r>
-            <a:r>
-              <a:rPr lang="fr-FR" dirty="0" err="1" smtClean="0"/>
-              <a:t>provers</a:t>
-            </a:r>
-            <a:r>
-              <a:rPr lang="fr-FR" dirty="0" smtClean="0"/>
-              <a:t>.</a:t>
-            </a:r>
-          </a:p>
-          <a:p>
-            <a:pPr lvl="1"/>
-            <a:endParaRPr lang="fr-FR" dirty="0"/>
-          </a:p>
-          <a:p>
-            <a:pPr marL="0" indent="0">
-              <a:buNone/>
-            </a:pPr>
-            <a:r>
-              <a:rPr lang="fr-FR" dirty="0" err="1" smtClean="0"/>
-              <a:t>Many</a:t>
-            </a:r>
-            <a:r>
-              <a:rPr lang="fr-FR" dirty="0" smtClean="0"/>
-              <a:t> </a:t>
-            </a:r>
-            <a:r>
-              <a:rPr lang="fr-FR" dirty="0" err="1" smtClean="0"/>
-              <a:t>axioms</a:t>
-            </a:r>
-            <a:r>
-              <a:rPr lang="fr-FR" dirty="0" smtClean="0"/>
-              <a:t> are </a:t>
-            </a:r>
-            <a:r>
-              <a:rPr lang="fr-FR" dirty="0" err="1" smtClean="0"/>
-              <a:t>needed</a:t>
-            </a:r>
-            <a:r>
-              <a:rPr lang="fr-FR" dirty="0" smtClean="0"/>
-              <a:t>:</a:t>
-            </a:r>
-          </a:p>
-          <a:p>
-            <a:pPr lvl="1"/>
-            <a:r>
-              <a:rPr lang="fr-FR" dirty="0" err="1" smtClean="0"/>
-              <a:t>Difference</a:t>
-            </a:r>
-            <a:r>
-              <a:rPr lang="fr-FR" dirty="0" smtClean="0"/>
-              <a:t> </a:t>
-            </a:r>
-            <a:r>
-              <a:rPr lang="fr-FR" dirty="0" err="1" smtClean="0"/>
-              <a:t>between</a:t>
-            </a:r>
-            <a:r>
-              <a:rPr lang="fr-FR" dirty="0" smtClean="0"/>
-              <a:t> real value X and </a:t>
-            </a:r>
-            <a:r>
-              <a:rPr lang="fr-FR" dirty="0" err="1" smtClean="0"/>
-              <a:t>rounding</a:t>
-            </a:r>
-            <a:r>
-              <a:rPr lang="fr-FR" dirty="0" smtClean="0"/>
-              <a:t> of value </a:t>
-            </a:r>
-            <a:r>
-              <a:rPr lang="fr-FR" dirty="0" err="1" smtClean="0"/>
-              <a:t>bounded</a:t>
-            </a:r>
-            <a:r>
-              <a:rPr lang="fr-FR" dirty="0" smtClean="0"/>
-              <a:t> by ε1 . X + ε2</a:t>
-            </a:r>
-          </a:p>
-          <a:p>
-            <a:pPr lvl="1"/>
-            <a:r>
-              <a:rPr lang="fr-FR" dirty="0" err="1" smtClean="0"/>
-              <a:t>Every</a:t>
-            </a:r>
-            <a:r>
-              <a:rPr lang="fr-FR" dirty="0" smtClean="0"/>
-              <a:t> single </a:t>
-            </a:r>
-            <a:r>
-              <a:rPr lang="fr-FR" dirty="0" err="1" smtClean="0"/>
-              <a:t>precision</a:t>
-            </a:r>
-            <a:r>
-              <a:rPr lang="fr-FR" dirty="0" smtClean="0"/>
-              <a:t> </a:t>
-            </a:r>
-            <a:r>
-              <a:rPr lang="fr-FR" dirty="0" err="1" smtClean="0"/>
-              <a:t>float</a:t>
-            </a:r>
-            <a:r>
-              <a:rPr lang="fr-FR" dirty="0" smtClean="0"/>
-              <a:t> </a:t>
-            </a:r>
-            <a:r>
-              <a:rPr lang="fr-FR" dirty="0" err="1" smtClean="0"/>
-              <a:t>is</a:t>
-            </a:r>
-            <a:r>
-              <a:rPr lang="fr-FR" dirty="0" smtClean="0"/>
-              <a:t> a double </a:t>
-            </a:r>
-            <a:r>
-              <a:rPr lang="fr-FR" dirty="0" err="1" smtClean="0"/>
-              <a:t>precision</a:t>
-            </a:r>
-            <a:r>
-              <a:rPr lang="fr-FR" dirty="0" smtClean="0"/>
-              <a:t> </a:t>
-            </a:r>
-            <a:r>
-              <a:rPr lang="fr-FR" dirty="0" err="1" smtClean="0"/>
-              <a:t>float</a:t>
-            </a:r>
-            <a:endParaRPr lang="fr-FR" dirty="0" smtClean="0"/>
-          </a:p>
-          <a:p>
-            <a:pPr lvl="1"/>
-            <a:r>
-              <a:rPr lang="fr-FR" dirty="0" smtClean="0"/>
-              <a:t>Relation </a:t>
-            </a:r>
-            <a:r>
-              <a:rPr lang="fr-FR" dirty="0" err="1" smtClean="0"/>
-              <a:t>between</a:t>
-            </a:r>
-            <a:r>
-              <a:rPr lang="fr-FR" dirty="0" smtClean="0"/>
-              <a:t> </a:t>
-            </a:r>
-            <a:r>
-              <a:rPr lang="fr-FR" dirty="0" err="1" smtClean="0"/>
-              <a:t>rounding</a:t>
-            </a:r>
-            <a:r>
-              <a:rPr lang="fr-FR" dirty="0" smtClean="0"/>
-              <a:t> and </a:t>
-            </a:r>
-            <a:r>
-              <a:rPr lang="fr-FR" dirty="0" err="1" smtClean="0"/>
-              <a:t>floor</a:t>
-            </a:r>
-            <a:r>
-              <a:rPr lang="fr-FR" dirty="0" smtClean="0"/>
-              <a:t> / </a:t>
-            </a:r>
-            <a:r>
-              <a:rPr lang="fr-FR" dirty="0" err="1" smtClean="0"/>
-              <a:t>ceiling</a:t>
-            </a:r>
-            <a:r>
-              <a:rPr lang="fr-FR" dirty="0" smtClean="0"/>
-              <a:t> </a:t>
-            </a:r>
-            <a:r>
-              <a:rPr lang="fr-FR" dirty="0" err="1" smtClean="0"/>
-              <a:t>operations</a:t>
-            </a:r>
-            <a:endParaRPr lang="fr-FR" dirty="0" smtClean="0"/>
-          </a:p>
-          <a:p>
-            <a:pPr lvl="1"/>
-            <a:r>
-              <a:rPr lang="fr-FR" dirty="0" err="1" smtClean="0"/>
-              <a:t>Monotonicity</a:t>
-            </a:r>
-            <a:r>
-              <a:rPr lang="fr-FR" dirty="0" smtClean="0"/>
-              <a:t> of </a:t>
-            </a:r>
-            <a:r>
-              <a:rPr lang="fr-FR" dirty="0" err="1" smtClean="0"/>
-              <a:t>rounding</a:t>
-            </a:r>
-            <a:endParaRPr lang="fr-FR" dirty="0" smtClean="0"/>
-          </a:p>
-          <a:p>
-            <a:pPr lvl="1"/>
-            <a:r>
-              <a:rPr lang="fr-FR" dirty="0" err="1" smtClean="0"/>
-              <a:t>Monotonicity</a:t>
-            </a:r>
-            <a:r>
-              <a:rPr lang="fr-FR" dirty="0" smtClean="0"/>
-              <a:t> </a:t>
-            </a:r>
-            <a:r>
-              <a:rPr lang="fr-FR" dirty="0" err="1" smtClean="0"/>
-              <a:t>wrt</a:t>
-            </a:r>
-            <a:r>
-              <a:rPr lang="fr-FR" dirty="0" smtClean="0"/>
-              <a:t>. </a:t>
-            </a:r>
-            <a:r>
-              <a:rPr lang="fr-FR" dirty="0" err="1"/>
-              <a:t>i</a:t>
-            </a:r>
-            <a:r>
-              <a:rPr lang="fr-FR" dirty="0" err="1" smtClean="0"/>
-              <a:t>nteger</a:t>
-            </a:r>
-            <a:r>
-              <a:rPr lang="fr-FR" dirty="0" smtClean="0"/>
-              <a:t> </a:t>
-            </a:r>
-            <a:r>
-              <a:rPr lang="fr-FR" dirty="0" err="1" smtClean="0"/>
-              <a:t>boundaries</a:t>
-            </a:r>
-            <a:endParaRPr lang="fr-FR" dirty="0" smtClean="0"/>
-          </a:p>
-          <a:p>
-            <a:pPr lvl="1"/>
-            <a:r>
-              <a:rPr lang="fr-FR" dirty="0" err="1" smtClean="0"/>
-              <a:t>Special</a:t>
-            </a:r>
-            <a:r>
-              <a:rPr lang="fr-FR" dirty="0" smtClean="0"/>
-              <a:t> first/last values of types are exact</a:t>
-            </a:r>
-            <a:endParaRPr lang="fr-FR" dirty="0"/>
-          </a:p>
-          <a:p>
-            <a:pPr marL="0" indent="0">
-              <a:buNone/>
-            </a:pPr>
-            <a:endParaRPr lang="fr-FR" dirty="0" smtClean="0"/>
-          </a:p>
-          <a:p>
-            <a:pPr marL="0" indent="0">
-              <a:buNone/>
-            </a:pPr>
-            <a:r>
-              <a:rPr lang="fr-FR" dirty="0" err="1" smtClean="0"/>
-              <a:t>Current</a:t>
-            </a:r>
-            <a:r>
-              <a:rPr lang="fr-FR" dirty="0" smtClean="0"/>
-              <a:t> </a:t>
-            </a:r>
-            <a:r>
-              <a:rPr lang="fr-FR" dirty="0" err="1" smtClean="0"/>
-              <a:t>attempt</a:t>
-            </a:r>
-            <a:r>
-              <a:rPr lang="fr-FR" dirty="0" smtClean="0"/>
-              <a:t> to use the support for </a:t>
-            </a:r>
-            <a:r>
-              <a:rPr lang="fr-FR" dirty="0" err="1" smtClean="0"/>
-              <a:t>floats</a:t>
-            </a:r>
-            <a:r>
-              <a:rPr lang="fr-FR" dirty="0" smtClean="0"/>
-              <a:t> in Z3 </a:t>
-            </a:r>
-            <a:r>
-              <a:rPr lang="fr-FR" dirty="0" smtClean="0">
-                <a:sym typeface="Wingdings"/>
-              </a:rPr>
-              <a:t> </a:t>
-            </a:r>
-            <a:r>
-              <a:rPr lang="fr-FR" dirty="0" err="1" smtClean="0">
-                <a:sym typeface="Wingdings"/>
-              </a:rPr>
-              <a:t>less</a:t>
-            </a:r>
-            <a:r>
-              <a:rPr lang="fr-FR" dirty="0" smtClean="0">
-                <a:sym typeface="Wingdings"/>
-              </a:rPr>
-              <a:t> </a:t>
-            </a:r>
-            <a:r>
-              <a:rPr lang="fr-FR" dirty="0" err="1" smtClean="0">
-                <a:sym typeface="Wingdings"/>
-              </a:rPr>
-              <a:t>precise</a:t>
-            </a:r>
-            <a:endParaRPr lang="fr-FR" dirty="0" smtClean="0"/>
-          </a:p>
-        </p:txBody>
-      </p:sp>
-      <p:sp>
-        <p:nvSpPr>
-          <p:cNvPr id="3" name="Titre 2"/>
-          <p:cNvSpPr>
-            <a:spLocks noGrp="1"/>
-          </p:cNvSpPr>
-          <p:nvPr>
-            <p:ph type="title"/>
-          </p:nvPr>
-        </p:nvSpPr>
-        <p:spPr/>
-        <p:txBody>
-          <a:bodyPr/>
-          <a:lstStyle/>
-          <a:p>
-            <a:r>
-              <a:rPr lang="fr-FR" dirty="0" err="1" smtClean="0"/>
-              <a:t>Floating</a:t>
-            </a:r>
-            <a:r>
-              <a:rPr lang="fr-FR" dirty="0" smtClean="0"/>
-              <a:t>-point </a:t>
-            </a:r>
-            <a:r>
-              <a:rPr lang="fr-FR" dirty="0" err="1" smtClean="0"/>
-              <a:t>Arithmetic</a:t>
-            </a:r>
-            <a:endParaRPr lang="fr-FR" dirty="0"/>
-          </a:p>
-        </p:txBody>
-      </p:sp>
-      <p:sp>
-        <p:nvSpPr>
-          <p:cNvPr id="4" name="ZoneTexte 3"/>
-          <p:cNvSpPr txBox="1"/>
-          <p:nvPr/>
-        </p:nvSpPr>
-        <p:spPr>
-          <a:xfrm>
-            <a:off x="3637969" y="342900"/>
-            <a:ext cx="184731" cy="307777"/>
-          </a:xfrm>
-          <a:prstGeom prst="rect">
-            <a:avLst/>
-          </a:prstGeom>
-          <a:noFill/>
-        </p:spPr>
-        <p:txBody>
-          <a:bodyPr wrap="none" rtlCol="0">
-            <a:spAutoFit/>
-          </a:bodyPr>
-          <a:lstStyle/>
-          <a:p>
-            <a:pPr algn="r"/>
-            <a:endParaRPr lang="fr-FR" sz="1400" b="1" i="0" kern="1200" dirty="0" smtClean="0">
-              <a:solidFill>
-                <a:schemeClr val="accent1"/>
-              </a:solidFill>
-            </a:endParaRPr>
-          </a:p>
-        </p:txBody>
-      </p:sp>
-    </p:spTree>
-    <p:extLst>
-      <p:ext uri="{BB962C8B-B14F-4D97-AF65-F5344CB8AC3E}">
-        <p14:creationId xmlns:p14="http://schemas.microsoft.com/office/powerpoint/2010/main" val="473982208"/>
-      </p:ext>
-    </p:extLst>
-  </p:cSld>
-  <p:clrMapOvr>
-    <a:masterClrMapping/>
-  </p:clrMapOvr>
-</p:sld>
-</file>
-
 <file path=ppt/slides/slide8.xml><?xml version="1.0" encoding="utf-8"?>
 <p:sld xmlns:a="http://schemas.openxmlformats.org/drawingml/2006/main" xmlns:r="http://schemas.openxmlformats.org/officeDocument/2006/relationships" xmlns:p="http://schemas.openxmlformats.org/presentationml/2006/main">
   <p:cSld>
@@ -12264,12 +12911,12 @@
               <a:buNone/>
             </a:pPr>
             <a:r>
-              <a:rPr lang="fr-FR" dirty="0" err="1"/>
-              <a:t>P</a:t>
-            </a:r>
-            <a:r>
-              <a:rPr lang="fr-FR" dirty="0" err="1" smtClean="0"/>
-              <a:t>roperties</a:t>
+              <a:rPr lang="fr-FR" dirty="0" smtClean="0"/>
+              <a:t>Most </a:t>
+            </a:r>
+            <a:r>
+              <a:rPr lang="fr-FR" dirty="0" err="1" smtClean="0"/>
+              <a:t>properties</a:t>
             </a:r>
             <a:r>
               <a:rPr lang="fr-FR" dirty="0" smtClean="0"/>
@@ -12281,7 +12928,294 @@
             </a:r>
             <a:r>
               <a:rPr lang="fr-FR" dirty="0" smtClean="0"/>
-              <a:t> conversions </a:t>
+              <a:t> </a:t>
+            </a:r>
+            <a:r>
+              <a:rPr lang="fr-FR" dirty="0" err="1" smtClean="0"/>
+              <a:t>floating</a:t>
+            </a:r>
+            <a:r>
+              <a:rPr lang="fr-FR" dirty="0" smtClean="0"/>
+              <a:t>-point values are not </a:t>
+            </a:r>
+            <a:r>
+              <a:rPr lang="fr-FR" dirty="0" err="1" smtClean="0"/>
+              <a:t>proved</a:t>
+            </a:r>
+            <a:r>
+              <a:rPr lang="fr-FR" dirty="0" smtClean="0"/>
+              <a:t> by SMT </a:t>
+            </a:r>
+            <a:r>
+              <a:rPr lang="fr-FR" dirty="0" err="1" smtClean="0"/>
+              <a:t>provers</a:t>
+            </a:r>
+            <a:r>
+              <a:rPr lang="fr-FR" dirty="0" smtClean="0"/>
+              <a:t>.</a:t>
+            </a:r>
+          </a:p>
+          <a:p>
+            <a:pPr marL="0" indent="0">
+              <a:buNone/>
+            </a:pPr>
+            <a:endParaRPr lang="fr-FR" dirty="0"/>
+          </a:p>
+          <a:p>
+            <a:pPr marL="0" indent="0">
+              <a:buNone/>
+            </a:pPr>
+            <a:r>
+              <a:rPr lang="fr-FR" dirty="0" err="1" smtClean="0"/>
+              <a:t>Current</a:t>
+            </a:r>
+            <a:r>
+              <a:rPr lang="fr-FR" dirty="0" smtClean="0"/>
+              <a:t> solution in SPARK: mix abstract </a:t>
+            </a:r>
+            <a:r>
+              <a:rPr lang="fr-FR" dirty="0" err="1" smtClean="0"/>
+              <a:t>interpretation</a:t>
+            </a:r>
+            <a:r>
+              <a:rPr lang="fr-FR" dirty="0" smtClean="0"/>
+              <a:t> and proof</a:t>
+            </a:r>
+          </a:p>
+          <a:p>
+            <a:pPr lvl="1"/>
+            <a:r>
+              <a:rPr lang="fr-FR" dirty="0" smtClean="0"/>
+              <a:t>Types in SPARK </a:t>
+            </a:r>
+            <a:r>
+              <a:rPr lang="fr-FR" dirty="0" err="1" smtClean="0"/>
+              <a:t>provide</a:t>
+            </a:r>
+            <a:r>
+              <a:rPr lang="fr-FR" dirty="0" smtClean="0"/>
+              <a:t> </a:t>
+            </a:r>
+            <a:r>
+              <a:rPr lang="fr-FR" dirty="0" err="1" smtClean="0"/>
+              <a:t>bounds</a:t>
+            </a:r>
+            <a:r>
+              <a:rPr lang="fr-FR" dirty="0" smtClean="0"/>
+              <a:t> of variables and record/</a:t>
+            </a:r>
+            <a:r>
+              <a:rPr lang="fr-FR" dirty="0" err="1" smtClean="0"/>
+              <a:t>array</a:t>
+            </a:r>
+            <a:r>
+              <a:rPr lang="fr-FR" dirty="0" smtClean="0"/>
+              <a:t> components.</a:t>
+            </a:r>
+          </a:p>
+          <a:p>
+            <a:pPr lvl="1"/>
+            <a:r>
+              <a:rPr lang="fr-FR" dirty="0" smtClean="0"/>
+              <a:t>Simple </a:t>
+            </a:r>
+            <a:r>
+              <a:rPr lang="fr-FR" dirty="0" err="1" smtClean="0"/>
+              <a:t>interval</a:t>
+            </a:r>
+            <a:r>
+              <a:rPr lang="fr-FR" dirty="0" smtClean="0"/>
+              <a:t> </a:t>
+            </a:r>
+            <a:r>
+              <a:rPr lang="fr-FR" dirty="0" err="1" smtClean="0"/>
+              <a:t>analysis</a:t>
+            </a:r>
+            <a:r>
+              <a:rPr lang="fr-FR" dirty="0" smtClean="0"/>
+              <a:t> </a:t>
+            </a:r>
+            <a:r>
+              <a:rPr lang="fr-FR" dirty="0" err="1" smtClean="0"/>
+              <a:t>based</a:t>
+            </a:r>
+            <a:r>
+              <a:rPr lang="fr-FR" dirty="0" smtClean="0"/>
+              <a:t> on types </a:t>
+            </a:r>
+            <a:r>
+              <a:rPr lang="fr-FR" dirty="0" err="1" smtClean="0"/>
+              <a:t>proves</a:t>
+            </a:r>
+            <a:r>
+              <a:rPr lang="fr-FR" dirty="0" smtClean="0"/>
+              <a:t> </a:t>
+            </a:r>
+            <a:r>
+              <a:rPr lang="fr-FR" dirty="0" err="1" smtClean="0"/>
+              <a:t>most</a:t>
+            </a:r>
+            <a:r>
+              <a:rPr lang="fr-FR" dirty="0" smtClean="0"/>
+              <a:t> </a:t>
+            </a:r>
+            <a:r>
+              <a:rPr lang="fr-FR" dirty="0" err="1" smtClean="0"/>
+              <a:t>bounds</a:t>
+            </a:r>
+            <a:r>
+              <a:rPr lang="fr-FR" dirty="0" smtClean="0"/>
+              <a:t> are </a:t>
+            </a:r>
+            <a:r>
+              <a:rPr lang="fr-FR" dirty="0" err="1" smtClean="0"/>
+              <a:t>preserved</a:t>
+            </a:r>
+            <a:r>
+              <a:rPr lang="fr-FR" dirty="0" smtClean="0"/>
+              <a:t>.</a:t>
+            </a:r>
+          </a:p>
+          <a:p>
+            <a:pPr lvl="1"/>
+            <a:r>
+              <a:rPr lang="fr-FR" dirty="0" smtClean="0"/>
+              <a:t>Abstract </a:t>
+            </a:r>
+            <a:r>
+              <a:rPr lang="fr-FR" dirty="0" err="1" smtClean="0"/>
+              <a:t>interpretation</a:t>
+            </a:r>
+            <a:r>
+              <a:rPr lang="fr-FR" dirty="0" smtClean="0"/>
+              <a:t> </a:t>
+            </a:r>
+            <a:r>
+              <a:rPr lang="fr-FR" dirty="0" err="1" smtClean="0"/>
+              <a:t>handles</a:t>
+            </a:r>
+            <a:r>
+              <a:rPr lang="fr-FR" dirty="0" smtClean="0"/>
+              <a:t> more </a:t>
+            </a:r>
+            <a:r>
+              <a:rPr lang="fr-FR" dirty="0" err="1" smtClean="0"/>
+              <a:t>complex</a:t>
+            </a:r>
+            <a:r>
+              <a:rPr lang="fr-FR" dirty="0" smtClean="0"/>
+              <a:t> cases of relations to </a:t>
+            </a:r>
+            <a:r>
+              <a:rPr lang="fr-FR" dirty="0" err="1" smtClean="0"/>
+              <a:t>prove</a:t>
+            </a:r>
+            <a:r>
+              <a:rPr lang="fr-FR" dirty="0" smtClean="0"/>
+              <a:t> </a:t>
+            </a:r>
+            <a:r>
+              <a:rPr lang="fr-FR" dirty="0" err="1" smtClean="0"/>
+              <a:t>safe</a:t>
+            </a:r>
+            <a:r>
+              <a:rPr lang="fr-FR" dirty="0" smtClean="0"/>
+              <a:t> </a:t>
+            </a:r>
+            <a:r>
+              <a:rPr lang="fr-FR" dirty="0" err="1" smtClean="0"/>
+              <a:t>bounds</a:t>
+            </a:r>
+            <a:r>
+              <a:rPr lang="fr-FR" dirty="0" smtClean="0"/>
+              <a:t>.</a:t>
+            </a:r>
+          </a:p>
+          <a:p>
+            <a:pPr lvl="1"/>
+            <a:r>
+              <a:rPr lang="fr-FR" dirty="0" err="1" smtClean="0"/>
+              <a:t>Axiomatization</a:t>
+            </a:r>
+            <a:r>
+              <a:rPr lang="fr-FR" dirty="0" smtClean="0"/>
+              <a:t> </a:t>
+            </a:r>
+            <a:r>
+              <a:rPr lang="fr-FR" dirty="0" err="1" smtClean="0"/>
+              <a:t>is</a:t>
+            </a:r>
+            <a:r>
+              <a:rPr lang="fr-FR" dirty="0" smtClean="0"/>
+              <a:t> </a:t>
+            </a:r>
+            <a:r>
+              <a:rPr lang="fr-FR" dirty="0" err="1" smtClean="0"/>
+              <a:t>used</a:t>
+            </a:r>
+            <a:r>
+              <a:rPr lang="fr-FR" dirty="0" smtClean="0"/>
+              <a:t> to encode </a:t>
+            </a:r>
+            <a:r>
+              <a:rPr lang="fr-FR" dirty="0" err="1" smtClean="0"/>
+              <a:t>floats</a:t>
+            </a:r>
+            <a:r>
+              <a:rPr lang="fr-FR" dirty="0" smtClean="0"/>
+              <a:t> for SMT </a:t>
+            </a:r>
+            <a:r>
+              <a:rPr lang="fr-FR" dirty="0" err="1" smtClean="0"/>
+              <a:t>provers</a:t>
+            </a:r>
+            <a:r>
+              <a:rPr lang="fr-FR" dirty="0" smtClean="0"/>
+              <a:t>.</a:t>
+            </a:r>
+          </a:p>
+          <a:p>
+            <a:pPr lvl="1"/>
+            <a:endParaRPr lang="fr-FR" dirty="0"/>
+          </a:p>
+          <a:p>
+            <a:pPr marL="0" indent="0">
+              <a:buNone/>
+            </a:pPr>
+            <a:r>
+              <a:rPr lang="fr-FR" dirty="0" err="1" smtClean="0"/>
+              <a:t>Many</a:t>
+            </a:r>
+            <a:r>
+              <a:rPr lang="fr-FR" dirty="0" smtClean="0"/>
+              <a:t> </a:t>
+            </a:r>
+            <a:r>
+              <a:rPr lang="fr-FR" dirty="0" err="1" smtClean="0"/>
+              <a:t>axioms</a:t>
+            </a:r>
+            <a:r>
+              <a:rPr lang="fr-FR" dirty="0" smtClean="0"/>
+              <a:t> are </a:t>
+            </a:r>
+            <a:r>
+              <a:rPr lang="fr-FR" dirty="0" err="1" smtClean="0"/>
+              <a:t>needed</a:t>
+            </a:r>
+            <a:r>
+              <a:rPr lang="fr-FR" dirty="0" smtClean="0"/>
+              <a:t>:</a:t>
+            </a:r>
+          </a:p>
+          <a:p>
+            <a:pPr lvl="1"/>
+            <a:r>
+              <a:rPr lang="fr-FR" dirty="0" err="1" smtClean="0"/>
+              <a:t>Difference</a:t>
+            </a:r>
+            <a:r>
+              <a:rPr lang="fr-FR" dirty="0" smtClean="0"/>
+              <a:t> </a:t>
             </a:r>
             <a:r>
               <a:rPr lang="fr-FR" dirty="0" err="1" smtClean="0"/>
@@ -12289,86 +13223,246 @@
             </a:r>
             <a:r>
               <a:rPr lang="fr-FR" dirty="0" smtClean="0"/>
-              <a:t> types are not </a:t>
-            </a:r>
-            <a:r>
-              <a:rPr lang="fr-FR" dirty="0" err="1" smtClean="0"/>
-              <a:t>proved</a:t>
-            </a:r>
-            <a:r>
-              <a:rPr lang="fr-FR" dirty="0" smtClean="0"/>
-              <a:t> by SMT </a:t>
-            </a:r>
-            <a:r>
-              <a:rPr lang="fr-FR" dirty="0" err="1" smtClean="0"/>
-              <a:t>provers</a:t>
-            </a:r>
-            <a:r>
-              <a:rPr lang="fr-FR" dirty="0" smtClean="0"/>
-              <a:t>:</a:t>
+              <a:t> real value X and </a:t>
+            </a:r>
+            <a:r>
+              <a:rPr lang="fr-FR" dirty="0" err="1" smtClean="0"/>
+              <a:t>rounding</a:t>
+            </a:r>
+            <a:r>
+              <a:rPr lang="fr-FR" dirty="0" smtClean="0"/>
+              <a:t> of value </a:t>
+            </a:r>
+            <a:r>
+              <a:rPr lang="fr-FR" dirty="0" err="1" smtClean="0"/>
+              <a:t>bounded</a:t>
+            </a:r>
+            <a:r>
+              <a:rPr lang="fr-FR" dirty="0" smtClean="0"/>
+              <a:t> by ε1 . X + ε2</a:t>
             </a:r>
           </a:p>
           <a:p>
             <a:pPr lvl="1"/>
+            <a:r>
+              <a:rPr lang="fr-FR" dirty="0" err="1" smtClean="0"/>
+              <a:t>Every</a:t>
+            </a:r>
+            <a:r>
+              <a:rPr lang="fr-FR" dirty="0" smtClean="0"/>
+              <a:t> single </a:t>
+            </a:r>
+            <a:r>
+              <a:rPr lang="fr-FR" dirty="0" err="1" smtClean="0"/>
+              <a:t>precision</a:t>
+            </a:r>
+            <a:r>
+              <a:rPr lang="fr-FR" dirty="0" smtClean="0"/>
+              <a:t> </a:t>
+            </a:r>
+            <a:r>
+              <a:rPr lang="fr-FR" dirty="0" err="1" smtClean="0"/>
+              <a:t>float</a:t>
+            </a:r>
+            <a:r>
+              <a:rPr lang="fr-FR" dirty="0" smtClean="0"/>
+              <a:t> </a:t>
+            </a:r>
+            <a:r>
+              <a:rPr lang="fr-FR" dirty="0" err="1" smtClean="0"/>
+              <a:t>is</a:t>
+            </a:r>
+            <a:r>
+              <a:rPr lang="fr-FR" dirty="0" smtClean="0"/>
+              <a:t> a double </a:t>
+            </a:r>
+            <a:r>
+              <a:rPr lang="fr-FR" dirty="0" err="1" smtClean="0"/>
+              <a:t>precision</a:t>
+            </a:r>
+            <a:r>
+              <a:rPr lang="fr-FR" dirty="0" smtClean="0"/>
+              <a:t> </a:t>
+            </a:r>
+            <a:r>
+              <a:rPr lang="fr-FR" dirty="0" err="1" smtClean="0"/>
+              <a:t>float</a:t>
+            </a:r>
+            <a:r>
+              <a:rPr lang="fr-FR" dirty="0" smtClean="0"/>
+              <a:t>.</a:t>
+            </a:r>
+            <a:endParaRPr lang="fr-FR" dirty="0" smtClean="0"/>
+          </a:p>
+          <a:p>
+            <a:pPr lvl="1"/>
+            <a:r>
+              <a:rPr lang="fr-FR" dirty="0" smtClean="0"/>
+              <a:t>Relation </a:t>
+            </a:r>
+            <a:r>
+              <a:rPr lang="fr-FR" dirty="0" err="1" smtClean="0"/>
+              <a:t>between</a:t>
+            </a:r>
+            <a:r>
+              <a:rPr lang="fr-FR" dirty="0" smtClean="0"/>
+              <a:t> </a:t>
+            </a:r>
+            <a:r>
+              <a:rPr lang="fr-FR" dirty="0" err="1" smtClean="0"/>
+              <a:t>rounding</a:t>
+            </a:r>
+            <a:r>
+              <a:rPr lang="fr-FR" dirty="0" smtClean="0"/>
+              <a:t> and </a:t>
+            </a:r>
+            <a:r>
+              <a:rPr lang="fr-FR" dirty="0" err="1" smtClean="0"/>
+              <a:t>floor</a:t>
+            </a:r>
+            <a:r>
+              <a:rPr lang="fr-FR" dirty="0" smtClean="0"/>
+              <a:t> / </a:t>
+            </a:r>
+            <a:r>
+              <a:rPr lang="fr-FR" dirty="0" err="1" smtClean="0"/>
+              <a:t>ceiling</a:t>
+            </a:r>
+            <a:r>
+              <a:rPr lang="fr-FR" dirty="0" smtClean="0"/>
+              <a:t> </a:t>
+            </a:r>
+            <a:r>
+              <a:rPr lang="fr-FR" dirty="0" err="1" smtClean="0"/>
+              <a:t>operations</a:t>
+            </a:r>
+            <a:r>
+              <a:rPr lang="fr-FR" dirty="0" smtClean="0"/>
+              <a:t>.</a:t>
+            </a:r>
+            <a:endParaRPr lang="fr-FR" dirty="0" smtClean="0"/>
+          </a:p>
+          <a:p>
+            <a:pPr lvl="1"/>
+            <a:r>
+              <a:rPr lang="fr-FR" dirty="0" err="1" smtClean="0"/>
+              <a:t>Monotonicity</a:t>
+            </a:r>
+            <a:r>
+              <a:rPr lang="fr-FR" dirty="0" smtClean="0"/>
+              <a:t> of </a:t>
+            </a:r>
+            <a:r>
+              <a:rPr lang="fr-FR" dirty="0" err="1" smtClean="0"/>
+              <a:t>rounding</a:t>
+            </a:r>
+            <a:r>
+              <a:rPr lang="fr-FR" dirty="0" smtClean="0"/>
+              <a:t>.</a:t>
+            </a:r>
+            <a:endParaRPr lang="fr-FR" dirty="0" smtClean="0"/>
+          </a:p>
+          <a:p>
+            <a:pPr lvl="1"/>
+            <a:r>
+              <a:rPr lang="fr-FR" dirty="0" err="1" smtClean="0"/>
+              <a:t>Monotonicity</a:t>
+            </a:r>
+            <a:r>
+              <a:rPr lang="fr-FR" dirty="0" smtClean="0"/>
+              <a:t> </a:t>
+            </a:r>
+            <a:r>
+              <a:rPr lang="fr-FR" dirty="0" err="1" smtClean="0"/>
+              <a:t>wrt</a:t>
+            </a:r>
+            <a:r>
+              <a:rPr lang="fr-FR" dirty="0" smtClean="0"/>
+              <a:t>. </a:t>
+            </a:r>
             <a:r>
               <a:rPr lang="fr-FR" dirty="0" err="1"/>
               <a:t>i</a:t>
             </a:r>
             <a:r>
               <a:rPr lang="fr-FR" dirty="0" err="1" smtClean="0"/>
-              <a:t>ntegers</a:t>
+              <a:t>nteger</a:t>
             </a:r>
             <a:r>
               <a:rPr lang="fr-FR" dirty="0" smtClean="0"/>
               <a:t> </a:t>
+            </a:r>
+            <a:r>
+              <a:rPr lang="fr-FR" dirty="0" err="1" smtClean="0"/>
+              <a:t>boundaries</a:t>
+            </a:r>
+            <a:r>
+              <a:rPr lang="fr-FR" dirty="0" smtClean="0"/>
+              <a:t>.</a:t>
+            </a:r>
+            <a:endParaRPr lang="fr-FR" dirty="0" smtClean="0"/>
+          </a:p>
+          <a:p>
+            <a:pPr lvl="1"/>
+            <a:r>
+              <a:rPr lang="fr-FR" dirty="0" err="1" smtClean="0"/>
+              <a:t>Special</a:t>
+            </a:r>
+            <a:r>
+              <a:rPr lang="fr-FR" dirty="0" smtClean="0"/>
+              <a:t> first/last values of types are </a:t>
+            </a:r>
+            <a:r>
+              <a:rPr lang="fr-FR" dirty="0" smtClean="0"/>
+              <a:t>exact.</a:t>
+            </a:r>
+            <a:endParaRPr lang="fr-FR" dirty="0"/>
+          </a:p>
+          <a:p>
+            <a:pPr marL="0" indent="0">
+              <a:buNone/>
+            </a:pPr>
+            <a:endParaRPr lang="fr-FR" dirty="0" smtClean="0"/>
+          </a:p>
+          <a:p>
+            <a:pPr marL="0" indent="0">
+              <a:buNone/>
+            </a:pPr>
+            <a:r>
+              <a:rPr lang="fr-FR" dirty="0" err="1" smtClean="0"/>
+              <a:t>Current</a:t>
+            </a:r>
+            <a:r>
+              <a:rPr lang="fr-FR" dirty="0" smtClean="0"/>
+              <a:t> </a:t>
+            </a:r>
+            <a:r>
+              <a:rPr lang="fr-FR" dirty="0" err="1" smtClean="0"/>
+              <a:t>attempt</a:t>
+            </a:r>
+            <a:r>
+              <a:rPr lang="fr-FR" dirty="0" smtClean="0"/>
+              <a:t> to use the support for </a:t>
+            </a:r>
+            <a:r>
+              <a:rPr lang="fr-FR" dirty="0" err="1" smtClean="0"/>
+              <a:t>floats</a:t>
+            </a:r>
+            <a:r>
+              <a:rPr lang="fr-FR" dirty="0" smtClean="0"/>
+              <a:t> in Z3 </a:t>
             </a:r>
             <a:r>
               <a:rPr lang="fr-FR" dirty="0" smtClean="0">
                 <a:sym typeface="Wingdings"/>
               </a:rPr>
-              <a:t>⟷ </a:t>
+              <a:t> </a:t>
             </a:r>
             <a:r>
               <a:rPr lang="fr-FR" dirty="0" err="1" smtClean="0">
                 <a:sym typeface="Wingdings"/>
               </a:rPr>
-              <a:t>bitvectors</a:t>
-            </a:r>
-            <a:endParaRPr lang="fr-FR" dirty="0" smtClean="0">
-              <a:sym typeface="Wingdings"/>
-            </a:endParaRPr>
-          </a:p>
-          <a:p>
-            <a:pPr lvl="1"/>
-            <a:r>
-              <a:rPr lang="fr-FR" dirty="0" err="1" smtClean="0">
-                <a:sym typeface="Wingdings"/>
-              </a:rPr>
-              <a:t>integers</a:t>
-            </a:r>
-            <a:r>
-              <a:rPr lang="fr-FR" dirty="0" smtClean="0">
-                <a:sym typeface="Wingdings"/>
-              </a:rPr>
-              <a:t> ⟷ </a:t>
-            </a:r>
-            <a:r>
-              <a:rPr lang="fr-FR" dirty="0" err="1" smtClean="0">
-                <a:sym typeface="Wingdings"/>
-              </a:rPr>
-              <a:t>reals</a:t>
-            </a:r>
-            <a:endParaRPr lang="fr-FR" dirty="0">
-              <a:sym typeface="Wingdings"/>
-            </a:endParaRPr>
-          </a:p>
-          <a:p>
-            <a:pPr lvl="1"/>
-            <a:r>
-              <a:rPr lang="fr-FR" dirty="0" err="1" smtClean="0">
-                <a:sym typeface="Wingdings"/>
-              </a:rPr>
-              <a:t>integers</a:t>
+              <a:t>less</a:t>
             </a:r>
             <a:r>
               <a:rPr lang="fr-FR" dirty="0" smtClean="0">
@@ -12377,512 +13471,11 @@
               <a:t> </a:t>
             </a:r>
             <a:r>
-              <a:rPr lang="fr-FR" dirty="0">
-                <a:sym typeface="Wingdings"/>
-              </a:rPr>
-              <a:t>⟷ </a:t>
-            </a:r>
-            <a:r>
-              <a:rPr lang="fr-FR" dirty="0" err="1">
-                <a:sym typeface="Wingdings"/>
-              </a:rPr>
-              <a:t>floats</a:t>
-            </a:r>
-            <a:endParaRPr lang="fr-FR" dirty="0">
-              <a:sym typeface="Wingdings"/>
-            </a:endParaRPr>
-          </a:p>
-          <a:p>
-            <a:pPr marL="0" indent="0">
-              <a:buNone/>
-            </a:pPr>
-            <a:endParaRPr lang="fr-FR" dirty="0">
-              <a:sym typeface="Wingdings"/>
-            </a:endParaRPr>
-          </a:p>
-          <a:p>
-            <a:pPr marL="0" indent="0">
-              <a:buNone/>
-            </a:pPr>
-            <a:r>
-              <a:rPr lang="fr-FR" dirty="0" err="1" smtClean="0">
-                <a:sym typeface="Wingdings"/>
-              </a:rPr>
-              <a:t>Current</a:t>
-            </a:r>
-            <a:r>
-              <a:rPr lang="fr-FR" dirty="0" smtClean="0">
-                <a:sym typeface="Wingdings"/>
-              </a:rPr>
-              <a:t> solution in SPARK: </a:t>
-            </a:r>
-            <a:r>
-              <a:rPr lang="fr-FR" dirty="0" err="1" smtClean="0">
-                <a:sym typeface="Wingdings"/>
-              </a:rPr>
-              <a:t>avoid</a:t>
-            </a:r>
-            <a:r>
-              <a:rPr lang="fr-FR" dirty="0" smtClean="0">
-                <a:sym typeface="Wingdings"/>
-              </a:rPr>
-              <a:t> conversions as </a:t>
-            </a:r>
-            <a:r>
-              <a:rPr lang="fr-FR" dirty="0" err="1" smtClean="0">
-                <a:sym typeface="Wingdings"/>
-              </a:rPr>
-              <a:t>much</a:t>
-            </a:r>
-            <a:r>
-              <a:rPr lang="fr-FR" dirty="0" smtClean="0">
-                <a:sym typeface="Wingdings"/>
-              </a:rPr>
-              <a:t> as possible</a:t>
-            </a:r>
-          </a:p>
-          <a:p>
-            <a:pPr lvl="1"/>
-            <a:r>
-              <a:rPr lang="fr-FR" dirty="0" err="1">
-                <a:sym typeface="Wingdings"/>
-              </a:rPr>
-              <a:t>F</a:t>
-            </a:r>
-            <a:r>
-              <a:rPr lang="fr-FR" dirty="0" err="1" smtClean="0">
-                <a:sym typeface="Wingdings"/>
-              </a:rPr>
-              <a:t>loat</a:t>
-            </a:r>
-            <a:r>
-              <a:rPr lang="fr-FR" dirty="0" smtClean="0">
-                <a:sym typeface="Wingdings"/>
-              </a:rPr>
-              <a:t> </a:t>
-            </a:r>
-            <a:r>
-              <a:rPr lang="fr-FR" dirty="0" err="1" smtClean="0">
-                <a:sym typeface="Wingdings"/>
-              </a:rPr>
-              <a:t>literals</a:t>
-            </a:r>
-            <a:r>
-              <a:rPr lang="fr-FR" dirty="0" smtClean="0">
-                <a:sym typeface="Wingdings"/>
-              </a:rPr>
-              <a:t> are </a:t>
-            </a:r>
-            <a:r>
-              <a:rPr lang="fr-FR" dirty="0" err="1" smtClean="0">
-                <a:sym typeface="Wingdings"/>
-              </a:rPr>
-              <a:t>replaced</a:t>
-            </a:r>
-            <a:r>
-              <a:rPr lang="fr-FR" dirty="0" smtClean="0">
-                <a:sym typeface="Wingdings"/>
-              </a:rPr>
-              <a:t> by </a:t>
-            </a:r>
-            <a:r>
-              <a:rPr lang="fr-FR" dirty="0" err="1" smtClean="0">
-                <a:sym typeface="Wingdings"/>
-              </a:rPr>
-              <a:t>integral</a:t>
-            </a:r>
-            <a:r>
-              <a:rPr lang="fr-FR" dirty="0" smtClean="0">
-                <a:sym typeface="Wingdings"/>
-              </a:rPr>
-              <a:t> part + </a:t>
-            </a:r>
-            <a:r>
-              <a:rPr lang="fr-FR" dirty="0" err="1" smtClean="0">
-                <a:sym typeface="Wingdings"/>
-              </a:rPr>
-              <a:t>fractional</a:t>
-            </a:r>
-            <a:r>
-              <a:rPr lang="fr-FR" dirty="0" smtClean="0">
-                <a:sym typeface="Wingdings"/>
-              </a:rPr>
-              <a:t> part.</a:t>
-            </a:r>
-          </a:p>
-          <a:p>
-            <a:pPr lvl="1"/>
-            <a:r>
-              <a:rPr lang="fr-FR" dirty="0" smtClean="0"/>
-              <a:t>Translation of </a:t>
-            </a:r>
-            <a:r>
-              <a:rPr lang="fr-FR" dirty="0" err="1" smtClean="0"/>
-              <a:t>integer</a:t>
-            </a:r>
-            <a:r>
-              <a:rPr lang="fr-FR" dirty="0" smtClean="0"/>
-              <a:t> </a:t>
-            </a:r>
-            <a:r>
-              <a:rPr lang="fr-FR" dirty="0" err="1" smtClean="0"/>
-              <a:t>literals</a:t>
-            </a:r>
-            <a:r>
-              <a:rPr lang="fr-FR" dirty="0" smtClean="0"/>
-              <a:t> </a:t>
-            </a:r>
-            <a:r>
-              <a:rPr lang="fr-FR" dirty="0" err="1" smtClean="0"/>
-              <a:t>into</a:t>
-            </a:r>
-            <a:r>
-              <a:rPr lang="fr-FR" dirty="0" smtClean="0"/>
-              <a:t> </a:t>
-            </a:r>
-            <a:r>
-              <a:rPr lang="fr-FR" dirty="0" err="1" smtClean="0"/>
-              <a:t>integer</a:t>
-            </a:r>
-            <a:r>
-              <a:rPr lang="fr-FR" dirty="0" smtClean="0"/>
-              <a:t> or </a:t>
-            </a:r>
-            <a:r>
-              <a:rPr lang="fr-FR" dirty="0" err="1" smtClean="0"/>
-              <a:t>bitvector</a:t>
-            </a:r>
-            <a:r>
-              <a:rPr lang="fr-FR" dirty="0" smtClean="0"/>
-              <a:t> </a:t>
-            </a:r>
-            <a:r>
-              <a:rPr lang="fr-FR" dirty="0" err="1" smtClean="0"/>
-              <a:t>is</a:t>
-            </a:r>
-            <a:r>
-              <a:rPr lang="fr-FR" dirty="0" smtClean="0"/>
-              <a:t> </a:t>
-            </a:r>
-            <a:r>
-              <a:rPr lang="fr-FR" dirty="0" err="1" smtClean="0"/>
-              <a:t>context</a:t>
-            </a:r>
-            <a:r>
-              <a:rPr lang="fr-FR" dirty="0" smtClean="0"/>
-              <a:t> sensitive.</a:t>
-            </a:r>
-          </a:p>
-          <a:p>
-            <a:pPr lvl="1"/>
-            <a:r>
-              <a:rPr lang="fr-FR" dirty="0" smtClean="0"/>
-              <a:t>This </a:t>
-            </a:r>
-            <a:r>
-              <a:rPr lang="fr-FR" dirty="0" err="1" smtClean="0"/>
-              <a:t>is</a:t>
-            </a:r>
-            <a:r>
-              <a:rPr lang="fr-FR" dirty="0" smtClean="0"/>
-              <a:t> </a:t>
-            </a:r>
-            <a:r>
-              <a:rPr lang="fr-FR" dirty="0" err="1" smtClean="0"/>
-              <a:t>facilitated</a:t>
-            </a:r>
-            <a:r>
-              <a:rPr lang="fr-FR" dirty="0" smtClean="0"/>
-              <a:t> by the </a:t>
-            </a:r>
-            <a:r>
-              <a:rPr lang="fr-FR" dirty="0" err="1" smtClean="0"/>
-              <a:t>strong</a:t>
-            </a:r>
-            <a:r>
-              <a:rPr lang="fr-FR" dirty="0" smtClean="0"/>
-              <a:t> </a:t>
-            </a:r>
-            <a:r>
-              <a:rPr lang="fr-FR" dirty="0" err="1" smtClean="0"/>
-              <a:t>typing</a:t>
-            </a:r>
-            <a:r>
-              <a:rPr lang="fr-FR" dirty="0" smtClean="0"/>
-              <a:t> in SPARK </a:t>
-            </a:r>
-            <a:r>
-              <a:rPr lang="fr-FR" dirty="0" err="1" smtClean="0"/>
-              <a:t>which</a:t>
-            </a:r>
-            <a:r>
-              <a:rPr lang="fr-FR" dirty="0" smtClean="0"/>
-              <a:t> </a:t>
-            </a:r>
-            <a:r>
-              <a:rPr lang="fr-FR" dirty="0" err="1" smtClean="0"/>
-              <a:t>requires</a:t>
-            </a:r>
-            <a:r>
-              <a:rPr lang="fr-FR" dirty="0" smtClean="0"/>
-              <a:t> explicit conversions.</a:t>
-            </a:r>
-          </a:p>
-          <a:p>
-            <a:pPr marL="0" indent="0">
-              <a:buNone/>
-            </a:pPr>
-            <a:endParaRPr lang="fr-FR" dirty="0"/>
-          </a:p>
-          <a:p>
-            <a:pPr marL="0" indent="0">
-              <a:buNone/>
-            </a:pPr>
-            <a:r>
-              <a:rPr lang="fr-FR" dirty="0" smtClean="0"/>
-              <a:t>No </a:t>
-            </a:r>
-            <a:r>
-              <a:rPr lang="fr-FR" dirty="0" err="1" smtClean="0"/>
-              <a:t>need</a:t>
-            </a:r>
-            <a:r>
-              <a:rPr lang="fr-FR" dirty="0" smtClean="0"/>
-              <a:t> to </a:t>
-            </a:r>
-            <a:r>
-              <a:rPr lang="fr-FR" dirty="0" err="1" smtClean="0"/>
-              <a:t>consider</a:t>
-            </a:r>
-            <a:r>
-              <a:rPr lang="fr-FR" dirty="0" smtClean="0"/>
-              <a:t> </a:t>
-            </a:r>
-            <a:r>
-              <a:rPr lang="fr-FR" dirty="0" err="1" smtClean="0"/>
-              <a:t>reals</a:t>
-            </a:r>
-            <a:r>
-              <a:rPr lang="fr-FR" dirty="0" smtClean="0"/>
-              <a:t> in SPARK. But </a:t>
-            </a:r>
-            <a:r>
-              <a:rPr lang="fr-FR" dirty="0" err="1" smtClean="0"/>
-              <a:t>useful</a:t>
-            </a:r>
-            <a:r>
-              <a:rPr lang="fr-FR" dirty="0" smtClean="0"/>
-              <a:t> to </a:t>
-            </a:r>
-            <a:r>
-              <a:rPr lang="fr-FR" dirty="0" err="1" smtClean="0"/>
-              <a:t>consider</a:t>
-            </a:r>
-            <a:r>
-              <a:rPr lang="fr-FR" dirty="0" smtClean="0"/>
-              <a:t> </a:t>
-            </a:r>
-            <a:r>
-              <a:rPr lang="fr-FR" dirty="0" err="1" smtClean="0"/>
-              <a:t>integers</a:t>
-            </a:r>
-            <a:r>
-              <a:rPr lang="fr-FR" dirty="0"/>
-              <a:t> </a:t>
-            </a:r>
-            <a:r>
-              <a:rPr lang="fr-FR" dirty="0" smtClean="0"/>
-              <a:t>(</a:t>
-            </a:r>
-            <a:r>
-              <a:rPr lang="fr-FR" dirty="0" err="1" smtClean="0"/>
-              <a:t>unbounded</a:t>
-            </a:r>
-            <a:r>
-              <a:rPr lang="fr-FR" dirty="0" smtClean="0"/>
-              <a:t> version) </a:t>
-            </a:r>
-            <a:r>
-              <a:rPr lang="fr-FR" dirty="0" err="1" smtClean="0"/>
-              <a:t>which</a:t>
-            </a:r>
-            <a:r>
-              <a:rPr lang="fr-FR" dirty="0" smtClean="0"/>
-              <a:t> </a:t>
-            </a:r>
-            <a:r>
-              <a:rPr lang="fr-FR" dirty="0" err="1" smtClean="0"/>
-              <a:t>can</a:t>
-            </a:r>
-            <a:r>
-              <a:rPr lang="fr-FR" dirty="0" smtClean="0"/>
-              <a:t> </a:t>
-            </a:r>
-            <a:r>
-              <a:rPr lang="fr-FR" dirty="0" err="1" smtClean="0"/>
-              <a:t>be</a:t>
-            </a:r>
-            <a:r>
-              <a:rPr lang="fr-FR" dirty="0" smtClean="0"/>
-              <a:t> </a:t>
-            </a:r>
-            <a:r>
-              <a:rPr lang="fr-FR" dirty="0" err="1" smtClean="0"/>
-              <a:t>used</a:t>
-            </a:r>
-            <a:r>
-              <a:rPr lang="fr-FR" dirty="0" smtClean="0"/>
-              <a:t> in </a:t>
-            </a:r>
-            <a:r>
-              <a:rPr lang="fr-FR" dirty="0" err="1" smtClean="0"/>
-              <a:t>specifications</a:t>
-            </a:r>
-            <a:r>
-              <a:rPr lang="fr-FR" dirty="0" smtClean="0"/>
-              <a:t>.</a:t>
-            </a:r>
-          </a:p>
-          <a:p>
-            <a:pPr marL="0" indent="0">
-              <a:buNone/>
-            </a:pPr>
-            <a:endParaRPr lang="fr-FR" dirty="0"/>
-          </a:p>
-          <a:p>
-            <a:pPr marL="0" indent="0">
-              <a:buNone/>
-            </a:pPr>
-            <a:r>
-              <a:rPr lang="fr-FR" dirty="0" err="1" smtClean="0"/>
-              <a:t>Attempt</a:t>
-            </a:r>
-            <a:r>
-              <a:rPr lang="fr-FR" dirty="0" smtClean="0"/>
-              <a:t> to use </a:t>
-            </a:r>
-            <a:r>
-              <a:rPr lang="fr-FR" dirty="0" err="1" smtClean="0"/>
-              <a:t>only</a:t>
-            </a:r>
-            <a:r>
-              <a:rPr lang="fr-FR" dirty="0" smtClean="0"/>
-              <a:t> </a:t>
-            </a:r>
-            <a:r>
-              <a:rPr lang="fr-FR" dirty="0" err="1" smtClean="0"/>
-              <a:t>integers</a:t>
-            </a:r>
-            <a:r>
-              <a:rPr lang="fr-FR" dirty="0" smtClean="0"/>
-              <a:t> </a:t>
-            </a:r>
-            <a:r>
-              <a:rPr lang="fr-FR" dirty="0" smtClean="0">
-                <a:sym typeface="Wingdings"/>
-              </a:rPr>
-              <a:t> </a:t>
-            </a:r>
-            <a:r>
-              <a:rPr lang="fr-FR" dirty="0" err="1" smtClean="0"/>
-              <a:t>less</a:t>
-            </a:r>
-            <a:r>
-              <a:rPr lang="fr-FR" dirty="0" smtClean="0"/>
-              <a:t> </a:t>
-            </a:r>
-            <a:r>
-              <a:rPr lang="fr-FR" dirty="0" err="1" smtClean="0"/>
-              <a:t>precise</a:t>
-            </a:r>
-            <a:r>
-              <a:rPr lang="fr-FR" dirty="0" smtClean="0"/>
-              <a:t> on </a:t>
-            </a:r>
-            <a:r>
-              <a:rPr lang="fr-FR" dirty="0" err="1" smtClean="0"/>
-              <a:t>bitwise</a:t>
-            </a:r>
-            <a:r>
-              <a:rPr lang="fr-FR" dirty="0" smtClean="0"/>
-              <a:t>/modulo </a:t>
-            </a:r>
-            <a:r>
-              <a:rPr lang="fr-FR" dirty="0" err="1" smtClean="0"/>
-              <a:t>operations</a:t>
-            </a:r>
-            <a:endParaRPr lang="fr-FR" dirty="0"/>
-          </a:p>
-          <a:p>
-            <a:pPr marL="0" indent="0">
-              <a:buNone/>
-            </a:pPr>
-            <a:r>
-              <a:rPr lang="fr-FR" dirty="0" err="1" smtClean="0"/>
-              <a:t>Attempt</a:t>
-            </a:r>
-            <a:r>
-              <a:rPr lang="fr-FR" dirty="0" smtClean="0"/>
-              <a:t> to use </a:t>
-            </a:r>
-            <a:r>
-              <a:rPr lang="fr-FR" dirty="0" err="1" smtClean="0"/>
-              <a:t>only</a:t>
-            </a:r>
-            <a:r>
-              <a:rPr lang="fr-FR" dirty="0" smtClean="0"/>
-              <a:t> </a:t>
-            </a:r>
-            <a:r>
-              <a:rPr lang="fr-FR" dirty="0" err="1" smtClean="0"/>
-              <a:t>bitvectors</a:t>
-            </a:r>
-            <a:r>
-              <a:rPr lang="fr-FR" dirty="0" smtClean="0"/>
-              <a:t> </a:t>
-            </a:r>
-            <a:r>
-              <a:rPr lang="fr-FR" dirty="0" smtClean="0">
-                <a:sym typeface="Wingdings"/>
-              </a:rPr>
-              <a:t> </a:t>
-            </a:r>
-            <a:r>
-              <a:rPr lang="fr-FR" dirty="0" err="1" smtClean="0">
-                <a:sym typeface="Wingdings"/>
-              </a:rPr>
-              <a:t>less</a:t>
-            </a:r>
-            <a:r>
-              <a:rPr lang="fr-FR" dirty="0" smtClean="0">
-                <a:sym typeface="Wingdings"/>
-              </a:rPr>
-              <a:t> </a:t>
-            </a:r>
-            <a:r>
               <a:rPr lang="fr-FR" dirty="0" err="1" smtClean="0">
                 <a:sym typeface="Wingdings"/>
               </a:rPr>
               <a:t>precise</a:t>
             </a:r>
-            <a:r>
-              <a:rPr lang="fr-FR" dirty="0" smtClean="0">
-                <a:sym typeface="Wingdings"/>
-              </a:rPr>
-              <a:t> on computation of </a:t>
-            </a:r>
-            <a:r>
-              <a:rPr lang="fr-FR" dirty="0" err="1" smtClean="0">
-                <a:sym typeface="Wingdings"/>
-              </a:rPr>
-              <a:t>bounds</a:t>
-            </a:r>
-            <a:endParaRPr lang="fr-FR" dirty="0" smtClean="0"/>
-          </a:p>
-          <a:p>
-            <a:pPr marL="0" indent="0">
-              <a:buNone/>
-            </a:pPr>
             <a:endParaRPr lang="fr-FR" dirty="0" smtClean="0"/>
           </a:p>
         </p:txBody>
@@ -12903,16 +13496,16 @@
           <a:lstStyle/>
           <a:p>
             <a:r>
-              <a:rPr lang="fr-FR" dirty="0" smtClean="0"/>
-              <a:t>Conversions </a:t>
-            </a:r>
-            <a:r>
-              <a:rPr lang="fr-FR" dirty="0" err="1" smtClean="0"/>
-              <a:t>Between</a:t>
-            </a:r>
-            <a:r>
-              <a:rPr lang="fr-FR" dirty="0" smtClean="0"/>
-              <a:t> Types</a:t>
+              <a:rPr lang="fr-FR" dirty="0" err="1" smtClean="0"/>
+              <a:t>Floating</a:t>
+            </a:r>
+            <a:r>
+              <a:rPr lang="fr-FR" dirty="0" smtClean="0"/>
+              <a:t>-point </a:t>
+            </a:r>
+            <a:r>
+              <a:rPr lang="fr-FR" dirty="0" err="1" smtClean="0"/>
+              <a:t>Arithmetic</a:t>
             </a:r>
             <a:endParaRPr lang="fr-FR" dirty="0"/>
           </a:p>
@@ -12952,7 +13545,7 @@
     </p:spTree>
     <p:extLst>
       <p:ext uri="{BB962C8B-B14F-4D97-AF65-F5344CB8AC3E}">
-        <p14:creationId xmlns:p14="http://schemas.microsoft.com/office/powerpoint/2010/main" val="557345355"/>
+        <p14:creationId xmlns:p14="http://schemas.microsoft.com/office/powerpoint/2010/main" val="473982208"/>
       </p:ext>
     </p:extLst>
   </p:cSld>
@@ -12998,44 +13591,12 @@
               <a:buNone/>
             </a:pPr>
             <a:r>
-              <a:rPr lang="fr-FR" dirty="0" err="1" smtClean="0"/>
-              <a:t>Quantifiers</a:t>
-            </a:r>
-            <a:r>
-              <a:rPr lang="fr-FR" dirty="0" smtClean="0"/>
-              <a:t> are essential to:</a:t>
-            </a:r>
-          </a:p>
-          <a:p>
-            <a:r>
-              <a:rPr lang="fr-FR" dirty="0" smtClean="0"/>
-              <a:t>Encode the </a:t>
-            </a:r>
-            <a:r>
-              <a:rPr lang="fr-FR" dirty="0" err="1" smtClean="0"/>
-              <a:t>semantics</a:t>
-            </a:r>
-            <a:r>
-              <a:rPr lang="fr-FR" dirty="0" smtClean="0"/>
-              <a:t> of the </a:t>
-            </a:r>
-            <a:r>
-              <a:rPr lang="fr-FR" dirty="0" err="1" smtClean="0"/>
-              <a:t>language</a:t>
-            </a:r>
-            <a:r>
-              <a:rPr lang="fr-FR" dirty="0" smtClean="0"/>
-              <a:t> types.</a:t>
-            </a:r>
-          </a:p>
-          <a:p>
-            <a:r>
-              <a:rPr lang="fr-FR" dirty="0" smtClean="0"/>
-              <a:t>Encode user-</a:t>
-            </a:r>
-            <a:r>
-              <a:rPr lang="fr-FR" dirty="0" err="1" smtClean="0"/>
-              <a:t>defined</a:t>
+              <a:rPr lang="fr-FR" dirty="0" err="1"/>
+              <a:t>P</a:t>
+            </a:r>
+            <a:r>
+              <a:rPr lang="fr-FR" dirty="0" err="1" smtClean="0"/>
+              <a:t>roperties</a:t>
             </a:r>
             <a:r>
               <a:rPr lang="fr-FR" dirty="0" smtClean="0"/>
@@ -13043,164 +13604,458 @@
             </a:r>
             <a:r>
               <a:rPr lang="fr-FR" dirty="0" err="1" smtClean="0"/>
-              <a:t>contracts</a:t>
-            </a:r>
-            <a:r>
-              <a:rPr lang="fr-FR" dirty="0" smtClean="0"/>
-              <a:t> of </a:t>
-            </a:r>
-            <a:r>
-              <a:rPr lang="fr-FR" dirty="0" err="1" smtClean="0"/>
-              <a:t>subprograms</a:t>
-            </a:r>
-            <a:r>
-              <a:rPr lang="fr-FR" dirty="0" smtClean="0"/>
-              <a:t>.</a:t>
-            </a:r>
-          </a:p>
-          <a:p>
-            <a:r>
-              <a:rPr lang="fr-FR" dirty="0" smtClean="0"/>
-              <a:t>Encode user-</a:t>
-            </a:r>
-            <a:r>
-              <a:rPr lang="fr-FR" dirty="0" err="1" smtClean="0"/>
-              <a:t>defined</a:t>
+              <a:t>involving</a:t>
+            </a:r>
+            <a:r>
+              <a:rPr lang="fr-FR" dirty="0" smtClean="0"/>
+              <a:t> conversions </a:t>
+            </a:r>
+            <a:r>
+              <a:rPr lang="fr-FR" dirty="0" err="1" smtClean="0"/>
+              <a:t>between</a:t>
+            </a:r>
+            <a:r>
+              <a:rPr lang="fr-FR" dirty="0" smtClean="0"/>
+              <a:t> types are not </a:t>
+            </a:r>
+            <a:r>
+              <a:rPr lang="fr-FR" dirty="0" err="1" smtClean="0"/>
+              <a:t>proved</a:t>
+            </a:r>
+            <a:r>
+              <a:rPr lang="fr-FR" dirty="0" smtClean="0"/>
+              <a:t> by SMT </a:t>
+            </a:r>
+            <a:r>
+              <a:rPr lang="fr-FR" dirty="0" err="1" smtClean="0"/>
+              <a:t>provers</a:t>
+            </a:r>
+            <a:r>
+              <a:rPr lang="fr-FR" dirty="0" smtClean="0"/>
+              <a:t>:</a:t>
+            </a:r>
+          </a:p>
+          <a:p>
+            <a:pPr lvl="1"/>
+            <a:r>
+              <a:rPr lang="fr-FR" dirty="0" err="1"/>
+              <a:t>i</a:t>
+            </a:r>
+            <a:r>
+              <a:rPr lang="fr-FR" dirty="0" err="1" smtClean="0"/>
+              <a:t>ntegers</a:t>
             </a:r>
             <a:r>
               <a:rPr lang="fr-FR" dirty="0" smtClean="0"/>
               <a:t> </a:t>
             </a:r>
             <a:r>
-              <a:rPr lang="fr-FR" dirty="0" err="1" smtClean="0"/>
-              <a:t>properties</a:t>
-            </a:r>
-            <a:r>
-              <a:rPr lang="fr-FR" dirty="0" smtClean="0"/>
-              <a:t> over collections.</a:t>
-            </a:r>
-          </a:p>
-          <a:p>
-            <a:endParaRPr lang="fr-FR" dirty="0"/>
+              <a:rPr lang="fr-FR" dirty="0" smtClean="0">
+                <a:sym typeface="Wingdings"/>
+              </a:rPr>
+              <a:t>⟷ </a:t>
+            </a:r>
+            <a:r>
+              <a:rPr lang="fr-FR" dirty="0" err="1" smtClean="0">
+                <a:sym typeface="Wingdings"/>
+              </a:rPr>
+              <a:t>bitvectors</a:t>
+            </a:r>
+            <a:endParaRPr lang="fr-FR" dirty="0" smtClean="0">
+              <a:sym typeface="Wingdings"/>
+            </a:endParaRPr>
+          </a:p>
+          <a:p>
+            <a:pPr lvl="1"/>
+            <a:r>
+              <a:rPr lang="fr-FR" dirty="0" err="1" smtClean="0">
+                <a:sym typeface="Wingdings"/>
+              </a:rPr>
+              <a:t>integers</a:t>
+            </a:r>
+            <a:r>
+              <a:rPr lang="fr-FR" dirty="0" smtClean="0">
+                <a:sym typeface="Wingdings"/>
+              </a:rPr>
+              <a:t> ⟷ </a:t>
+            </a:r>
+            <a:r>
+              <a:rPr lang="fr-FR" dirty="0" err="1" smtClean="0">
+                <a:sym typeface="Wingdings"/>
+              </a:rPr>
+              <a:t>reals</a:t>
+            </a:r>
+            <a:endParaRPr lang="fr-FR" dirty="0">
+              <a:sym typeface="Wingdings"/>
+            </a:endParaRPr>
+          </a:p>
+          <a:p>
+            <a:pPr lvl="1"/>
+            <a:r>
+              <a:rPr lang="fr-FR" dirty="0" err="1" smtClean="0">
+                <a:sym typeface="Wingdings"/>
+              </a:rPr>
+              <a:t>integers</a:t>
+            </a:r>
+            <a:r>
+              <a:rPr lang="fr-FR" dirty="0" smtClean="0">
+                <a:sym typeface="Wingdings"/>
+              </a:rPr>
+              <a:t> </a:t>
+            </a:r>
+            <a:r>
+              <a:rPr lang="fr-FR" dirty="0">
+                <a:sym typeface="Wingdings"/>
+              </a:rPr>
+              <a:t>⟷ </a:t>
+            </a:r>
+            <a:r>
+              <a:rPr lang="fr-FR" dirty="0" err="1">
+                <a:sym typeface="Wingdings"/>
+              </a:rPr>
+              <a:t>floats</a:t>
+            </a:r>
+            <a:endParaRPr lang="fr-FR" dirty="0">
+              <a:sym typeface="Wingdings"/>
+            </a:endParaRPr>
           </a:p>
           <a:p>
             <a:pPr marL="0" indent="0">
               <a:buNone/>
             </a:pPr>
-            <a:r>
-              <a:rPr lang="fr-FR" dirty="0" smtClean="0"/>
-              <a:t>Quantifier </a:t>
-            </a:r>
-            <a:r>
-              <a:rPr lang="fr-FR" dirty="0" err="1" smtClean="0"/>
-              <a:t>instantiation</a:t>
-            </a:r>
-            <a:r>
-              <a:rPr lang="fr-FR" dirty="0" smtClean="0"/>
-              <a:t> in SMT </a:t>
-            </a:r>
-            <a:r>
-              <a:rPr lang="fr-FR" dirty="0" err="1" smtClean="0"/>
-              <a:t>solvers</a:t>
-            </a:r>
-            <a:r>
-              <a:rPr lang="fr-FR" dirty="0" smtClean="0"/>
-              <a:t> </a:t>
-            </a:r>
-            <a:r>
-              <a:rPr lang="fr-FR" dirty="0" err="1" smtClean="0"/>
-              <a:t>based</a:t>
-            </a:r>
-            <a:r>
-              <a:rPr lang="fr-FR" dirty="0" smtClean="0"/>
-              <a:t> on:</a:t>
-            </a:r>
-          </a:p>
-          <a:p>
-            <a:pPr lvl="1"/>
-            <a:r>
-              <a:rPr lang="fr-FR" dirty="0" err="1" smtClean="0"/>
-              <a:t>Syntax-directed</a:t>
-            </a:r>
-            <a:r>
-              <a:rPr lang="fr-FR" dirty="0" smtClean="0"/>
-              <a:t> </a:t>
-            </a:r>
-            <a:r>
-              <a:rPr lang="fr-FR" dirty="0" err="1" smtClean="0"/>
-              <a:t>instantiation</a:t>
-            </a:r>
-            <a:r>
-              <a:rPr lang="fr-FR" dirty="0" smtClean="0"/>
-              <a:t> (triggers)</a:t>
-            </a:r>
-          </a:p>
-          <a:p>
-            <a:pPr lvl="1"/>
-            <a:r>
-              <a:rPr lang="fr-FR" dirty="0" smtClean="0"/>
-              <a:t>Value-</a:t>
-            </a:r>
-            <a:r>
-              <a:rPr lang="fr-FR" dirty="0" err="1" smtClean="0"/>
-              <a:t>directed</a:t>
-            </a:r>
-            <a:r>
-              <a:rPr lang="fr-FR" dirty="0" smtClean="0"/>
-              <a:t> </a:t>
-            </a:r>
-            <a:r>
-              <a:rPr lang="fr-FR" dirty="0" err="1" smtClean="0"/>
-              <a:t>instantiation</a:t>
-            </a:r>
-            <a:r>
-              <a:rPr lang="fr-FR" dirty="0" smtClean="0"/>
-              <a:t> (</a:t>
-            </a:r>
-            <a:r>
-              <a:rPr lang="fr-FR" dirty="0" err="1" smtClean="0"/>
-              <a:t>models</a:t>
-            </a:r>
-            <a:r>
-              <a:rPr lang="fr-FR" dirty="0" smtClean="0"/>
-              <a:t>)</a:t>
-            </a:r>
-          </a:p>
-          <a:p>
-            <a:pPr lvl="1"/>
-            <a:endParaRPr lang="fr-FR" dirty="0" smtClean="0"/>
+            <a:endParaRPr lang="fr-FR" dirty="0">
+              <a:sym typeface="Wingdings"/>
+            </a:endParaRPr>
           </a:p>
           <a:p>
             <a:pPr marL="0" indent="0">
               <a:buNone/>
             </a:pPr>
             <a:r>
-              <a:rPr lang="fr-FR" dirty="0" err="1" smtClean="0"/>
-              <a:t>Mixing</a:t>
-            </a:r>
-            <a:r>
-              <a:rPr lang="fr-FR" dirty="0" smtClean="0"/>
+              <a:rPr lang="fr-FR" dirty="0" err="1" smtClean="0">
+                <a:sym typeface="Wingdings"/>
+              </a:rPr>
+              <a:t>Current</a:t>
+            </a:r>
+            <a:r>
+              <a:rPr lang="fr-FR" dirty="0" smtClean="0">
+                <a:sym typeface="Wingdings"/>
+              </a:rPr>
+              <a:t> solution in SPARK: </a:t>
+            </a:r>
+            <a:r>
+              <a:rPr lang="fr-FR" dirty="0" err="1" smtClean="0">
+                <a:sym typeface="Wingdings"/>
+              </a:rPr>
+              <a:t>avoid</a:t>
+            </a:r>
+            <a:r>
+              <a:rPr lang="fr-FR" dirty="0" smtClean="0">
+                <a:sym typeface="Wingdings"/>
+              </a:rPr>
+              <a:t> conversions as </a:t>
+            </a:r>
+            <a:r>
+              <a:rPr lang="fr-FR" dirty="0" err="1" smtClean="0">
+                <a:sym typeface="Wingdings"/>
+              </a:rPr>
+              <a:t>much</a:t>
+            </a:r>
+            <a:r>
+              <a:rPr lang="fr-FR" dirty="0" smtClean="0">
+                <a:sym typeface="Wingdings"/>
+              </a:rPr>
+              <a:t> as possible</a:t>
+            </a:r>
+          </a:p>
+          <a:p>
+            <a:pPr lvl="1"/>
+            <a:r>
+              <a:rPr lang="fr-FR" dirty="0" err="1">
+                <a:sym typeface="Wingdings"/>
+              </a:rPr>
+              <a:t>F</a:t>
+            </a:r>
+            <a:r>
+              <a:rPr lang="fr-FR" dirty="0" err="1" smtClean="0">
+                <a:sym typeface="Wingdings"/>
+              </a:rPr>
+              <a:t>loat</a:t>
+            </a:r>
+            <a:r>
+              <a:rPr lang="fr-FR" dirty="0" smtClean="0">
+                <a:sym typeface="Wingdings"/>
+              </a:rPr>
               <a:t> </a:t>
             </a:r>
             <a:r>
-              <a:rPr lang="fr-FR" dirty="0" err="1" smtClean="0"/>
-              <a:t>quantifiers</a:t>
-            </a:r>
-            <a:r>
-              <a:rPr lang="fr-FR" dirty="0" smtClean="0"/>
-              <a:t> and </a:t>
-            </a:r>
-            <a:r>
-              <a:rPr lang="fr-FR" dirty="0" err="1" smtClean="0"/>
-              <a:t>theories</a:t>
-            </a:r>
-            <a:r>
-              <a:rPr lang="fr-FR" dirty="0" smtClean="0"/>
-              <a:t> (</a:t>
-            </a:r>
-            <a:r>
-              <a:rPr lang="fr-FR" dirty="0" err="1" smtClean="0"/>
-              <a:t>arithmetic</a:t>
+              <a:rPr lang="fr-FR" dirty="0" err="1" smtClean="0">
+                <a:sym typeface="Wingdings"/>
+              </a:rPr>
+              <a:t>literals</a:t>
+            </a:r>
+            <a:r>
+              <a:rPr lang="fr-FR" dirty="0" smtClean="0">
+                <a:sym typeface="Wingdings"/>
+              </a:rPr>
+              <a:t> are </a:t>
+            </a:r>
+            <a:r>
+              <a:rPr lang="fr-FR" dirty="0" err="1" smtClean="0">
+                <a:sym typeface="Wingdings"/>
+              </a:rPr>
+              <a:t>replaced</a:t>
+            </a:r>
+            <a:r>
+              <a:rPr lang="fr-FR" dirty="0" smtClean="0">
+                <a:sym typeface="Wingdings"/>
+              </a:rPr>
+              <a:t> by </a:t>
+            </a:r>
+            <a:r>
+              <a:rPr lang="fr-FR" dirty="0" err="1" smtClean="0">
+                <a:sym typeface="Wingdings"/>
+              </a:rPr>
+              <a:t>integral</a:t>
+            </a:r>
+            <a:r>
+              <a:rPr lang="fr-FR" dirty="0" smtClean="0">
+                <a:sym typeface="Wingdings"/>
+              </a:rPr>
+              <a:t> part + </a:t>
+            </a:r>
+            <a:r>
+              <a:rPr lang="fr-FR" dirty="0" err="1" smtClean="0">
+                <a:sym typeface="Wingdings"/>
+              </a:rPr>
+              <a:t>fractional</a:t>
+            </a:r>
+            <a:r>
+              <a:rPr lang="fr-FR" dirty="0" smtClean="0">
+                <a:sym typeface="Wingdings"/>
+              </a:rPr>
+              <a:t> part.</a:t>
+            </a:r>
+          </a:p>
+          <a:p>
+            <a:pPr lvl="1"/>
+            <a:r>
+              <a:rPr lang="fr-FR" dirty="0" smtClean="0"/>
+              <a:t>Translation of </a:t>
+            </a:r>
+            <a:r>
+              <a:rPr lang="fr-FR" dirty="0" err="1" smtClean="0"/>
+              <a:t>integer</a:t>
+            </a:r>
+            <a:r>
+              <a:rPr lang="fr-FR" dirty="0" smtClean="0"/>
+              <a:t> </a:t>
+            </a:r>
+            <a:r>
+              <a:rPr lang="fr-FR" dirty="0" err="1" smtClean="0"/>
+              <a:t>literals</a:t>
+            </a:r>
+            <a:r>
+              <a:rPr lang="fr-FR" dirty="0" smtClean="0"/>
+              <a:t> </a:t>
+            </a:r>
+            <a:r>
+              <a:rPr lang="fr-FR" dirty="0" err="1" smtClean="0"/>
+              <a:t>into</a:t>
+            </a:r>
+            <a:r>
+              <a:rPr lang="fr-FR" dirty="0" smtClean="0"/>
+              <a:t> </a:t>
+            </a:r>
+            <a:r>
+              <a:rPr lang="fr-FR" dirty="0" err="1" smtClean="0"/>
+              <a:t>integer</a:t>
+            </a:r>
+            <a:r>
+              <a:rPr lang="fr-FR" dirty="0" smtClean="0"/>
+              <a:t> or </a:t>
+            </a:r>
+            <a:r>
+              <a:rPr lang="fr-FR" dirty="0" err="1" smtClean="0"/>
+              <a:t>bitvector</a:t>
+            </a:r>
+            <a:r>
+              <a:rPr lang="fr-FR" dirty="0" smtClean="0"/>
+              <a:t> </a:t>
+            </a:r>
+            <a:r>
+              <a:rPr lang="fr-FR" dirty="0" err="1" smtClean="0"/>
+              <a:t>is</a:t>
+            </a:r>
+            <a:r>
+              <a:rPr lang="fr-FR" dirty="0" smtClean="0"/>
+              <a:t> </a:t>
+            </a:r>
+            <a:r>
+              <a:rPr lang="fr-FR" dirty="0" err="1" smtClean="0"/>
+              <a:t>context</a:t>
+            </a:r>
+            <a:r>
+              <a:rPr lang="fr-FR" dirty="0" smtClean="0"/>
+              <a:t> sensitive.</a:t>
+            </a:r>
+          </a:p>
+          <a:p>
+            <a:pPr lvl="1"/>
+            <a:r>
+              <a:rPr lang="fr-FR" dirty="0" smtClean="0"/>
+              <a:t>This </a:t>
+            </a:r>
+            <a:r>
+              <a:rPr lang="fr-FR" dirty="0" err="1" smtClean="0"/>
+              <a:t>is</a:t>
+            </a:r>
+            <a:r>
+              <a:rPr lang="fr-FR" dirty="0" smtClean="0"/>
+              <a:t> </a:t>
+            </a:r>
+            <a:r>
+              <a:rPr lang="fr-FR" dirty="0" err="1" smtClean="0"/>
+              <a:t>facilitated</a:t>
+            </a:r>
+            <a:r>
+              <a:rPr lang="fr-FR" dirty="0" smtClean="0"/>
+              <a:t> by the </a:t>
+            </a:r>
+            <a:r>
+              <a:rPr lang="fr-FR" dirty="0" err="1" smtClean="0"/>
+              <a:t>strong</a:t>
+            </a:r>
+            <a:r>
+              <a:rPr lang="fr-FR" dirty="0" smtClean="0"/>
+              <a:t> </a:t>
+            </a:r>
+            <a:r>
+              <a:rPr lang="fr-FR" dirty="0" err="1" smtClean="0"/>
+              <a:t>typing</a:t>
+            </a:r>
+            <a:r>
+              <a:rPr lang="fr-FR" dirty="0" smtClean="0"/>
+              <a:t> in SPARK </a:t>
+            </a:r>
+            <a:r>
+              <a:rPr lang="fr-FR" dirty="0" err="1" smtClean="0"/>
+              <a:t>which</a:t>
+            </a:r>
+            <a:r>
+              <a:rPr lang="fr-FR" dirty="0" smtClean="0"/>
+              <a:t> </a:t>
+            </a:r>
+            <a:r>
+              <a:rPr lang="fr-FR" dirty="0" err="1" smtClean="0"/>
+              <a:t>requires</a:t>
+            </a:r>
+            <a:r>
+              <a:rPr lang="fr-FR" dirty="0" smtClean="0"/>
+              <a:t> explicit conversions.</a:t>
+            </a:r>
+          </a:p>
+          <a:p>
+            <a:pPr marL="0" indent="0">
+              <a:buNone/>
+            </a:pPr>
+            <a:endParaRPr lang="fr-FR" dirty="0"/>
+          </a:p>
+          <a:p>
+            <a:pPr marL="0" indent="0">
+              <a:buNone/>
+            </a:pPr>
+            <a:r>
+              <a:rPr lang="fr-FR" dirty="0" smtClean="0"/>
+              <a:t>No </a:t>
+            </a:r>
+            <a:r>
+              <a:rPr lang="fr-FR" dirty="0" err="1" smtClean="0"/>
+              <a:t>need</a:t>
+            </a:r>
+            <a:r>
+              <a:rPr lang="fr-FR" dirty="0" smtClean="0"/>
+              <a:t> to </a:t>
+            </a:r>
+            <a:r>
+              <a:rPr lang="fr-FR" dirty="0" err="1" smtClean="0"/>
+              <a:t>consider</a:t>
+            </a:r>
+            <a:r>
+              <a:rPr lang="fr-FR" dirty="0" smtClean="0"/>
+              <a:t> </a:t>
+            </a:r>
+            <a:r>
+              <a:rPr lang="fr-FR" dirty="0" err="1" smtClean="0"/>
+              <a:t>reals</a:t>
+            </a:r>
+            <a:r>
+              <a:rPr lang="fr-FR" dirty="0" smtClean="0"/>
+              <a:t> in SPARK. But </a:t>
+            </a:r>
+            <a:r>
+              <a:rPr lang="fr-FR" dirty="0" err="1" smtClean="0"/>
+              <a:t>useful</a:t>
+            </a:r>
+            <a:r>
+              <a:rPr lang="fr-FR" dirty="0" smtClean="0"/>
+              <a:t> to </a:t>
+            </a:r>
+            <a:r>
+              <a:rPr lang="fr-FR" dirty="0" err="1" smtClean="0"/>
+              <a:t>consider</a:t>
+            </a:r>
+            <a:r>
+              <a:rPr lang="fr-FR" dirty="0" smtClean="0"/>
+              <a:t> </a:t>
+            </a:r>
+            <a:r>
+              <a:rPr lang="fr-FR" dirty="0" err="1" smtClean="0"/>
+              <a:t>integers</a:t>
+            </a:r>
+            <a:r>
+              <a:rPr lang="fr-FR" dirty="0"/>
+              <a:t> </a:t>
+            </a:r>
+            <a:r>
+              <a:rPr lang="fr-FR" dirty="0" smtClean="0"/>
+              <a:t>(</a:t>
+            </a:r>
+            <a:r>
+              <a:rPr lang="fr-FR" dirty="0" err="1" smtClean="0"/>
+              <a:t>unbounded</a:t>
+            </a:r>
+            <a:r>
+              <a:rPr lang="fr-FR" dirty="0" smtClean="0"/>
+              <a:t> version) </a:t>
+            </a:r>
+            <a:r>
+              <a:rPr lang="fr-FR" dirty="0" err="1" smtClean="0"/>
+              <a:t>which</a:t>
+            </a:r>
+            <a:r>
+              <a:rPr lang="fr-FR" dirty="0" smtClean="0"/>
+              <a:t> </a:t>
+            </a:r>
+            <a:r>
+              <a:rPr lang="fr-FR" dirty="0" err="1" smtClean="0"/>
+              <a:t>can</a:t>
+            </a:r>
+            <a:r>
+              <a:rPr lang="fr-FR" dirty="0" smtClean="0"/>
+              <a:t> </a:t>
+            </a:r>
+            <a:r>
+              <a:rPr lang="fr-FR" dirty="0" err="1" smtClean="0"/>
+              <a:t>be</a:t>
+            </a:r>
+            <a:r>
+              <a:rPr lang="fr-FR" dirty="0" smtClean="0"/>
+              <a:t> </a:t>
+            </a:r>
+            <a:r>
+              <a:rPr lang="fr-FR" dirty="0" err="1" smtClean="0"/>
+              <a:t>used</a:t>
             </a:r>
             <a:r>
               <a:rPr lang="fr-FR" dirty="0" smtClean="0"/>
@@ -13208,23 +14063,34 @@
             </a:r>
             <a:r>
               <a:rPr lang="fr-FR" dirty="0" err="1" smtClean="0"/>
-              <a:t>particular</a:t>
-            </a:r>
-            <a:r>
-              <a:rPr lang="fr-FR" dirty="0" smtClean="0"/>
-              <a:t>) lead </a:t>
-            </a:r>
-            <a:r>
-              <a:rPr lang="fr-FR" dirty="0" err="1" smtClean="0"/>
-              <a:t>sometimes</a:t>
-            </a:r>
-            <a:r>
-              <a:rPr lang="fr-FR" dirty="0" smtClean="0"/>
-              <a:t> to </a:t>
-            </a:r>
-            <a:r>
-              <a:rPr lang="fr-FR" dirty="0" err="1" smtClean="0"/>
-              <a:t>surprising</a:t>
+              <a:t>specifications</a:t>
+            </a:r>
+            <a:r>
+              <a:rPr lang="fr-FR" dirty="0" smtClean="0"/>
+              <a:t>.</a:t>
+            </a:r>
+          </a:p>
+          <a:p>
+            <a:pPr marL="0" indent="0">
+              <a:buNone/>
+            </a:pPr>
+            <a:endParaRPr lang="fr-FR" dirty="0"/>
+          </a:p>
+          <a:p>
+            <a:pPr marL="0" indent="0">
+              <a:buNone/>
+            </a:pPr>
+            <a:r>
+              <a:rPr lang="fr-FR" dirty="0" err="1" smtClean="0"/>
+              <a:t>Attempt</a:t>
+            </a:r>
+            <a:r>
+              <a:rPr lang="fr-FR" dirty="0" smtClean="0"/>
+              <a:t> to use </a:t>
+            </a:r>
+            <a:r>
+              <a:rPr lang="fr-FR" dirty="0" err="1" smtClean="0"/>
+              <a:t>only</a:t>
             </a:r>
             <a:r>
               <a:rPr lang="fr-FR" dirty="0" smtClean="0"/>
@@ -13232,11 +14098,111 @@
             </a:r>
             <a:r>
               <a:rPr lang="fr-FR" dirty="0" err="1" smtClean="0"/>
-              <a:t>results</a:t>
-            </a:r>
-            <a:r>
-              <a:rPr lang="is-IS" dirty="0" smtClean="0"/>
-              <a:t>…</a:t>
+              <a:t>integers</a:t>
+            </a:r>
+            <a:r>
+              <a:rPr lang="fr-FR" dirty="0" smtClean="0"/>
+              <a:t> </a:t>
+            </a:r>
+            <a:r>
+              <a:rPr lang="fr-FR" dirty="0" smtClean="0">
+                <a:sym typeface="Wingdings"/>
+              </a:rPr>
+              <a:t> </a:t>
+            </a:r>
+            <a:r>
+              <a:rPr lang="fr-FR" dirty="0" err="1" smtClean="0"/>
+              <a:t>less</a:t>
+            </a:r>
+            <a:r>
+              <a:rPr lang="fr-FR" dirty="0" smtClean="0"/>
+              <a:t> </a:t>
+            </a:r>
+            <a:r>
+              <a:rPr lang="fr-FR" dirty="0" err="1" smtClean="0"/>
+              <a:t>precise</a:t>
+            </a:r>
+            <a:r>
+              <a:rPr lang="fr-FR" dirty="0" smtClean="0"/>
+              <a:t> on </a:t>
+            </a:r>
+            <a:r>
+              <a:rPr lang="fr-FR" dirty="0" err="1" smtClean="0"/>
+              <a:t>bitwise</a:t>
+            </a:r>
+            <a:r>
+              <a:rPr lang="fr-FR" dirty="0" smtClean="0"/>
+              <a:t>/modulo </a:t>
+            </a:r>
+            <a:r>
+              <a:rPr lang="fr-FR" dirty="0" err="1" smtClean="0"/>
+              <a:t>operations</a:t>
+            </a:r>
+            <a:endParaRPr lang="fr-FR" dirty="0"/>
+          </a:p>
+          <a:p>
+            <a:pPr marL="0" indent="0">
+              <a:buNone/>
+            </a:pPr>
+            <a:r>
+              <a:rPr lang="fr-FR" dirty="0" err="1" smtClean="0"/>
+              <a:t>Attempt</a:t>
+            </a:r>
+            <a:r>
+              <a:rPr lang="fr-FR" dirty="0" smtClean="0"/>
+              <a:t> to use </a:t>
+            </a:r>
+            <a:r>
+              <a:rPr lang="fr-FR" dirty="0" err="1" smtClean="0"/>
+              <a:t>only</a:t>
+            </a:r>
+            <a:r>
+              <a:rPr lang="fr-FR" dirty="0" smtClean="0"/>
+              <a:t> </a:t>
+            </a:r>
+            <a:r>
+              <a:rPr lang="fr-FR" dirty="0" err="1" smtClean="0"/>
+              <a:t>bitvectors</a:t>
+            </a:r>
+            <a:r>
+              <a:rPr lang="fr-FR" dirty="0" smtClean="0"/>
+              <a:t> </a:t>
+            </a:r>
+            <a:r>
+              <a:rPr lang="fr-FR" dirty="0" smtClean="0">
+                <a:sym typeface="Wingdings"/>
+              </a:rPr>
+              <a:t> </a:t>
+            </a:r>
+            <a:r>
+              <a:rPr lang="fr-FR" dirty="0" err="1" smtClean="0">
+                <a:sym typeface="Wingdings"/>
+              </a:rPr>
+              <a:t>less</a:t>
+            </a:r>
+            <a:r>
+              <a:rPr lang="fr-FR" dirty="0" smtClean="0">
+                <a:sym typeface="Wingdings"/>
+              </a:rPr>
+              <a:t> </a:t>
+            </a:r>
+            <a:r>
+              <a:rPr lang="fr-FR" dirty="0" err="1" smtClean="0">
+                <a:sym typeface="Wingdings"/>
+              </a:rPr>
+              <a:t>precise</a:t>
+            </a:r>
+            <a:r>
+              <a:rPr lang="fr-FR" dirty="0" smtClean="0">
+                <a:sym typeface="Wingdings"/>
+              </a:rPr>
+              <a:t> on computation of </a:t>
+            </a:r>
+            <a:r>
+              <a:rPr lang="fr-FR" dirty="0" err="1" smtClean="0">
+                <a:sym typeface="Wingdings"/>
+              </a:rPr>
+              <a:t>bounds</a:t>
             </a:r>
             <a:endParaRPr lang="fr-FR" dirty="0" smtClean="0"/>
           </a:p>
@@ -13245,142 +14211,6 @@
               <a:buNone/>
             </a:pPr>
             <a:endParaRPr lang="fr-FR" dirty="0" smtClean="0"/>
-          </a:p>
-          <a:p>
-            <a:pPr marL="0" indent="0">
-              <a:buNone/>
-            </a:pPr>
-            <a:r>
-              <a:rPr lang="fr-FR" dirty="0" err="1" smtClean="0"/>
-              <a:t>Current</a:t>
-            </a:r>
-            <a:r>
-              <a:rPr lang="fr-FR" dirty="0" smtClean="0"/>
-              <a:t> solution in SPARK: use no / simple </a:t>
-            </a:r>
-            <a:r>
-              <a:rPr lang="fr-FR" dirty="0" err="1" smtClean="0"/>
-              <a:t>quantifiers</a:t>
-            </a:r>
-            <a:r>
-              <a:rPr lang="fr-FR" dirty="0" smtClean="0"/>
-              <a:t> </a:t>
-            </a:r>
-            <a:r>
-              <a:rPr lang="fr-FR" dirty="0" err="1" smtClean="0"/>
-              <a:t>when</a:t>
-            </a:r>
-            <a:r>
-              <a:rPr lang="fr-FR" dirty="0" smtClean="0"/>
-              <a:t> possible</a:t>
-            </a:r>
-          </a:p>
-          <a:p>
-            <a:pPr lvl="1"/>
-            <a:r>
-              <a:rPr lang="fr-FR" dirty="0" smtClean="0"/>
-              <a:t>Use types </a:t>
-            </a:r>
-            <a:r>
-              <a:rPr lang="fr-FR" dirty="0" err="1" smtClean="0"/>
-              <a:t>integer</a:t>
-            </a:r>
-            <a:r>
-              <a:rPr lang="fr-FR" dirty="0" smtClean="0"/>
-              <a:t>/</a:t>
-            </a:r>
-            <a:r>
-              <a:rPr lang="fr-FR" dirty="0" err="1" smtClean="0"/>
-              <a:t>bitvector</a:t>
-            </a:r>
-            <a:r>
-              <a:rPr lang="fr-FR" dirty="0" smtClean="0"/>
-              <a:t> </a:t>
-            </a:r>
-            <a:r>
-              <a:rPr lang="fr-FR" dirty="0" err="1" smtClean="0"/>
-              <a:t>whenever</a:t>
-            </a:r>
-            <a:r>
-              <a:rPr lang="fr-FR" dirty="0" smtClean="0"/>
-              <a:t> possible (</a:t>
-            </a:r>
-            <a:r>
-              <a:rPr lang="fr-FR" dirty="0" err="1" smtClean="0"/>
-              <a:t>instead</a:t>
-            </a:r>
-            <a:r>
-              <a:rPr lang="fr-FR" dirty="0" smtClean="0"/>
-              <a:t> of </a:t>
-            </a:r>
-            <a:r>
-              <a:rPr lang="fr-FR" dirty="0" err="1" smtClean="0"/>
-              <a:t>axiomatized</a:t>
-            </a:r>
-            <a:r>
-              <a:rPr lang="fr-FR" dirty="0" smtClean="0"/>
-              <a:t> abstract type</a:t>
-            </a:r>
-            <a:r>
-              <a:rPr lang="fr-FR" dirty="0" smtClean="0"/>
-              <a:t>)</a:t>
-            </a:r>
-          </a:p>
-          <a:p>
-            <a:pPr lvl="1"/>
-            <a:r>
-              <a:rPr lang="fr-FR" dirty="0" smtClean="0"/>
-              <a:t>Split variables to </a:t>
-            </a:r>
-            <a:r>
-              <a:rPr lang="fr-FR" dirty="0" err="1" smtClean="0"/>
-              <a:t>get</a:t>
-            </a:r>
-            <a:r>
-              <a:rPr lang="fr-FR" dirty="0" smtClean="0"/>
-              <a:t> frame condition for free (</a:t>
-            </a:r>
-            <a:r>
-              <a:rPr lang="fr-FR" dirty="0" err="1" smtClean="0"/>
-              <a:t>instead</a:t>
-            </a:r>
-            <a:r>
-              <a:rPr lang="fr-FR" dirty="0" smtClean="0"/>
-              <a:t> of </a:t>
-            </a:r>
-            <a:r>
-              <a:rPr lang="fr-FR" dirty="0" err="1" smtClean="0"/>
-              <a:t>using</a:t>
-            </a:r>
-            <a:r>
-              <a:rPr lang="fr-FR" dirty="0" smtClean="0"/>
-              <a:t> quantification)</a:t>
-            </a:r>
-            <a:endParaRPr lang="fr-FR" dirty="0" smtClean="0"/>
-          </a:p>
-          <a:p>
-            <a:pPr lvl="1"/>
-            <a:r>
-              <a:rPr lang="fr-FR" dirty="0" smtClean="0"/>
-              <a:t>Use triggers to force direction of </a:t>
-            </a:r>
-            <a:r>
-              <a:rPr lang="fr-FR" dirty="0" err="1" smtClean="0"/>
-              <a:t>instantiation</a:t>
-            </a:r>
-            <a:r>
-              <a:rPr lang="fr-FR" dirty="0" smtClean="0"/>
-              <a:t> (for </a:t>
-            </a:r>
-            <a:r>
-              <a:rPr lang="fr-FR" dirty="0" err="1" smtClean="0"/>
-              <a:t>definitions</a:t>
-            </a:r>
-            <a:r>
-              <a:rPr lang="fr-FR" dirty="0" smtClean="0"/>
-              <a:t>)</a:t>
-            </a:r>
-            <a:endParaRPr lang="fr-FR" dirty="0"/>
           </a:p>
         </p:txBody>
       </p:sp>
@@ -13401,11 +14231,15 @@
           <a:p>
             <a:r>
               <a:rPr lang="fr-FR" dirty="0" smtClean="0"/>
-              <a:t>Handling of </a:t>
-            </a:r>
-            <a:r>
-              <a:rPr lang="fr-FR" dirty="0" err="1" smtClean="0"/>
-              <a:t>Quantifiers</a:t>
+              <a:t>Conversions </a:t>
+            </a:r>
+            <a:r>
+              <a:rPr lang="fr-FR" dirty="0" err="1" smtClean="0"/>
+              <a:t>Between</a:t>
+            </a:r>
+            <a:r>
+              <a:rPr lang="fr-FR" dirty="0" smtClean="0"/>
+              <a:t> Types</a:t>
             </a:r>
             <a:endParaRPr lang="fr-FR" dirty="0"/>
           </a:p>
@@ -13445,7 +14279,7 @@
     </p:spTree>
     <p:extLst>
       <p:ext uri="{BB962C8B-B14F-4D97-AF65-F5344CB8AC3E}">
-        <p14:creationId xmlns:p14="http://schemas.microsoft.com/office/powerpoint/2010/main" val="1156806863"/>
+        <p14:creationId xmlns:p14="http://schemas.microsoft.com/office/powerpoint/2010/main" val="557345355"/>
       </p:ext>
     </p:extLst>
   </p:cSld>

--- a/slides/CP_meets_Verif_2016/SPARK.pptx
+++ b/slides/CP_meets_Verif_2016/SPARK.pptx
@@ -4694,11 +4694,7 @@
             </a:r>
             <a:r>
               <a:rPr lang="fr-FR" dirty="0" smtClean="0"/>
-              <a:t> </a:t>
-            </a:r>
-            <a:r>
-              <a:rPr lang="fr-FR" dirty="0" smtClean="0"/>
-              <a:t>are essential to:</a:t>
+              <a:t> are essential to:</a:t>
             </a:r>
           </a:p>
           <a:p>
@@ -5573,11 +5569,7 @@
             </a:r>
             <a:r>
               <a:rPr lang="fr-FR" dirty="0" smtClean="0"/>
-              <a:t>) and Colibri </a:t>
-            </a:r>
-            <a:r>
-              <a:rPr lang="fr-FR" dirty="0" smtClean="0"/>
-              <a:t>(CP </a:t>
+              <a:t>) and Colibri (CP </a:t>
             </a:r>
             <a:r>
               <a:rPr lang="fr-FR" dirty="0" err="1" smtClean="0"/>
@@ -5593,11 +5585,7 @@
             </a:r>
             <a:r>
               <a:rPr lang="fr-FR" dirty="0" smtClean="0"/>
-              <a:t> </a:t>
-            </a:r>
-            <a:r>
-              <a:rPr lang="fr-FR" dirty="0" smtClean="0"/>
-              <a:t>CEA).</a:t>
+              <a:t> CEA).</a:t>
             </a:r>
           </a:p>
           <a:p>
@@ -5726,7 +5714,11 @@
             </a:pPr>
             <a:r>
               <a:rPr lang="is-IS" dirty="0" smtClean="0"/>
-              <a:t>… while preserving the good quantifier instantiation of SMT provers.</a:t>
+              <a:t>… while preserving the good quantifier instantiation of SMT provers</a:t>
+            </a:r>
+            <a:r>
+              <a:rPr lang="is-IS" dirty="0" smtClean="0"/>
+              <a:t>.</a:t>
             </a:r>
           </a:p>
           <a:p>
@@ -10504,14 +10496,14 @@
           </a:ln>
           <a:extLst>
             <a:ext uri="{909E8E84-426E-40dd-AFC4-6F175D3DCCD1}">
-              <a14:hiddenFill xmlns:a14="http://schemas.microsoft.com/office/drawing/2010/main" xmlns="">
+              <a14:hiddenFill xmlns="" xmlns:a14="http://schemas.microsoft.com/office/drawing/2010/main">
                 <a:solidFill>
                   <a:srgbClr val="FFFFFF"/>
                 </a:solidFill>
               </a14:hiddenFill>
             </a:ext>
             <a:ext uri="{91240B29-F687-4f45-9708-019B960494DF}">
-              <a14:hiddenLine xmlns:a14="http://schemas.microsoft.com/office/drawing/2010/main" xmlns="" w="9525">
+              <a14:hiddenLine xmlns="" xmlns:a14="http://schemas.microsoft.com/office/drawing/2010/main" w="9525">
                 <a:solidFill>
                   <a:srgbClr val="000000"/>
                 </a:solidFill>
@@ -12012,11 +12004,7 @@
             </a:r>
             <a:r>
               <a:rPr lang="fr-FR" dirty="0" err="1" smtClean="0"/>
-              <a:t>Pr</a:t>
-            </a:r>
-            <a:r>
-              <a:rPr lang="fr-FR" dirty="0" err="1" smtClean="0"/>
-              <a:t>overs</a:t>
+              <a:t>Provers</a:t>
             </a:r>
             <a:endParaRPr lang="fr-FR" dirty="0"/>
           </a:p>
@@ -12346,11 +12334,19 @@
             </a:r>
             <a:r>
               <a:rPr lang="fr-FR" dirty="0" err="1" smtClean="0"/>
-              <a:t>involving</a:t>
-            </a:r>
-            <a:r>
-              <a:rPr lang="fr-FR" dirty="0" smtClean="0"/>
-              <a:t> / * ** </a:t>
+              <a:t>combin</a:t>
+            </a:r>
+            <a:r>
+              <a:rPr lang="fr-FR" dirty="0" err="1" smtClean="0"/>
+              <a:t>ing</a:t>
+            </a:r>
+            <a:r>
+              <a:rPr lang="fr-FR" dirty="0" smtClean="0"/>
+              <a:t> </a:t>
+            </a:r>
+            <a:r>
+              <a:rPr lang="fr-FR" dirty="0" smtClean="0"/>
+              <a:t>/ * ** </a:t>
             </a:r>
             <a:r>
               <a:rPr lang="fr-FR" dirty="0" err="1" smtClean="0"/>
@@ -12469,15 +12465,7 @@
             </a:r>
             <a:r>
               <a:rPr lang="fr-FR" dirty="0" smtClean="0"/>
-              <a:t> by compiler</a:t>
-            </a:r>
-            <a:r>
-              <a:rPr lang="fr-FR" dirty="0" smtClean="0"/>
-              <a:t>)</a:t>
-            </a:r>
-            <a:r>
-              <a:rPr lang="fr-FR" dirty="0" smtClean="0"/>
-              <a:t> </a:t>
+              <a:t> by compiler) </a:t>
             </a:r>
             <a:r>
               <a:rPr lang="fr-FR" dirty="0" err="1" smtClean="0"/>
@@ -12535,7 +12523,6 @@
               <a:rPr lang="fr-FR" dirty="0" smtClean="0"/>
               <a:t>).</a:t>
             </a:r>
-            <a:endParaRPr lang="fr-FR" dirty="0" smtClean="0"/>
           </a:p>
           <a:p>
             <a:pPr lvl="1"/>
@@ -12902,7 +12889,12 @@
             <p:ph type="body" idx="1"/>
           </p:nvPr>
         </p:nvSpPr>
-        <p:spPr/>
+        <p:spPr>
+          <a:xfrm>
+            <a:off x="685800" y="1143000"/>
+            <a:ext cx="7990656" cy="5334000"/>
+          </a:xfrm>
+        </p:spPr>
         <p:txBody>
           <a:bodyPr/>
           <a:lstStyle/>
@@ -13292,136 +13284,42 @@
               <a:rPr lang="fr-FR" dirty="0" smtClean="0"/>
               <a:t>.</a:t>
             </a:r>
+          </a:p>
+          <a:p>
+            <a:pPr lvl="1"/>
+            <a:r>
+              <a:rPr lang="fr-FR" dirty="0" err="1" smtClean="0"/>
+              <a:t>Monotonicity</a:t>
+            </a:r>
+            <a:r>
+              <a:rPr lang="fr-FR" dirty="0" smtClean="0"/>
+              <a:t> of </a:t>
+            </a:r>
+            <a:r>
+              <a:rPr lang="fr-FR" dirty="0" err="1" smtClean="0"/>
+              <a:t>rounding</a:t>
+            </a:r>
+            <a:r>
+              <a:rPr lang="fr-FR" dirty="0" smtClean="0"/>
+              <a:t>.</a:t>
+            </a:r>
+          </a:p>
+          <a:p>
+            <a:pPr lvl="1"/>
+            <a:r>
+              <a:rPr lang="is-IS" dirty="0" smtClean="0"/>
+              <a:t>…</a:t>
+            </a:r>
             <a:endParaRPr lang="fr-FR" dirty="0" smtClean="0"/>
-          </a:p>
-          <a:p>
-            <a:pPr lvl="1"/>
-            <a:r>
-              <a:rPr lang="fr-FR" dirty="0" smtClean="0"/>
-              <a:t>Relation </a:t>
-            </a:r>
-            <a:r>
-              <a:rPr lang="fr-FR" dirty="0" err="1" smtClean="0"/>
-              <a:t>between</a:t>
-            </a:r>
-            <a:r>
-              <a:rPr lang="fr-FR" dirty="0" smtClean="0"/>
-              <a:t> </a:t>
-            </a:r>
-            <a:r>
-              <a:rPr lang="fr-FR" dirty="0" err="1" smtClean="0"/>
-              <a:t>rounding</a:t>
-            </a:r>
-            <a:r>
-              <a:rPr lang="fr-FR" dirty="0" smtClean="0"/>
-              <a:t> and </a:t>
-            </a:r>
-            <a:r>
-              <a:rPr lang="fr-FR" dirty="0" err="1" smtClean="0"/>
-              <a:t>floor</a:t>
-            </a:r>
-            <a:r>
-              <a:rPr lang="fr-FR" dirty="0" smtClean="0"/>
-              <a:t> / </a:t>
-            </a:r>
-            <a:r>
-              <a:rPr lang="fr-FR" dirty="0" err="1" smtClean="0"/>
-              <a:t>ceiling</a:t>
-            </a:r>
-            <a:r>
-              <a:rPr lang="fr-FR" dirty="0" smtClean="0"/>
-              <a:t> </a:t>
-            </a:r>
-            <a:r>
-              <a:rPr lang="fr-FR" dirty="0" err="1" smtClean="0"/>
-              <a:t>operations</a:t>
-            </a:r>
-            <a:r>
-              <a:rPr lang="fr-FR" dirty="0" smtClean="0"/>
-              <a:t>.</a:t>
-            </a:r>
-            <a:endParaRPr lang="fr-FR" dirty="0" smtClean="0"/>
-          </a:p>
-          <a:p>
-            <a:pPr lvl="1"/>
-            <a:r>
-              <a:rPr lang="fr-FR" dirty="0" err="1" smtClean="0"/>
-              <a:t>Monotonicity</a:t>
-            </a:r>
-            <a:r>
-              <a:rPr lang="fr-FR" dirty="0" smtClean="0"/>
-              <a:t> of </a:t>
-            </a:r>
-            <a:r>
-              <a:rPr lang="fr-FR" dirty="0" err="1" smtClean="0"/>
-              <a:t>rounding</a:t>
-            </a:r>
-            <a:r>
-              <a:rPr lang="fr-FR" dirty="0" smtClean="0"/>
-              <a:t>.</a:t>
-            </a:r>
-            <a:endParaRPr lang="fr-FR" dirty="0" smtClean="0"/>
-          </a:p>
-          <a:p>
-            <a:pPr lvl="1"/>
-            <a:r>
-              <a:rPr lang="fr-FR" dirty="0" err="1" smtClean="0"/>
-              <a:t>Monotonicity</a:t>
-            </a:r>
-            <a:r>
-              <a:rPr lang="fr-FR" dirty="0" smtClean="0"/>
-              <a:t> </a:t>
-            </a:r>
-            <a:r>
-              <a:rPr lang="fr-FR" dirty="0" err="1" smtClean="0"/>
-              <a:t>wrt</a:t>
-            </a:r>
-            <a:r>
-              <a:rPr lang="fr-FR" dirty="0" smtClean="0"/>
-              <a:t>. </a:t>
-            </a:r>
-            <a:r>
-              <a:rPr lang="fr-FR" dirty="0" err="1"/>
-              <a:t>i</a:t>
-            </a:r>
-            <a:r>
-              <a:rPr lang="fr-FR" dirty="0" err="1" smtClean="0"/>
-              <a:t>nteger</a:t>
-            </a:r>
-            <a:r>
-              <a:rPr lang="fr-FR" dirty="0" smtClean="0"/>
-              <a:t> </a:t>
-            </a:r>
-            <a:r>
-              <a:rPr lang="fr-FR" dirty="0" err="1" smtClean="0"/>
-              <a:t>boundaries</a:t>
-            </a:r>
-            <a:r>
-              <a:rPr lang="fr-FR" dirty="0" smtClean="0"/>
-              <a:t>.</a:t>
-            </a:r>
-            <a:endParaRPr lang="fr-FR" dirty="0" smtClean="0"/>
-          </a:p>
-          <a:p>
-            <a:pPr lvl="1"/>
-            <a:r>
-              <a:rPr lang="fr-FR" dirty="0" err="1" smtClean="0"/>
-              <a:t>Special</a:t>
-            </a:r>
-            <a:r>
-              <a:rPr lang="fr-FR" dirty="0" smtClean="0"/>
-              <a:t> first/last values of types are </a:t>
-            </a:r>
-            <a:r>
-              <a:rPr lang="fr-FR" dirty="0" smtClean="0"/>
-              <a:t>exact.</a:t>
-            </a:r>
-            <a:endParaRPr lang="fr-FR" dirty="0"/>
           </a:p>
           <a:p>
             <a:pPr marL="0" indent="0">
               <a:buNone/>
             </a:pPr>
+            <a:r>
+              <a:rPr lang="fr-FR" dirty="0" smtClean="0"/>
+              <a:t>	</a:t>
+            </a:r>
             <a:endParaRPr lang="fr-FR" dirty="0" smtClean="0"/>
           </a:p>
           <a:p>
@@ -13450,7 +13348,7 @@
             </a:r>
             <a:r>
               <a:rPr lang="fr-FR" dirty="0" smtClean="0"/>
-              <a:t> in Z3 </a:t>
+              <a:t> </a:t>
             </a:r>
             <a:r>
               <a:rPr lang="fr-FR" dirty="0" smtClean="0">
@@ -13462,7 +13360,7 @@
               <a:rPr lang="fr-FR" dirty="0" err="1" smtClean="0">
                 <a:sym typeface="Wingdings"/>
               </a:rPr>
-              <a:t>less</a:t>
+              <a:t>overall</a:t>
             </a:r>
             <a:r>
               <a:rPr lang="fr-FR" dirty="0" smtClean="0">
@@ -13474,7 +13372,109 @@
               <a:rPr lang="fr-FR" dirty="0" err="1" smtClean="0">
                 <a:sym typeface="Wingdings"/>
               </a:rPr>
+              <a:t>less</a:t>
+            </a:r>
+            <a:r>
+              <a:rPr lang="fr-FR" dirty="0" smtClean="0">
+                <a:sym typeface="Wingdings"/>
+              </a:rPr>
+              <a:t> </a:t>
+            </a:r>
+            <a:r>
+              <a:rPr lang="fr-FR" dirty="0" err="1" smtClean="0">
+                <a:sym typeface="Wingdings"/>
+              </a:rPr>
               <a:t>precise</a:t>
+            </a:r>
+            <a:endParaRPr lang="fr-FR" dirty="0" smtClean="0">
+              <a:sym typeface="Wingdings"/>
+            </a:endParaRPr>
+          </a:p>
+          <a:p>
+            <a:pPr lvl="1"/>
+            <a:r>
+              <a:rPr lang="fr-FR" dirty="0" smtClean="0"/>
+              <a:t>Z3 </a:t>
+            </a:r>
+            <a:r>
+              <a:rPr lang="fr-FR" dirty="0" err="1" smtClean="0"/>
+              <a:t>float</a:t>
+            </a:r>
+            <a:r>
+              <a:rPr lang="fr-FR" dirty="0" smtClean="0"/>
+              <a:t> support </a:t>
+            </a:r>
+            <a:r>
+              <a:rPr lang="fr-FR" dirty="0" err="1" smtClean="0"/>
+              <a:t>quite</a:t>
+            </a:r>
+            <a:r>
+              <a:rPr lang="fr-FR" dirty="0" smtClean="0"/>
+              <a:t> </a:t>
+            </a:r>
+            <a:r>
+              <a:rPr lang="fr-FR" dirty="0" err="1" smtClean="0"/>
+              <a:t>precise</a:t>
+            </a:r>
+            <a:endParaRPr lang="fr-FR" dirty="0" smtClean="0"/>
+          </a:p>
+          <a:p>
+            <a:pPr lvl="1"/>
+            <a:r>
+              <a:rPr lang="fr-FR" dirty="0" smtClean="0"/>
+              <a:t>But change </a:t>
+            </a:r>
+            <a:r>
+              <a:rPr lang="fr-FR" dirty="0" err="1" smtClean="0"/>
+              <a:t>from</a:t>
+            </a:r>
+            <a:r>
+              <a:rPr lang="fr-FR" dirty="0" smtClean="0"/>
+              <a:t> (real + </a:t>
+            </a:r>
+            <a:r>
+              <a:rPr lang="fr-FR" dirty="0" err="1" smtClean="0"/>
+              <a:t>rounding</a:t>
+            </a:r>
+            <a:r>
+              <a:rPr lang="fr-FR" dirty="0"/>
+              <a:t>)</a:t>
+            </a:r>
+            <a:r>
+              <a:rPr lang="fr-FR" dirty="0" smtClean="0"/>
+              <a:t> to (</a:t>
+            </a:r>
+            <a:r>
+              <a:rPr lang="fr-FR" dirty="0" err="1" smtClean="0"/>
+              <a:t>float</a:t>
+            </a:r>
+            <a:r>
+              <a:rPr lang="fr-FR" dirty="0" smtClean="0"/>
+              <a:t> + </a:t>
+            </a:r>
+            <a:r>
+              <a:rPr lang="fr-FR" dirty="0" err="1" smtClean="0"/>
+              <a:t>axioms</a:t>
+            </a:r>
+            <a:r>
+              <a:rPr lang="fr-FR" dirty="0" smtClean="0"/>
+              <a:t>) </a:t>
+            </a:r>
+            <a:r>
+              <a:rPr lang="fr-FR" dirty="0" err="1" smtClean="0"/>
+              <a:t>loses</a:t>
+            </a:r>
+            <a:r>
+              <a:rPr lang="fr-FR" dirty="0" smtClean="0"/>
+              <a:t> </a:t>
+            </a:r>
+            <a:r>
+              <a:rPr lang="fr-FR" dirty="0" err="1" smtClean="0"/>
+              <a:t>proofs</a:t>
+            </a:r>
+            <a:r>
+              <a:rPr lang="fr-FR" dirty="0" smtClean="0"/>
+              <a:t> for Alt-Ergo and CVC4.</a:t>
             </a:r>
             <a:endParaRPr lang="fr-FR" dirty="0" smtClean="0"/>
           </a:p>
@@ -13685,6 +13685,36 @@
               </a:rPr>
               <a:t>reals</a:t>
             </a:r>
+            <a:r>
+              <a:rPr lang="fr-FR" dirty="0" smtClean="0">
+                <a:sym typeface="Wingdings"/>
+              </a:rPr>
+              <a:t> (</a:t>
+            </a:r>
+            <a:r>
+              <a:rPr lang="fr-FR" dirty="0" err="1" smtClean="0">
+                <a:sym typeface="Wingdings"/>
+              </a:rPr>
+              <a:t>with</a:t>
+            </a:r>
+            <a:r>
+              <a:rPr lang="fr-FR" dirty="0" smtClean="0">
+                <a:sym typeface="Wingdings"/>
+              </a:rPr>
+              <a:t> </a:t>
+            </a:r>
+            <a:r>
+              <a:rPr lang="fr-FR" dirty="0" err="1" smtClean="0">
+                <a:sym typeface="Wingdings"/>
+              </a:rPr>
+              <a:t>rounding</a:t>
+            </a:r>
+            <a:r>
+              <a:rPr lang="fr-FR" dirty="0" smtClean="0">
+                <a:sym typeface="Wingdings"/>
+              </a:rPr>
+              <a:t>)</a:t>
+            </a:r>
             <a:endParaRPr lang="fr-FR" dirty="0">
               <a:sym typeface="Wingdings"/>
             </a:endParaRPr>
@@ -14111,20 +14141,28 @@
               <a:t> </a:t>
             </a:r>
             <a:r>
-              <a:rPr lang="fr-FR" dirty="0" err="1" smtClean="0"/>
-              <a:t>less</a:t>
-            </a:r>
-            <a:r>
-              <a:rPr lang="fr-FR" dirty="0" smtClean="0"/>
+              <a:rPr lang="fr-FR" dirty="0" err="1" smtClean="0">
+                <a:sym typeface="Wingdings"/>
+              </a:rPr>
+              <a:t>cannot</a:t>
+            </a:r>
+            <a:r>
+              <a:rPr lang="fr-FR" dirty="0" smtClean="0">
+                <a:sym typeface="Wingdings"/>
+              </a:rPr>
               <a:t> </a:t>
             </a:r>
             <a:r>
-              <a:rPr lang="fr-FR" dirty="0" err="1" smtClean="0"/>
-              <a:t>precise</a:t>
-            </a:r>
-            <a:r>
-              <a:rPr lang="fr-FR" dirty="0" smtClean="0"/>
-              <a:t> on </a:t>
+              <a:rPr lang="fr-FR" dirty="0" err="1" smtClean="0">
+                <a:sym typeface="Wingdings"/>
+              </a:rPr>
+              <a:t>handle</a:t>
+            </a:r>
+            <a:r>
+              <a:rPr lang="fr-FR" dirty="0" smtClean="0">
+                <a:sym typeface="Wingdings"/>
+              </a:rPr>
+              <a:t> </a:t>
             </a:r>
             <a:r>
               <a:rPr lang="fr-FR" dirty="0" err="1" smtClean="0"/>
